--- a/01 intro.pptx
+++ b/01 intro.pptx
@@ -273,7 +273,7 @@
               <a:rPr lang="en-US" smtClean="0">
                 <a:latin typeface="Segoe UI" pitchFamily="34" charset="0"/>
               </a:rPr>
-              <a:t>12/11/18 1:49 PM</a:t>
+              <a:t>12/20/18 12:59 PM</a:t>
             </a:fld>
             <a:endParaRPr lang="en-US" dirty="0">
               <a:latin typeface="Segoe UI" pitchFamily="34" charset="0"/>
@@ -567,7 +567,7 @@
           <a:p>
             <a:fld id="{D18B56EA-E28F-4F92-9F16-7A6F2501B303}" type="datetime8">
               <a:rPr lang="en-US" smtClean="0"/>
-              <a:t>12/11/18 1:49 PM</a:t>
+              <a:t>12/20/18 12:59 PM</a:t>
             </a:fld>
             <a:endParaRPr lang="en-US" dirty="0"/>
           </a:p>
@@ -950,7 +950,7 @@
           <a:p>
             <a:fld id="{D18B56EA-E28F-4F92-9F16-7A6F2501B303}" type="datetime8">
               <a:rPr lang="en-US" smtClean="0"/>
-              <a:t>12/11/18 1:49 PM</a:t>
+              <a:t>12/20/18 12:59 PM</a:t>
             </a:fld>
             <a:endParaRPr lang="en-US" dirty="0"/>
           </a:p>
@@ -1131,7 +1131,7 @@
           <a:p>
             <a:fld id="{D18B56EA-E28F-4F92-9F16-7A6F2501B303}" type="datetime8">
               <a:rPr lang="en-US" smtClean="0"/>
-              <a:t>12/11/18 1:49 PM</a:t>
+              <a:t>12/20/18 12:59 PM</a:t>
             </a:fld>
             <a:endParaRPr lang="en-US" dirty="0"/>
           </a:p>
@@ -1789,7 +1789,7 @@
           <a:p>
             <a:fld id="{D18B56EA-E28F-4F92-9F16-7A6F2501B303}" type="datetime8">
               <a:rPr lang="en-US" smtClean="0"/>
-              <a:t>12/11/18 2:03 PM</a:t>
+              <a:t>12/20/18 12:59 PM</a:t>
             </a:fld>
             <a:endParaRPr lang="en-US" dirty="0"/>
           </a:p>
@@ -1970,7 +1970,7 @@
           <a:p>
             <a:fld id="{D18B56EA-E28F-4F92-9F16-7A6F2501B303}" type="datetime8">
               <a:rPr lang="en-US" smtClean="0"/>
-              <a:t>12/11/18 2:04 PM</a:t>
+              <a:t>12/20/18 12:59 PM</a:t>
             </a:fld>
             <a:endParaRPr lang="en-US" dirty="0"/>
           </a:p>
@@ -2151,7 +2151,7 @@
           <a:p>
             <a:fld id="{D18B56EA-E28F-4F92-9F16-7A6F2501B303}" type="datetime8">
               <a:rPr lang="en-US" smtClean="0"/>
-              <a:t>12/11/18 1:49 PM</a:t>
+              <a:t>12/20/18 12:59 PM</a:t>
             </a:fld>
             <a:endParaRPr lang="en-US" dirty="0"/>
           </a:p>
@@ -2332,7 +2332,7 @@
           <a:p>
             <a:fld id="{D18B56EA-E28F-4F92-9F16-7A6F2501B303}" type="datetime8">
               <a:rPr lang="en-US" smtClean="0"/>
-              <a:t>12/11/18 1:49 PM</a:t>
+              <a:t>12/20/18 12:59 PM</a:t>
             </a:fld>
             <a:endParaRPr lang="en-US" dirty="0"/>
           </a:p>
@@ -7032,8 +7032,8 @@
 </file>
 
 <file path=ppt/slideLayouts/slideLayout26.xml><?xml version="1.0" encoding="utf-8"?>
-<p:sldLayout xmlns:a="http://schemas.openxmlformats.org/drawingml/2006/main" xmlns:r="http://schemas.openxmlformats.org/officeDocument/2006/relationships" xmlns:p="http://schemas.openxmlformats.org/presentationml/2006/main" userDrawn="1">
-  <p:cSld name="Developer Code Layout">
+<p:sldLayout xmlns:a="http://schemas.openxmlformats.org/drawingml/2006/main" xmlns:r="http://schemas.openxmlformats.org/officeDocument/2006/relationships" xmlns:p="http://schemas.openxmlformats.org/presentationml/2006/main" preserve="1" userDrawn="1">
+  <p:cSld name="1_Developer Code Layout">
     <p:spTree>
       <p:nvGrpSpPr>
         <p:cNvPr id="1" name=""/>
@@ -7058,27 +7058,31 @@
             <p:ph type="title" hasCustomPrompt="1"/>
           </p:nvPr>
         </p:nvSpPr>
-        <p:spPr/>
+        <p:spPr>
+          <a:xfrm>
+            <a:off x="464400" y="633600"/>
+            <a:ext cx="11575200" cy="410369"/>
+          </a:xfrm>
+        </p:spPr>
         <p:txBody>
-          <a:bodyPr/>
+          <a:bodyPr vert="horz" wrap="square" lIns="0" tIns="0" rIns="0" bIns="0" rtlCol="0" anchor="t">
+            <a:spAutoFit/>
+          </a:bodyPr>
           <a:lstStyle>
             <a:lvl1pPr>
-              <a:defRPr>
-                <a:gradFill>
-                  <a:gsLst>
-                    <a:gs pos="1250">
-                      <a:schemeClr val="tx2"/>
-                    </a:gs>
-                    <a:gs pos="100000">
-                      <a:schemeClr val="tx2"/>
-                    </a:gs>
-                  </a:gsLst>
-                  <a:lin ang="5400000" scaled="0"/>
-                </a:gradFill>
+              <a:defRPr lang="en-US" sz="2800" dirty="0">
+                <a:solidFill>
+                  <a:srgbClr val="2F2F2F"/>
+                </a:solidFill>
               </a:defRPr>
             </a:lvl1pPr>
           </a:lstStyle>
           <a:p>
+            <a:pPr lvl="0">
+              <a:lnSpc>
+                <a:spcPts val="3200"/>
+              </a:lnSpc>
+            </a:pPr>
             <a:r>
               <a:rPr lang="en-US" dirty="0"/>
               <a:t>Slide for Developer Code</a:t>
@@ -7171,8 +7175,8 @@
         </p:nvSpPr>
         <p:spPr>
           <a:xfrm>
-            <a:off x="528849" y="1476622"/>
-            <a:ext cx="11378776" cy="2360774"/>
+            <a:off x="464400" y="1178952"/>
+            <a:ext cx="11575200" cy="2658444"/>
           </a:xfrm>
         </p:spPr>
         <p:txBody>
@@ -7287,45 +7291,44 @@
           <a:p>
             <a:pPr lvl="0"/>
             <a:r>
-              <a:rPr lang="en-US"/>
+              <a:rPr lang="en-US" dirty="0"/>
               <a:t>Click to edit Master text styles</a:t>
             </a:r>
           </a:p>
           <a:p>
             <a:pPr lvl="1"/>
             <a:r>
-              <a:rPr lang="en-US"/>
+              <a:rPr lang="en-US" dirty="0"/>
               <a:t>Second level</a:t>
             </a:r>
           </a:p>
           <a:p>
             <a:pPr lvl="2"/>
             <a:r>
-              <a:rPr lang="en-US"/>
+              <a:rPr lang="en-US" dirty="0"/>
               <a:t>Third level</a:t>
             </a:r>
           </a:p>
           <a:p>
             <a:pPr lvl="3"/>
             <a:r>
-              <a:rPr lang="en-US"/>
+              <a:rPr lang="en-US" dirty="0"/>
               <a:t>Fourth level</a:t>
             </a:r>
           </a:p>
           <a:p>
             <a:pPr lvl="4"/>
             <a:r>
-              <a:rPr lang="en-US"/>
+              <a:rPr lang="en-US" dirty="0"/>
               <a:t>Fifth level</a:t>
             </a:r>
-            <a:endParaRPr lang="en-US" dirty="0"/>
           </a:p>
         </p:txBody>
       </p:sp>
     </p:spTree>
     <p:extLst>
       <p:ext uri="{BB962C8B-B14F-4D97-AF65-F5344CB8AC3E}">
-        <p14:creationId xmlns:p14="http://schemas.microsoft.com/office/powerpoint/2010/main" val="2517332202"/>
+        <p14:creationId xmlns:p14="http://schemas.microsoft.com/office/powerpoint/2010/main" val="2642709708"/>
       </p:ext>
     </p:extLst>
   </p:cSld>
@@ -7339,177 +7342,8 @@
 </file>
 
 <file path=ppt/slideLayouts/slideLayout27.xml><?xml version="1.0" encoding="utf-8"?>
-<p:sldLayout xmlns:a="http://schemas.openxmlformats.org/drawingml/2006/main" xmlns:r="http://schemas.openxmlformats.org/officeDocument/2006/relationships" xmlns:p="http://schemas.openxmlformats.org/presentationml/2006/main" userDrawn="1">
-  <p:cSld name="Title &amp; 2-color Non-bulleted text">
-    <p:spTree>
-      <p:nvGrpSpPr>
-        <p:cNvPr id="1" name=""/>
-        <p:cNvGrpSpPr/>
-        <p:nvPr/>
-      </p:nvGrpSpPr>
-      <p:grpSpPr>
-        <a:xfrm>
-          <a:off x="0" y="0"/>
-          <a:ext cx="0" cy="0"/>
-          <a:chOff x="0" y="0"/>
-          <a:chExt cx="0" cy="0"/>
-        </a:xfrm>
-      </p:grpSpPr>
-      <p:pic>
-        <p:nvPicPr>
-          <p:cNvPr id="7" name="Picture 6"/>
-          <p:cNvPicPr>
-            <a:picLocks noChangeAspect="1"/>
-          </p:cNvPicPr>
-          <p:nvPr userDrawn="1"/>
-        </p:nvPicPr>
-        <p:blipFill>
-          <a:blip r:embed="rId2" cstate="screen">
-            <a:extLst>
-              <a:ext uri="{28A0092B-C50C-407E-A947-70E740481C1C}">
-                <a14:useLocalDpi xmlns:a14="http://schemas.microsoft.com/office/drawing/2010/main"/>
-              </a:ext>
-            </a:extLst>
-          </a:blip>
-          <a:stretch>
-            <a:fillRect/>
-          </a:stretch>
-        </p:blipFill>
-        <p:spPr>
-          <a:xfrm>
-            <a:off x="10933639" y="6533467"/>
-            <a:ext cx="1501954" cy="477297"/>
-          </a:xfrm>
-          <a:prstGeom prst="rect">
-            <a:avLst/>
-          </a:prstGeom>
-        </p:spPr>
-      </p:pic>
-      <p:sp>
-        <p:nvSpPr>
-          <p:cNvPr id="2" name="Title 1"/>
-          <p:cNvSpPr>
-            <a:spLocks noGrp="1"/>
-          </p:cNvSpPr>
-          <p:nvPr>
-            <p:ph type="title"/>
-          </p:nvPr>
-        </p:nvSpPr>
-        <p:spPr/>
-        <p:txBody>
-          <a:bodyPr/>
-          <a:lstStyle/>
-          <a:p>
-            <a:r>
-              <a:rPr lang="en-US"/>
-              <a:t>Click to edit Master title style</a:t>
-            </a:r>
-            <a:endParaRPr lang="en-US" dirty="0"/>
-          </a:p>
-        </p:txBody>
-      </p:sp>
-      <p:sp>
-        <p:nvSpPr>
-          <p:cNvPr id="6" name="Text Placeholder 5"/>
-          <p:cNvSpPr>
-            <a:spLocks noGrp="1"/>
-          </p:cNvSpPr>
-          <p:nvPr>
-            <p:ph type="body" sz="quarter" idx="10"/>
-          </p:nvPr>
-        </p:nvSpPr>
-        <p:spPr>
-          <a:xfrm>
-            <a:off x="274638" y="1212850"/>
-            <a:ext cx="11887200" cy="1889748"/>
-          </a:xfrm>
-        </p:spPr>
-        <p:txBody>
-          <a:bodyPr/>
-          <a:lstStyle>
-            <a:lvl1pPr marL="0" indent="0">
-              <a:buNone/>
-              <a:defRPr>
-                <a:solidFill>
-                  <a:schemeClr val="tx2"/>
-                </a:solidFill>
-              </a:defRPr>
-            </a:lvl1pPr>
-            <a:lvl2pPr marL="0" indent="0">
-              <a:buFontTx/>
-              <a:buNone/>
-              <a:defRPr sz="2000"/>
-            </a:lvl2pPr>
-            <a:lvl3pPr marL="228600" indent="0">
-              <a:buNone/>
-              <a:defRPr sz="1800"/>
-            </a:lvl3pPr>
-            <a:lvl4pPr marL="457200" indent="0">
-              <a:buNone/>
-              <a:defRPr sz="1600"/>
-            </a:lvl4pPr>
-            <a:lvl5pPr marL="685800" indent="0">
-              <a:buNone/>
-              <a:defRPr sz="1400"/>
-            </a:lvl5pPr>
-          </a:lstStyle>
-          <a:p>
-            <a:pPr lvl="0"/>
-            <a:r>
-              <a:rPr lang="en-US"/>
-              <a:t>Edit Master text styles</a:t>
-            </a:r>
-          </a:p>
-          <a:p>
-            <a:pPr lvl="1"/>
-            <a:r>
-              <a:rPr lang="en-US"/>
-              <a:t>Second level</a:t>
-            </a:r>
-          </a:p>
-          <a:p>
-            <a:pPr lvl="2"/>
-            <a:r>
-              <a:rPr lang="en-US"/>
-              <a:t>Third level</a:t>
-            </a:r>
-          </a:p>
-          <a:p>
-            <a:pPr lvl="3"/>
-            <a:r>
-              <a:rPr lang="en-US"/>
-              <a:t>Fourth level</a:t>
-            </a:r>
-          </a:p>
-          <a:p>
-            <a:pPr lvl="4"/>
-            <a:r>
-              <a:rPr lang="en-US"/>
-              <a:t>Fifth level</a:t>
-            </a:r>
-            <a:endParaRPr lang="en-US" dirty="0"/>
-          </a:p>
-        </p:txBody>
-      </p:sp>
-    </p:spTree>
-    <p:extLst>
-      <p:ext uri="{BB962C8B-B14F-4D97-AF65-F5344CB8AC3E}">
-        <p14:creationId xmlns:p14="http://schemas.microsoft.com/office/powerpoint/2010/main" val="3845859015"/>
-      </p:ext>
-    </p:extLst>
-  </p:cSld>
-  <p:clrMapOvr>
-    <a:masterClrMapping/>
-  </p:clrMapOvr>
-  <p:transition>
-    <p:fade/>
-  </p:transition>
-</p:sldLayout>
-</file>
-
-<file path=ppt/slideLayouts/slideLayout28.xml><?xml version="1.0" encoding="utf-8"?>
-<p:sldLayout xmlns:a="http://schemas.openxmlformats.org/drawingml/2006/main" xmlns:r="http://schemas.openxmlformats.org/officeDocument/2006/relationships" xmlns:p="http://schemas.openxmlformats.org/presentationml/2006/main" userDrawn="1">
-  <p:cSld name="Title Only">
+<p:sldLayout xmlns:a="http://schemas.openxmlformats.org/drawingml/2006/main" xmlns:r="http://schemas.openxmlformats.org/officeDocument/2006/relationships" xmlns:p="http://schemas.openxmlformats.org/presentationml/2006/main" preserve="1" userDrawn="1">
+  <p:cSld name="1_Title &amp; 2-color Non-bulleted text">
     <p:spTree>
       <p:nvGrpSpPr>
         <p:cNvPr id="1" name=""/>
@@ -7534,111 +7368,124 @@
             <p:ph type="title"/>
           </p:nvPr>
         </p:nvSpPr>
-        <p:spPr/>
+        <p:spPr>
+          <a:xfrm>
+            <a:off x="464400" y="633600"/>
+            <a:ext cx="11574000" cy="410369"/>
+          </a:xfrm>
+        </p:spPr>
         <p:txBody>
-          <a:bodyPr/>
-          <a:lstStyle/>
-          <a:p>
-            <a:r>
-              <a:rPr lang="en-US"/>
+          <a:bodyPr vert="horz" wrap="square" lIns="0" tIns="0" rIns="0" bIns="0" rtlCol="0" anchor="t">
+            <a:spAutoFit/>
+          </a:bodyPr>
+          <a:lstStyle>
+            <a:lvl1pPr>
+              <a:defRPr lang="en-US" sz="2800" dirty="0">
+                <a:solidFill>
+                  <a:srgbClr val="2F2F2F"/>
+                </a:solidFill>
+              </a:defRPr>
+            </a:lvl1pPr>
+          </a:lstStyle>
+          <a:p>
+            <a:pPr lvl="0">
+              <a:lnSpc>
+                <a:spcPts val="3200"/>
+              </a:lnSpc>
+            </a:pPr>
+            <a:r>
+              <a:rPr lang="en-US" dirty="0"/>
               <a:t>Click to edit Master title style</a:t>
             </a:r>
-            <a:endParaRPr lang="en-US" dirty="0"/>
           </a:p>
         </p:txBody>
       </p:sp>
       <p:sp>
         <p:nvSpPr>
-          <p:cNvPr id="3" name="Rectangle 2"/>
-          <p:cNvSpPr/>
-          <p:nvPr userDrawn="1"/>
+          <p:cNvPr id="6" name="Text Placeholder 5"/>
+          <p:cNvSpPr>
+            <a:spLocks noGrp="1"/>
+          </p:cNvSpPr>
+          <p:nvPr>
+            <p:ph type="body" sz="quarter" idx="10"/>
+          </p:nvPr>
         </p:nvSpPr>
-        <p:spPr bwMode="auto">
+        <p:spPr>
           <a:xfrm>
-            <a:off x="882" y="6529422"/>
-            <a:ext cx="12434711" cy="479744"/>
+            <a:off x="464400" y="1212850"/>
+            <a:ext cx="11574000" cy="1346522"/>
           </a:xfrm>
-          <a:prstGeom prst="rect">
-            <a:avLst/>
-          </a:prstGeom>
-          <a:solidFill>
-            <a:schemeClr val="tx2"/>
-          </a:solidFill>
-          <a:ln w="10795" cap="flat" cmpd="sng" algn="ctr">
-            <a:noFill/>
-            <a:prstDash val="solid"/>
-            <a:headEnd type="none" w="med" len="med"/>
-            <a:tailEnd type="none" w="med" len="med"/>
-          </a:ln>
-          <a:effectLst/>
         </p:spPr>
         <p:txBody>
-          <a:bodyPr vert="horz" wrap="square" lIns="0" tIns="45713" rIns="0" bIns="45713" numCol="1" rtlCol="0" anchor="ctr" anchorCtr="0" compatLnSpc="1">
-            <a:prstTxWarp prst="textNoShape">
-              <a:avLst/>
-            </a:prstTxWarp>
-          </a:bodyPr>
-          <a:lstStyle/>
-          <a:p>
-            <a:pPr algn="ctr" defTabSz="913926" fontAlgn="base">
-              <a:spcBef>
-                <a:spcPct val="0"/>
-              </a:spcBef>
-              <a:spcAft>
-                <a:spcPct val="0"/>
-              </a:spcAft>
-              <a:defRPr/>
-            </a:pPr>
-            <a:endParaRPr lang="en-US" sz="1764" kern="0" dirty="0">
-              <a:gradFill>
-                <a:gsLst>
-                  <a:gs pos="0">
-                    <a:srgbClr val="FFFFFF"/>
-                  </a:gs>
-                  <a:gs pos="100000">
-                    <a:srgbClr val="FFFFFF"/>
-                  </a:gs>
-                </a:gsLst>
-                <a:lin ang="5400000" scaled="0"/>
-              </a:gradFill>
-            </a:endParaRPr>
+          <a:bodyPr/>
+          <a:lstStyle>
+            <a:lvl1pPr marL="0" indent="0">
+              <a:buNone/>
+              <a:defRPr sz="2400">
+                <a:solidFill>
+                  <a:schemeClr val="tx2"/>
+                </a:solidFill>
+              </a:defRPr>
+            </a:lvl1pPr>
+            <a:lvl2pPr marL="0" indent="0">
+              <a:buFontTx/>
+              <a:buNone/>
+              <a:defRPr sz="1400"/>
+            </a:lvl2pPr>
+            <a:lvl3pPr marL="228600" indent="0">
+              <a:buNone/>
+              <a:defRPr sz="1200"/>
+            </a:lvl3pPr>
+            <a:lvl4pPr marL="457200" indent="0">
+              <a:buNone/>
+              <a:defRPr sz="1100"/>
+            </a:lvl4pPr>
+            <a:lvl5pPr marL="685800" indent="0">
+              <a:buNone/>
+              <a:defRPr sz="1050"/>
+            </a:lvl5pPr>
+          </a:lstStyle>
+          <a:p>
+            <a:pPr lvl="0"/>
+            <a:r>
+              <a:rPr lang="en-US" dirty="0"/>
+              <a:t>Edit Master text styles</a:t>
+            </a:r>
+          </a:p>
+          <a:p>
+            <a:pPr lvl="1"/>
+            <a:r>
+              <a:rPr lang="en-US" dirty="0"/>
+              <a:t>Second level</a:t>
+            </a:r>
+          </a:p>
+          <a:p>
+            <a:pPr lvl="2"/>
+            <a:r>
+              <a:rPr lang="en-US" dirty="0"/>
+              <a:t>Third level</a:t>
+            </a:r>
+          </a:p>
+          <a:p>
+            <a:pPr lvl="3"/>
+            <a:r>
+              <a:rPr lang="en-US" dirty="0"/>
+              <a:t>Fourth level</a:t>
+            </a:r>
+          </a:p>
+          <a:p>
+            <a:pPr lvl="4"/>
+            <a:r>
+              <a:rPr lang="en-US" dirty="0"/>
+              <a:t>Fifth level</a:t>
+            </a:r>
           </a:p>
         </p:txBody>
       </p:sp>
-      <p:pic>
-        <p:nvPicPr>
-          <p:cNvPr id="5" name="Picture 4"/>
-          <p:cNvPicPr>
-            <a:picLocks noChangeAspect="1"/>
-          </p:cNvPicPr>
-          <p:nvPr userDrawn="1"/>
-        </p:nvPicPr>
-        <p:blipFill>
-          <a:blip r:embed="rId2">
-            <a:extLst>
-              <a:ext uri="{28A0092B-C50C-407E-A947-70E740481C1C}">
-                <a14:useLocalDpi xmlns:a14="http://schemas.microsoft.com/office/drawing/2010/main" val="0"/>
-              </a:ext>
-            </a:extLst>
-          </a:blip>
-          <a:stretch>
-            <a:fillRect/>
-          </a:stretch>
-        </p:blipFill>
-        <p:spPr>
-          <a:xfrm>
-            <a:off x="10933639" y="6533467"/>
-            <a:ext cx="1501954" cy="477297"/>
-          </a:xfrm>
-          <a:prstGeom prst="rect">
-            <a:avLst/>
-          </a:prstGeom>
-        </p:spPr>
-      </p:pic>
     </p:spTree>
     <p:extLst>
       <p:ext uri="{BB962C8B-B14F-4D97-AF65-F5344CB8AC3E}">
-        <p14:creationId xmlns:p14="http://schemas.microsoft.com/office/powerpoint/2010/main" val="1799115155"/>
+        <p14:creationId xmlns:p14="http://schemas.microsoft.com/office/powerpoint/2010/main" val="40826002"/>
       </p:ext>
     </p:extLst>
   </p:cSld>
@@ -7651,9 +7498,9 @@
 </p:sldLayout>
 </file>
 
-<file path=ppt/slideLayouts/slideLayout29.xml><?xml version="1.0" encoding="utf-8"?>
-<p:sldLayout xmlns:a="http://schemas.openxmlformats.org/drawingml/2006/main" xmlns:r="http://schemas.openxmlformats.org/officeDocument/2006/relationships" xmlns:p="http://schemas.openxmlformats.org/presentationml/2006/main" userDrawn="1">
-  <p:cSld name="Title and Content">
+<file path=ppt/slideLayouts/slideLayout28.xml><?xml version="1.0" encoding="utf-8"?>
+<p:sldLayout xmlns:a="http://schemas.openxmlformats.org/drawingml/2006/main" xmlns:r="http://schemas.openxmlformats.org/officeDocument/2006/relationships" xmlns:p="http://schemas.openxmlformats.org/presentationml/2006/main" preserve="1" userDrawn="1">
+  <p:cSld name="1_Title and Content">
     <p:spTree>
       <p:nvGrpSpPr>
         <p:cNvPr id="1" name=""/>
@@ -7680,8 +7527,8 @@
         </p:nvSpPr>
         <p:spPr>
           <a:xfrm>
-            <a:off x="274638" y="1212850"/>
-            <a:ext cx="11887200" cy="1889748"/>
+            <a:off x="464400" y="1212850"/>
+            <a:ext cx="11574000" cy="1566583"/>
           </a:xfrm>
         </p:spPr>
         <p:txBody>
@@ -7690,16 +7537,16 @@
           </a:bodyPr>
           <a:lstStyle>
             <a:lvl1pPr>
-              <a:defRPr sz="4000"/>
+              <a:defRPr sz="2400"/>
             </a:lvl1pPr>
             <a:lvl2pPr>
-              <a:defRPr sz="2000"/>
+              <a:defRPr sz="1800"/>
             </a:lvl2pPr>
             <a:lvl3pPr>
-              <a:defRPr sz="1800"/>
+              <a:defRPr sz="1600"/>
             </a:lvl3pPr>
             <a:lvl4pPr>
-              <a:defRPr sz="1600"/>
+              <a:defRPr sz="1400"/>
             </a:lvl4pPr>
             <a:lvl5pPr>
               <a:defRPr sz="1400"/>
@@ -7708,38 +7555,37 @@
           <a:p>
             <a:pPr lvl="0"/>
             <a:r>
-              <a:rPr lang="en-US"/>
+              <a:rPr lang="en-US" dirty="0"/>
               <a:t>Edit Master text styles</a:t>
             </a:r>
           </a:p>
           <a:p>
             <a:pPr lvl="1"/>
             <a:r>
-              <a:rPr lang="en-US"/>
+              <a:rPr lang="en-US" dirty="0"/>
               <a:t>Second level</a:t>
             </a:r>
           </a:p>
           <a:p>
             <a:pPr lvl="2"/>
             <a:r>
-              <a:rPr lang="en-US"/>
+              <a:rPr lang="en-US" dirty="0"/>
               <a:t>Third level</a:t>
             </a:r>
           </a:p>
           <a:p>
             <a:pPr lvl="3"/>
             <a:r>
-              <a:rPr lang="en-US"/>
+              <a:rPr lang="en-US" dirty="0"/>
               <a:t>Fourth level</a:t>
             </a:r>
           </a:p>
           <a:p>
             <a:pPr lvl="4"/>
             <a:r>
-              <a:rPr lang="en-US"/>
+              <a:rPr lang="en-US" dirty="0"/>
               <a:t>Fifth level</a:t>
             </a:r>
-            <a:endParaRPr lang="en-US" dirty="0"/>
           </a:p>
         </p:txBody>
       </p:sp>
@@ -7753,110 +7599,42 @@
             <p:ph type="title"/>
           </p:nvPr>
         </p:nvSpPr>
-        <p:spPr/>
+        <p:spPr>
+          <a:xfrm>
+            <a:off x="464400" y="633600"/>
+            <a:ext cx="11574000" cy="410369"/>
+          </a:xfrm>
+        </p:spPr>
         <p:txBody>
-          <a:bodyPr/>
-          <a:lstStyle/>
-          <a:p>
-            <a:r>
-              <a:rPr lang="en-US"/>
+          <a:bodyPr vert="horz" wrap="square" lIns="0" tIns="0" rIns="0" bIns="0" rtlCol="0" anchor="t">
+            <a:spAutoFit/>
+          </a:bodyPr>
+          <a:lstStyle>
+            <a:lvl1pPr>
+              <a:defRPr lang="en-US" sz="2800">
+                <a:solidFill>
+                  <a:srgbClr val="2F2F2F"/>
+                </a:solidFill>
+              </a:defRPr>
+            </a:lvl1pPr>
+          </a:lstStyle>
+          <a:p>
+            <a:pPr lvl="0">
+              <a:lnSpc>
+                <a:spcPts val="3200"/>
+              </a:lnSpc>
+            </a:pPr>
+            <a:r>
+              <a:rPr lang="en-US" dirty="0"/>
               <a:t>Click to edit Master title style</a:t>
             </a:r>
           </a:p>
         </p:txBody>
       </p:sp>
-      <p:sp>
-        <p:nvSpPr>
-          <p:cNvPr id="5" name="Rectangle 4"/>
-          <p:cNvSpPr/>
-          <p:nvPr userDrawn="1"/>
-        </p:nvSpPr>
-        <p:spPr bwMode="auto">
-          <a:xfrm>
-            <a:off x="882" y="6529422"/>
-            <a:ext cx="12434711" cy="479744"/>
-          </a:xfrm>
-          <a:prstGeom prst="rect">
-            <a:avLst/>
-          </a:prstGeom>
-          <a:solidFill>
-            <a:schemeClr val="tx2"/>
-          </a:solidFill>
-          <a:ln w="10795" cap="flat" cmpd="sng" algn="ctr">
-            <a:noFill/>
-            <a:prstDash val="solid"/>
-            <a:headEnd type="none" w="med" len="med"/>
-            <a:tailEnd type="none" w="med" len="med"/>
-          </a:ln>
-          <a:effectLst/>
-        </p:spPr>
-        <p:txBody>
-          <a:bodyPr vert="horz" wrap="square" lIns="0" tIns="45713" rIns="0" bIns="45713" numCol="1" rtlCol="0" anchor="ctr" anchorCtr="0" compatLnSpc="1">
-            <a:prstTxWarp prst="textNoShape">
-              <a:avLst/>
-            </a:prstTxWarp>
-          </a:bodyPr>
-          <a:lstStyle/>
-          <a:p>
-            <a:pPr algn="ctr" defTabSz="913926" fontAlgn="base">
-              <a:spcBef>
-                <a:spcPct val="0"/>
-              </a:spcBef>
-              <a:spcAft>
-                <a:spcPct val="0"/>
-              </a:spcAft>
-              <a:defRPr/>
-            </a:pPr>
-            <a:endParaRPr lang="en-US" sz="1764" kern="0" dirty="0">
-              <a:gradFill>
-                <a:gsLst>
-                  <a:gs pos="0">
-                    <a:srgbClr val="FFFFFF"/>
-                  </a:gs>
-                  <a:gs pos="100000">
-                    <a:srgbClr val="FFFFFF"/>
-                  </a:gs>
-                </a:gsLst>
-                <a:lin ang="5400000" scaled="0"/>
-              </a:gradFill>
-            </a:endParaRPr>
-          </a:p>
-        </p:txBody>
-      </p:sp>
-      <p:pic>
-        <p:nvPicPr>
-          <p:cNvPr id="8" name="Picture 7"/>
-          <p:cNvPicPr>
-            <a:picLocks noChangeAspect="1"/>
-          </p:cNvPicPr>
-          <p:nvPr userDrawn="1"/>
-        </p:nvPicPr>
-        <p:blipFill>
-          <a:blip r:embed="rId2">
-            <a:extLst>
-              <a:ext uri="{28A0092B-C50C-407E-A947-70E740481C1C}">
-                <a14:useLocalDpi xmlns:a14="http://schemas.microsoft.com/office/drawing/2010/main" val="0"/>
-              </a:ext>
-            </a:extLst>
-          </a:blip>
-          <a:stretch>
-            <a:fillRect/>
-          </a:stretch>
-        </p:blipFill>
-        <p:spPr>
-          <a:xfrm>
-            <a:off x="10933639" y="6533467"/>
-            <a:ext cx="1501954" cy="477297"/>
-          </a:xfrm>
-          <a:prstGeom prst="rect">
-            <a:avLst/>
-          </a:prstGeom>
-        </p:spPr>
-      </p:pic>
     </p:spTree>
     <p:extLst>
       <p:ext uri="{BB962C8B-B14F-4D97-AF65-F5344CB8AC3E}">
-        <p14:creationId xmlns:p14="http://schemas.microsoft.com/office/powerpoint/2010/main" val="3511448209"/>
+        <p14:creationId xmlns:p14="http://schemas.microsoft.com/office/powerpoint/2010/main" val="377077933"/>
       </p:ext>
     </p:extLst>
   </p:cSld>
@@ -14710,7 +14488,7 @@
           <p:nvPr userDrawn="1"/>
         </p:nvPicPr>
         <p:blipFill>
-          <a:blip r:embed="rId31" cstate="screen">
+          <a:blip r:embed="rId30" cstate="screen">
             <a:extLst>
               <a:ext uri="{28A0092B-C50C-407E-A947-70E740481C1C}">
                 <a14:useLocalDpi xmlns:a14="http://schemas.microsoft.com/office/drawing/2010/main"/>
@@ -14765,10 +14543,9 @@
     <p:sldLayoutId id="2147484545" r:id="rId23"/>
     <p:sldLayoutId id="2147484546" r:id="rId24"/>
     <p:sldLayoutId id="2147484299" r:id="rId25"/>
-    <p:sldLayoutId id="2147484552" r:id="rId26"/>
-    <p:sldLayoutId id="2147484556" r:id="rId27"/>
-    <p:sldLayoutId id="2147484557" r:id="rId28"/>
-    <p:sldLayoutId id="2147484558" r:id="rId29"/>
+    <p:sldLayoutId id="2147484559" r:id="rId26"/>
+    <p:sldLayoutId id="2147484560" r:id="rId27"/>
+    <p:sldLayoutId id="2147484561" r:id="rId28"/>
   </p:sldLayoutIdLst>
   <p:transition>
     <p:fade/>
@@ -15358,6 +15135,28 @@
       </p:grpSpPr>
       <p:sp>
         <p:nvSpPr>
+          <p:cNvPr id="3" name="Content Placeholder 2"/>
+          <p:cNvSpPr>
+            <a:spLocks noGrp="1"/>
+          </p:cNvSpPr>
+          <p:nvPr>
+            <p:ph type="body" sz="quarter" idx="10"/>
+          </p:nvPr>
+        </p:nvSpPr>
+        <p:spPr/>
+        <p:txBody>
+          <a:bodyPr/>
+          <a:lstStyle/>
+          <a:p>
+            <a:r>
+              <a:rPr lang="en-US" dirty="0"/>
+              <a:t>Handle the property values in the React component when the component starts and whenever the property value is updated   </a:t>
+            </a:r>
+          </a:p>
+        </p:txBody>
+      </p:sp>
+      <p:sp>
+        <p:nvSpPr>
           <p:cNvPr id="2" name="Title 1"/>
           <p:cNvSpPr>
             <a:spLocks noGrp="1"/>
@@ -15372,35 +15171,8 @@
           <a:lstStyle/>
           <a:p>
             <a:r>
-              <a:rPr lang="en-US" sz="3200" dirty="0"/>
+              <a:rPr lang="en-US" dirty="0"/>
               <a:t>Adding configuration properties to React Client-Side web parts</a:t>
-            </a:r>
-          </a:p>
-        </p:txBody>
-      </p:sp>
-      <p:sp>
-        <p:nvSpPr>
-          <p:cNvPr id="3" name="Content Placeholder 2"/>
-          <p:cNvSpPr>
-            <a:spLocks noGrp="1"/>
-          </p:cNvSpPr>
-          <p:nvPr>
-            <p:ph type="body" sz="quarter" idx="10"/>
-          </p:nvPr>
-        </p:nvSpPr>
-        <p:spPr>
-          <a:xfrm>
-            <a:off x="274638" y="1212850"/>
-            <a:ext cx="11887200" cy="960263"/>
-          </a:xfrm>
-        </p:spPr>
-        <p:txBody>
-          <a:bodyPr/>
-          <a:lstStyle/>
-          <a:p>
-            <a:r>
-              <a:rPr lang="en-US" sz="2800" dirty="0"/>
-              <a:t>Handle the property values in the React component when the component starts and whenever the property value is updated   </a:t>
             </a:r>
           </a:p>
         </p:txBody>
@@ -15428,119 +15200,50 @@
           <a:p>
             <a:r>
               <a:rPr lang="en-US" sz="1600" dirty="0">
-                <a:solidFill>
-                  <a:srgbClr val="0000FF"/>
-                </a:solidFill>
                 <a:latin typeface="Consolas" panose="020B0609020204030204" pitchFamily="49" charset="0"/>
               </a:rPr>
-              <a:t>public</a:t>
-            </a:r>
-            <a:r>
-              <a:rPr lang="en-US" sz="1600" dirty="0">
-                <a:solidFill>
-                  <a:srgbClr val="000000"/>
-                </a:solidFill>
-                <a:latin typeface="Consolas" panose="020B0609020204030204" pitchFamily="49" charset="0"/>
-              </a:rPr>
-              <a:t> </a:t>
+              <a:t>public </a:t>
             </a:r>
             <a:r>
               <a:rPr lang="en-US" sz="1600" dirty="0" err="1">
-                <a:solidFill>
-                  <a:srgbClr val="000000"/>
-                </a:solidFill>
                 <a:latin typeface="Consolas" panose="020B0609020204030204" pitchFamily="49" charset="0"/>
               </a:rPr>
               <a:t>componentDidMount</a:t>
             </a:r>
             <a:r>
               <a:rPr lang="en-US" sz="1600" dirty="0">
-                <a:solidFill>
-                  <a:srgbClr val="000000"/>
-                </a:solidFill>
                 <a:latin typeface="Consolas" panose="020B0609020204030204" pitchFamily="49" charset="0"/>
               </a:rPr>
-              <a:t>(): </a:t>
-            </a:r>
+              <a:t>(): void {</a:t>
+            </a:r>
+          </a:p>
+          <a:p>
             <a:r>
               <a:rPr lang="en-US" sz="1600" dirty="0">
-                <a:solidFill>
-                  <a:srgbClr val="0000FF"/>
-                </a:solidFill>
-                <a:latin typeface="Consolas" panose="020B0609020204030204" pitchFamily="49" charset="0"/>
-              </a:rPr>
-              <a:t>void</a:t>
-            </a:r>
-            <a:r>
-              <a:rPr lang="en-US" sz="1600" dirty="0">
-                <a:solidFill>
-                  <a:srgbClr val="000000"/>
-                </a:solidFill>
-                <a:latin typeface="Consolas" panose="020B0609020204030204" pitchFamily="49" charset="0"/>
-              </a:rPr>
-              <a:t> {</a:t>
-            </a:r>
-          </a:p>
-          <a:p>
-            <a:r>
-              <a:rPr lang="en-US" sz="1600" dirty="0">
-                <a:solidFill>
-                  <a:srgbClr val="000000"/>
-                </a:solidFill>
                 <a:latin typeface="Consolas" panose="020B0609020204030204" pitchFamily="49" charset="0"/>
               </a:rPr>
               <a:t>      </a:t>
             </a:r>
             <a:r>
               <a:rPr lang="en-US" sz="1600" dirty="0" err="1">
-                <a:solidFill>
-                  <a:srgbClr val="0000FF"/>
-                </a:solidFill>
                 <a:latin typeface="Consolas" panose="020B0609020204030204" pitchFamily="49" charset="0"/>
               </a:rPr>
-              <a:t>this</a:t>
-            </a:r>
-            <a:r>
-              <a:rPr lang="en-US" sz="1600" dirty="0" err="1">
-                <a:solidFill>
-                  <a:srgbClr val="000000"/>
-                </a:solidFill>
-                <a:latin typeface="Consolas" panose="020B0609020204030204" pitchFamily="49" charset="0"/>
-              </a:rPr>
-              <a:t>.doSomething</a:t>
+              <a:t>this.doSomething</a:t>
             </a:r>
             <a:r>
               <a:rPr lang="en-US" sz="1600" dirty="0">
-                <a:solidFill>
-                  <a:srgbClr val="000000"/>
-                </a:solidFill>
                 <a:latin typeface="Consolas" panose="020B0609020204030204" pitchFamily="49" charset="0"/>
               </a:rPr>
               <a:t>(</a:t>
             </a:r>
             <a:r>
               <a:rPr lang="en-US" sz="1600" dirty="0" err="1">
-                <a:solidFill>
-                  <a:srgbClr val="0000FF"/>
-                </a:solidFill>
                 <a:latin typeface="Consolas" panose="020B0609020204030204" pitchFamily="49" charset="0"/>
               </a:rPr>
-              <a:t>this</a:t>
-            </a:r>
-            <a:r>
-              <a:rPr lang="en-US" sz="1600" dirty="0" err="1">
-                <a:solidFill>
-                  <a:srgbClr val="000000"/>
-                </a:solidFill>
-                <a:latin typeface="Consolas" panose="020B0609020204030204" pitchFamily="49" charset="0"/>
-              </a:rPr>
-              <a:t>.props.description</a:t>
+              <a:t>this.props.description</a:t>
             </a:r>
             <a:r>
               <a:rPr lang="en-US" sz="1600" dirty="0">
-                <a:solidFill>
-                  <a:srgbClr val="000000"/>
-                </a:solidFill>
                 <a:latin typeface="Consolas" panose="020B0609020204030204" pitchFamily="49" charset="0"/>
               </a:rPr>
               <a:t>);</a:t>
@@ -15549,9 +15252,6 @@
           <a:p>
             <a:r>
               <a:rPr lang="en-US" sz="1600" dirty="0">
-                <a:solidFill>
-                  <a:srgbClr val="000000"/>
-                </a:solidFill>
                 <a:latin typeface="Consolas" panose="020B0609020204030204" pitchFamily="49" charset="0"/>
               </a:rPr>
               <a:t>}</a:t>
@@ -15559,209 +15259,115 @@
           </a:p>
           <a:p>
             <a:endParaRPr lang="en-US" sz="1600" dirty="0">
-              <a:solidFill>
-                <a:srgbClr val="000000"/>
-              </a:solidFill>
               <a:latin typeface="Consolas" panose="020B0609020204030204" pitchFamily="49" charset="0"/>
             </a:endParaRPr>
           </a:p>
           <a:p>
             <a:r>
               <a:rPr lang="en-US" sz="1600" dirty="0">
-                <a:solidFill>
-                  <a:srgbClr val="0000FF"/>
-                </a:solidFill>
                 <a:latin typeface="Consolas" panose="020B0609020204030204" pitchFamily="49" charset="0"/>
               </a:rPr>
-              <a:t>public</a:t>
-            </a:r>
-            <a:r>
-              <a:rPr lang="en-US" sz="1600" dirty="0">
-                <a:solidFill>
-                  <a:srgbClr val="000000"/>
-                </a:solidFill>
-                <a:latin typeface="Consolas" panose="020B0609020204030204" pitchFamily="49" charset="0"/>
-              </a:rPr>
-              <a:t> </a:t>
+              <a:t>public </a:t>
             </a:r>
             <a:r>
               <a:rPr lang="en-US" sz="1600" dirty="0" err="1">
-                <a:solidFill>
-                  <a:srgbClr val="000000"/>
-                </a:solidFill>
                 <a:latin typeface="Consolas" panose="020B0609020204030204" pitchFamily="49" charset="0"/>
               </a:rPr>
               <a:t>componentDidUpdate</a:t>
             </a:r>
             <a:r>
               <a:rPr lang="en-US" sz="1600" dirty="0">
-                <a:solidFill>
-                  <a:srgbClr val="000000"/>
-                </a:solidFill>
                 <a:latin typeface="Consolas" panose="020B0609020204030204" pitchFamily="49" charset="0"/>
               </a:rPr>
               <a:t>(</a:t>
             </a:r>
             <a:r>
               <a:rPr lang="en-US" sz="1600" dirty="0" err="1">
-                <a:solidFill>
-                  <a:srgbClr val="000000"/>
-                </a:solidFill>
                 <a:latin typeface="Consolas" panose="020B0609020204030204" pitchFamily="49" charset="0"/>
               </a:rPr>
               <a:t>prevProps</a:t>
             </a:r>
             <a:r>
               <a:rPr lang="en-US" sz="1600" dirty="0">
-                <a:solidFill>
-                  <a:srgbClr val="000000"/>
-                </a:solidFill>
                 <a:latin typeface="Consolas" panose="020B0609020204030204" pitchFamily="49" charset="0"/>
               </a:rPr>
               <a:t>: </a:t>
             </a:r>
             <a:r>
               <a:rPr lang="en-US" sz="1600" dirty="0" err="1">
-                <a:solidFill>
-                  <a:srgbClr val="000000"/>
-                </a:solidFill>
                 <a:latin typeface="Consolas" panose="020B0609020204030204" pitchFamily="49" charset="0"/>
               </a:rPr>
               <a:t>IHelloWorldWebPartProps</a:t>
             </a:r>
             <a:r>
               <a:rPr lang="en-US" sz="1600" dirty="0">
-                <a:solidFill>
-                  <a:srgbClr val="000000"/>
-                </a:solidFill>
                 <a:latin typeface="Consolas" panose="020B0609020204030204" pitchFamily="49" charset="0"/>
               </a:rPr>
               <a:t>, </a:t>
             </a:r>
+            <a:br>
+              <a:rPr lang="en-US" sz="1600" dirty="0">
+                <a:latin typeface="Consolas" panose="020B0609020204030204" pitchFamily="49" charset="0"/>
+              </a:rPr>
+            </a:br>
+            <a:r>
+              <a:rPr lang="en-US" sz="1600" dirty="0">
+                <a:latin typeface="Consolas" panose="020B0609020204030204" pitchFamily="49" charset="0"/>
+              </a:rPr>
+              <a:t>                          </a:t>
+            </a:r>
             <a:r>
               <a:rPr lang="en-US" sz="1600" dirty="0" err="1">
-                <a:solidFill>
-                  <a:srgbClr val="000000"/>
-                </a:solidFill>
                 <a:latin typeface="Consolas" panose="020B0609020204030204" pitchFamily="49" charset="0"/>
               </a:rPr>
               <a:t>prevState</a:t>
             </a:r>
             <a:r>
               <a:rPr lang="en-US" sz="1600" dirty="0">
-                <a:solidFill>
-                  <a:srgbClr val="000000"/>
-                </a:solidFill>
                 <a:latin typeface="Consolas" panose="020B0609020204030204" pitchFamily="49" charset="0"/>
               </a:rPr>
               <a:t>: </a:t>
             </a:r>
             <a:r>
               <a:rPr lang="en-US" sz="1600" dirty="0" err="1">
-                <a:solidFill>
-                  <a:srgbClr val="000000"/>
-                </a:solidFill>
                 <a:latin typeface="Consolas" panose="020B0609020204030204" pitchFamily="49" charset="0"/>
               </a:rPr>
               <a:t>IHelloWorldWebPartState</a:t>
             </a:r>
             <a:r>
               <a:rPr lang="en-US" sz="1600" dirty="0">
-                <a:solidFill>
-                  <a:srgbClr val="000000"/>
-                </a:solidFill>
                 <a:latin typeface="Consolas" panose="020B0609020204030204" pitchFamily="49" charset="0"/>
               </a:rPr>
-              <a:t>): </a:t>
-            </a:r>
+              <a:t>): void {</a:t>
+            </a:r>
+          </a:p>
+          <a:p>
             <a:r>
               <a:rPr lang="en-US" sz="1600" dirty="0">
-                <a:solidFill>
-                  <a:srgbClr val="0000FF"/>
-                </a:solidFill>
                 <a:latin typeface="Consolas" panose="020B0609020204030204" pitchFamily="49" charset="0"/>
               </a:rPr>
-              <a:t>void</a:t>
-            </a:r>
-            <a:r>
-              <a:rPr lang="en-US" sz="1600" dirty="0">
-                <a:solidFill>
-                  <a:srgbClr val="000000"/>
-                </a:solidFill>
+              <a:t>    if (</a:t>
+            </a:r>
+            <a:r>
+              <a:rPr lang="en-US" sz="1600" dirty="0" err="1">
                 <a:latin typeface="Consolas" panose="020B0609020204030204" pitchFamily="49" charset="0"/>
               </a:rPr>
-              <a:t> {</a:t>
-            </a:r>
-          </a:p>
-          <a:p>
+              <a:t>this.props.description</a:t>
+            </a:r>
             <a:r>
               <a:rPr lang="en-US" sz="1600" dirty="0">
-                <a:solidFill>
-                  <a:srgbClr val="000000"/>
-                </a:solidFill>
-                <a:latin typeface="Consolas" panose="020B0609020204030204" pitchFamily="49" charset="0"/>
-              </a:rPr>
-              <a:t>    </a:t>
-            </a:r>
-            <a:r>
-              <a:rPr lang="en-US" sz="1600" dirty="0">
-                <a:solidFill>
-                  <a:srgbClr val="0000FF"/>
-                </a:solidFill>
-                <a:latin typeface="Consolas" panose="020B0609020204030204" pitchFamily="49" charset="0"/>
-              </a:rPr>
-              <a:t>if</a:t>
-            </a:r>
-            <a:r>
-              <a:rPr lang="en-US" sz="1600" dirty="0">
-                <a:solidFill>
-                  <a:srgbClr val="000000"/>
-                </a:solidFill>
-                <a:latin typeface="Consolas" panose="020B0609020204030204" pitchFamily="49" charset="0"/>
-              </a:rPr>
-              <a:t> (</a:t>
-            </a:r>
-            <a:r>
-              <a:rPr lang="en-US" sz="1600" dirty="0" err="1">
-                <a:solidFill>
-                  <a:srgbClr val="0000FF"/>
-                </a:solidFill>
-                <a:latin typeface="Consolas" panose="020B0609020204030204" pitchFamily="49" charset="0"/>
-              </a:rPr>
-              <a:t>this</a:t>
-            </a:r>
-            <a:r>
-              <a:rPr lang="en-US" sz="1600" dirty="0" err="1">
-                <a:solidFill>
-                  <a:srgbClr val="000000"/>
-                </a:solidFill>
-                <a:latin typeface="Consolas" panose="020B0609020204030204" pitchFamily="49" charset="0"/>
-              </a:rPr>
-              <a:t>.props.description</a:t>
-            </a:r>
-            <a:r>
-              <a:rPr lang="en-US" sz="1600" dirty="0">
-                <a:solidFill>
-                  <a:srgbClr val="000000"/>
-                </a:solidFill>
                 <a:latin typeface="Consolas" panose="020B0609020204030204" pitchFamily="49" charset="0"/>
               </a:rPr>
               <a:t> !== </a:t>
             </a:r>
             <a:r>
               <a:rPr lang="en-US" sz="1600" dirty="0" err="1">
-                <a:solidFill>
-                  <a:srgbClr val="000000"/>
-                </a:solidFill>
                 <a:latin typeface="Consolas" panose="020B0609020204030204" pitchFamily="49" charset="0"/>
               </a:rPr>
               <a:t>prevProps.description</a:t>
             </a:r>
             <a:r>
               <a:rPr lang="en-US" sz="1600" dirty="0">
-                <a:solidFill>
-                  <a:srgbClr val="000000"/>
-                </a:solidFill>
                 <a:latin typeface="Consolas" panose="020B0609020204030204" pitchFamily="49" charset="0"/>
               </a:rPr>
               <a:t>) {</a:t>
@@ -15770,63 +15376,30 @@
           <a:p>
             <a:r>
               <a:rPr lang="en-US" sz="1600" dirty="0">
-                <a:solidFill>
-                  <a:srgbClr val="000000"/>
-                </a:solidFill>
                 <a:latin typeface="Consolas" panose="020B0609020204030204" pitchFamily="49" charset="0"/>
               </a:rPr>
               <a:t>        </a:t>
             </a:r>
             <a:r>
               <a:rPr lang="en-US" sz="1600" dirty="0" err="1">
-                <a:solidFill>
-                  <a:srgbClr val="0000FF"/>
-                </a:solidFill>
                 <a:latin typeface="Consolas" panose="020B0609020204030204" pitchFamily="49" charset="0"/>
               </a:rPr>
-              <a:t>this</a:t>
-            </a:r>
-            <a:r>
-              <a:rPr lang="en-US" sz="1600" dirty="0" err="1">
-                <a:solidFill>
-                  <a:srgbClr val="000000"/>
-                </a:solidFill>
-                <a:latin typeface="Consolas" panose="020B0609020204030204" pitchFamily="49" charset="0"/>
-              </a:rPr>
-              <a:t>.doSomething</a:t>
+              <a:t>this.doSomething</a:t>
             </a:r>
             <a:r>
               <a:rPr lang="en-US" sz="1600" dirty="0">
-                <a:solidFill>
-                  <a:srgbClr val="000000"/>
-                </a:solidFill>
                 <a:latin typeface="Consolas" panose="020B0609020204030204" pitchFamily="49" charset="0"/>
               </a:rPr>
               <a:t>(</a:t>
             </a:r>
             <a:r>
               <a:rPr lang="en-US" sz="1600" dirty="0" err="1">
-                <a:solidFill>
-                  <a:srgbClr val="0000FF"/>
-                </a:solidFill>
                 <a:latin typeface="Consolas" panose="020B0609020204030204" pitchFamily="49" charset="0"/>
               </a:rPr>
-              <a:t>this</a:t>
-            </a:r>
-            <a:r>
-              <a:rPr lang="en-US" sz="1600" dirty="0" err="1">
-                <a:solidFill>
-                  <a:srgbClr val="000000"/>
-                </a:solidFill>
-                <a:latin typeface="Consolas" panose="020B0609020204030204" pitchFamily="49" charset="0"/>
-              </a:rPr>
-              <a:t>.props.description</a:t>
+              <a:t>this.props.description</a:t>
             </a:r>
             <a:r>
               <a:rPr lang="en-US" sz="1600" dirty="0">
-                <a:solidFill>
-                  <a:srgbClr val="000000"/>
-                </a:solidFill>
                 <a:latin typeface="Consolas" panose="020B0609020204030204" pitchFamily="49" charset="0"/>
               </a:rPr>
               <a:t>);</a:t>
@@ -15835,9 +15408,6 @@
           <a:p>
             <a:r>
               <a:rPr lang="en-US" sz="1600" dirty="0">
-                <a:solidFill>
-                  <a:srgbClr val="000000"/>
-                </a:solidFill>
                 <a:latin typeface="Consolas" panose="020B0609020204030204" pitchFamily="49" charset="0"/>
               </a:rPr>
               <a:t>    }</a:t>
@@ -15846,9 +15416,6 @@
           <a:p>
             <a:r>
               <a:rPr lang="en-US" sz="1600" dirty="0">
-                <a:solidFill>
-                  <a:srgbClr val="000000"/>
-                </a:solidFill>
                 <a:latin typeface="Consolas" panose="020B0609020204030204" pitchFamily="49" charset="0"/>
               </a:rPr>
               <a:t>}</a:t>
@@ -15856,118 +15423,40 @@
           </a:p>
           <a:p>
             <a:endParaRPr lang="en-US" sz="1600" dirty="0">
-              <a:solidFill>
-                <a:srgbClr val="000000"/>
-              </a:solidFill>
               <a:latin typeface="Consolas" panose="020B0609020204030204" pitchFamily="49" charset="0"/>
             </a:endParaRPr>
           </a:p>
           <a:p>
             <a:r>
               <a:rPr lang="en-US" sz="1600" dirty="0">
-                <a:solidFill>
-                  <a:srgbClr val="0000FF"/>
-                </a:solidFill>
                 <a:latin typeface="Consolas" panose="020B0609020204030204" pitchFamily="49" charset="0"/>
               </a:rPr>
-              <a:t>private</a:t>
-            </a:r>
-            <a:r>
-              <a:rPr lang="en-US" sz="1600" dirty="0">
-                <a:solidFill>
-                  <a:srgbClr val="000000"/>
-                </a:solidFill>
-                <a:latin typeface="Consolas" panose="020B0609020204030204" pitchFamily="49" charset="0"/>
-              </a:rPr>
-              <a:t> </a:t>
+              <a:t>private </a:t>
             </a:r>
             <a:r>
               <a:rPr lang="en-US" sz="1600" dirty="0" err="1">
-                <a:solidFill>
-                  <a:srgbClr val="000000"/>
-                </a:solidFill>
                 <a:latin typeface="Consolas" panose="020B0609020204030204" pitchFamily="49" charset="0"/>
               </a:rPr>
               <a:t>doSomething</a:t>
             </a:r>
             <a:r>
               <a:rPr lang="en-US" sz="1600" dirty="0">
-                <a:solidFill>
-                  <a:srgbClr val="000000"/>
-                </a:solidFill>
                 <a:latin typeface="Consolas" panose="020B0609020204030204" pitchFamily="49" charset="0"/>
               </a:rPr>
-              <a:t>(description: </a:t>
-            </a:r>
+              <a:t>(description: string): void {</a:t>
+            </a:r>
+          </a:p>
+          <a:p>
             <a:r>
               <a:rPr lang="en-US" sz="1600" dirty="0">
-                <a:solidFill>
-                  <a:srgbClr val="0000FF"/>
-                </a:solidFill>
                 <a:latin typeface="Consolas" panose="020B0609020204030204" pitchFamily="49" charset="0"/>
               </a:rPr>
-              <a:t>string</a:t>
-            </a:r>
+              <a:t>    // Do something with the property</a:t>
+            </a:r>
+          </a:p>
+          <a:p>
             <a:r>
               <a:rPr lang="en-US" sz="1600" dirty="0">
-                <a:solidFill>
-                  <a:srgbClr val="000000"/>
-                </a:solidFill>
-                <a:latin typeface="Consolas" panose="020B0609020204030204" pitchFamily="49" charset="0"/>
-              </a:rPr>
-              <a:t>): </a:t>
-            </a:r>
-            <a:r>
-              <a:rPr lang="en-US" sz="1600" dirty="0">
-                <a:solidFill>
-                  <a:srgbClr val="0000FF"/>
-                </a:solidFill>
-                <a:latin typeface="Consolas" panose="020B0609020204030204" pitchFamily="49" charset="0"/>
-              </a:rPr>
-              <a:t>void</a:t>
-            </a:r>
-            <a:r>
-              <a:rPr lang="en-US" sz="1600" dirty="0">
-                <a:solidFill>
-                  <a:srgbClr val="000000"/>
-                </a:solidFill>
-                <a:latin typeface="Consolas" panose="020B0609020204030204" pitchFamily="49" charset="0"/>
-              </a:rPr>
-              <a:t> {</a:t>
-            </a:r>
-          </a:p>
-          <a:p>
-            <a:r>
-              <a:rPr lang="en-US" sz="1600" dirty="0">
-                <a:solidFill>
-                  <a:srgbClr val="000000"/>
-                </a:solidFill>
-                <a:latin typeface="Consolas" panose="020B0609020204030204" pitchFamily="49" charset="0"/>
-              </a:rPr>
-              <a:t>    </a:t>
-            </a:r>
-            <a:r>
-              <a:rPr lang="en-US" sz="1600" dirty="0">
-                <a:solidFill>
-                  <a:srgbClr val="008000"/>
-                </a:solidFill>
-                <a:latin typeface="Consolas" panose="020B0609020204030204" pitchFamily="49" charset="0"/>
-              </a:rPr>
-              <a:t>// Do something with the property</a:t>
-            </a:r>
-            <a:endParaRPr lang="en-US" sz="1600" dirty="0">
-              <a:solidFill>
-                <a:srgbClr val="000000"/>
-              </a:solidFill>
-              <a:latin typeface="Consolas" panose="020B0609020204030204" pitchFamily="49" charset="0"/>
-            </a:endParaRPr>
-          </a:p>
-          <a:p>
-            <a:r>
-              <a:rPr lang="en-US" sz="1600" dirty="0">
-                <a:solidFill>
-                  <a:srgbClr val="000000"/>
-                </a:solidFill>
                 <a:latin typeface="Consolas" panose="020B0609020204030204" pitchFamily="49" charset="0"/>
               </a:rPr>
               <a:t>}</a:t>
@@ -17327,29 +16816,6 @@
       </p:grpSpPr>
       <p:sp>
         <p:nvSpPr>
-          <p:cNvPr id="2" name="Title 1"/>
-          <p:cNvSpPr>
-            <a:spLocks noGrp="1"/>
-          </p:cNvSpPr>
-          <p:nvPr>
-            <p:ph type="title"/>
-          </p:nvPr>
-        </p:nvSpPr>
-        <p:spPr/>
-        <p:txBody>
-          <a:bodyPr/>
-          <a:lstStyle/>
-          <a:p>
-            <a:r>
-              <a:rPr lang="en-US" dirty="0"/>
-              <a:t>Overview</a:t>
-            </a:r>
-            <a:endParaRPr lang="fi-FI" dirty="0"/>
-          </a:p>
-        </p:txBody>
-      </p:sp>
-      <p:sp>
-        <p:nvSpPr>
           <p:cNvPr id="12" name="Text Placeholder 11">
             <a:extLst>
               <a:ext uri="{FF2B5EF4-FFF2-40B4-BE49-F238E27FC236}">
@@ -17364,12 +16830,7 @@
             <p:ph type="body" sz="quarter" idx="10"/>
           </p:nvPr>
         </p:nvSpPr>
-        <p:spPr>
-          <a:xfrm>
-            <a:off x="274638" y="1212850"/>
-            <a:ext cx="11887200" cy="5656933"/>
-          </a:xfrm>
-        </p:spPr>
+        <p:spPr/>
         <p:txBody>
           <a:bodyPr/>
           <a:lstStyle/>
@@ -17606,6 +17067,29 @@
           </a:p>
           <a:p>
             <a:endParaRPr lang="en-US" dirty="0"/>
+          </a:p>
+        </p:txBody>
+      </p:sp>
+      <p:sp>
+        <p:nvSpPr>
+          <p:cNvPr id="2" name="Title 1"/>
+          <p:cNvSpPr>
+            <a:spLocks noGrp="1"/>
+          </p:cNvSpPr>
+          <p:nvPr>
+            <p:ph type="title"/>
+          </p:nvPr>
+        </p:nvSpPr>
+        <p:spPr/>
+        <p:txBody>
+          <a:bodyPr/>
+          <a:lstStyle/>
+          <a:p>
+            <a:r>
+              <a:rPr lang="en-US" dirty="0"/>
+              <a:t>Overview</a:t>
+            </a:r>
+            <a:endParaRPr lang="fi-FI" dirty="0"/>
           </a:p>
         </p:txBody>
       </p:sp>
@@ -17668,33 +17152,10 @@
       </p:grpSpPr>
       <p:sp>
         <p:nvSpPr>
-          <p:cNvPr id="2" name="Title 1"/>
-          <p:cNvSpPr>
-            <a:spLocks noGrp="1"/>
-          </p:cNvSpPr>
-          <p:nvPr>
-            <p:ph type="title"/>
-          </p:nvPr>
-        </p:nvSpPr>
-        <p:spPr/>
-        <p:txBody>
-          <a:bodyPr/>
-          <a:lstStyle/>
-          <a:p>
-            <a:r>
-              <a:rPr lang="en-US" dirty="0"/>
-              <a:t>Implementing the header, groups, and fields</a:t>
-            </a:r>
-            <a:endParaRPr lang="fi-FI" dirty="0"/>
-          </a:p>
-        </p:txBody>
-      </p:sp>
-      <p:sp>
-        <p:nvSpPr>
-          <p:cNvPr id="5" name="Text Placeholder 4">
+          <p:cNvPr id="3" name="Text Placeholder 2">
             <a:extLst>
               <a:ext uri="{FF2B5EF4-FFF2-40B4-BE49-F238E27FC236}">
-                <a16:creationId xmlns:a16="http://schemas.microsoft.com/office/drawing/2014/main" id="{611F9BC1-EFAA-594E-B7F1-CFB38396F7DE}"/>
+                <a16:creationId xmlns:a16="http://schemas.microsoft.com/office/drawing/2014/main" id="{11706910-79A6-6B41-A670-625DABDDF796}"/>
               </a:ext>
             </a:extLst>
           </p:cNvPr>
@@ -17711,6 +17172,29 @@
           <a:lstStyle/>
           <a:p>
             <a:endParaRPr lang="en-US"/>
+          </a:p>
+        </p:txBody>
+      </p:sp>
+      <p:sp>
+        <p:nvSpPr>
+          <p:cNvPr id="2" name="Title 1"/>
+          <p:cNvSpPr>
+            <a:spLocks noGrp="1"/>
+          </p:cNvSpPr>
+          <p:nvPr>
+            <p:ph type="title"/>
+          </p:nvPr>
+        </p:nvSpPr>
+        <p:spPr/>
+        <p:txBody>
+          <a:bodyPr/>
+          <a:lstStyle/>
+          <a:p>
+            <a:r>
+              <a:rPr lang="en-US" dirty="0"/>
+              <a:t>Implementing the header, groups, and fields</a:t>
+            </a:r>
+            <a:endParaRPr lang="fi-FI" dirty="0"/>
           </a:p>
         </p:txBody>
       </p:sp>
@@ -17738,72 +17222,30 @@
           <a:p>
             <a:r>
               <a:rPr lang="en-US" sz="1400" dirty="0">
-                <a:solidFill>
-                  <a:srgbClr val="0000FF"/>
-                </a:solidFill>
                 <a:latin typeface="Consolas" panose="020B0609020204030204" pitchFamily="49" charset="0"/>
               </a:rPr>
-              <a:t>protected</a:t>
-            </a:r>
-            <a:r>
-              <a:rPr lang="en-US" sz="1400" dirty="0">
-                <a:solidFill>
-                  <a:srgbClr val="000000"/>
-                </a:solidFill>
-                <a:latin typeface="Consolas" panose="020B0609020204030204" pitchFamily="49" charset="0"/>
-              </a:rPr>
-              <a:t> </a:t>
-            </a:r>
-            <a:r>
-              <a:rPr lang="en-US" sz="1400" dirty="0">
-                <a:solidFill>
-                  <a:srgbClr val="0000FF"/>
-                </a:solidFill>
-                <a:latin typeface="Consolas" panose="020B0609020204030204" pitchFamily="49" charset="0"/>
-              </a:rPr>
-              <a:t>get</a:t>
-            </a:r>
-            <a:r>
-              <a:rPr lang="en-US" sz="1400" dirty="0">
-                <a:solidFill>
-                  <a:srgbClr val="000000"/>
-                </a:solidFill>
-                <a:latin typeface="Consolas" panose="020B0609020204030204" pitchFamily="49" charset="0"/>
-              </a:rPr>
-              <a:t> </a:t>
+              <a:t>protected get </a:t>
             </a:r>
             <a:r>
               <a:rPr lang="en-US" sz="1400" dirty="0" err="1">
-                <a:solidFill>
-                  <a:srgbClr val="000000"/>
-                </a:solidFill>
                 <a:latin typeface="Consolas" panose="020B0609020204030204" pitchFamily="49" charset="0"/>
               </a:rPr>
               <a:t>getPropertyPaneConfiguration</a:t>
             </a:r>
             <a:r>
               <a:rPr lang="en-US" sz="1400" dirty="0">
-                <a:solidFill>
-                  <a:srgbClr val="000000"/>
-                </a:solidFill>
                 <a:latin typeface="Consolas" panose="020B0609020204030204" pitchFamily="49" charset="0"/>
               </a:rPr>
               <a:t>(): </a:t>
             </a:r>
             <a:r>
               <a:rPr lang="en-US" sz="1400" dirty="0" err="1">
-                <a:solidFill>
-                  <a:srgbClr val="000000"/>
-                </a:solidFill>
                 <a:latin typeface="Consolas" panose="020B0609020204030204" pitchFamily="49" charset="0"/>
               </a:rPr>
               <a:t>IPropertyPaneConfiguration</a:t>
             </a:r>
             <a:r>
               <a:rPr lang="en-US" sz="1400" dirty="0">
-                <a:solidFill>
-                  <a:srgbClr val="000000"/>
-                </a:solidFill>
                 <a:latin typeface="Consolas" panose="020B0609020204030204" pitchFamily="49" charset="0"/>
               </a:rPr>
               <a:t> {</a:t>
@@ -17812,38 +17254,14 @@
           <a:p>
             <a:r>
               <a:rPr lang="en-US" sz="1400" dirty="0">
-                <a:solidFill>
-                  <a:srgbClr val="000000"/>
-                </a:solidFill>
                 <a:latin typeface="Consolas" panose="020B0609020204030204" pitchFamily="49" charset="0"/>
               </a:rPr>
-              <a:t>     </a:t>
-            </a:r>
+              <a:t>     return {</a:t>
+            </a:r>
+          </a:p>
+          <a:p>
             <a:r>
               <a:rPr lang="en-US" sz="1400" dirty="0">
-                <a:solidFill>
-                  <a:srgbClr val="0000FF"/>
-                </a:solidFill>
-                <a:latin typeface="Consolas" panose="020B0609020204030204" pitchFamily="49" charset="0"/>
-              </a:rPr>
-              <a:t>return</a:t>
-            </a:r>
-            <a:r>
-              <a:rPr lang="en-US" sz="1400" dirty="0">
-                <a:solidFill>
-                  <a:srgbClr val="000000"/>
-                </a:solidFill>
-                <a:latin typeface="Consolas" panose="020B0609020204030204" pitchFamily="49" charset="0"/>
-              </a:rPr>
-              <a:t> {</a:t>
-            </a:r>
-          </a:p>
-          <a:p>
-            <a:r>
-              <a:rPr lang="en-US" sz="1400" dirty="0">
-                <a:solidFill>
-                  <a:srgbClr val="000000"/>
-                </a:solidFill>
                 <a:latin typeface="Consolas" panose="020B0609020204030204" pitchFamily="49" charset="0"/>
               </a:rPr>
               <a:t>       pages: [</a:t>
@@ -17852,9 +17270,6 @@
           <a:p>
             <a:r>
               <a:rPr lang="en-US" sz="1400" dirty="0">
-                <a:solidFill>
-                  <a:srgbClr val="000000"/>
-                </a:solidFill>
                 <a:latin typeface="Consolas" panose="020B0609020204030204" pitchFamily="49" charset="0"/>
               </a:rPr>
               <a:t>         {</a:t>
@@ -17863,9 +17278,6 @@
           <a:p>
             <a:r>
               <a:rPr lang="en-US" sz="1400" dirty="0">
-                <a:solidFill>
-                  <a:srgbClr val="000000"/>
-                </a:solidFill>
                 <a:latin typeface="Consolas" panose="020B0609020204030204" pitchFamily="49" charset="0"/>
               </a:rPr>
               <a:t>           header: {</a:t>
@@ -17874,35 +17286,23 @@
           <a:p>
             <a:r>
               <a:rPr lang="en-US" sz="1400" dirty="0">
-                <a:solidFill>
-                  <a:srgbClr val="000000"/>
-                </a:solidFill>
                 <a:latin typeface="Consolas" panose="020B0609020204030204" pitchFamily="49" charset="0"/>
               </a:rPr>
               <a:t>             description: </a:t>
             </a:r>
             <a:r>
               <a:rPr lang="en-US" sz="1400" dirty="0" err="1">
-                <a:solidFill>
-                  <a:srgbClr val="000000"/>
-                </a:solidFill>
                 <a:latin typeface="Consolas" panose="020B0609020204030204" pitchFamily="49" charset="0"/>
               </a:rPr>
               <a:t>strings.PropertyPaneDescription</a:t>
             </a:r>
             <a:endParaRPr lang="en-US" sz="1400" dirty="0">
-              <a:solidFill>
-                <a:srgbClr val="000000"/>
-              </a:solidFill>
               <a:latin typeface="Consolas" panose="020B0609020204030204" pitchFamily="49" charset="0"/>
             </a:endParaRPr>
           </a:p>
           <a:p>
             <a:r>
               <a:rPr lang="en-US" sz="1400" dirty="0">
-                <a:solidFill>
-                  <a:srgbClr val="000000"/>
-                </a:solidFill>
                 <a:latin typeface="Consolas" panose="020B0609020204030204" pitchFamily="49" charset="0"/>
               </a:rPr>
               <a:t>           },</a:t>
@@ -17911,9 +17311,6 @@
           <a:p>
             <a:r>
               <a:rPr lang="en-US" sz="1400" dirty="0">
-                <a:solidFill>
-                  <a:srgbClr val="000000"/>
-                </a:solidFill>
                 <a:latin typeface="Consolas" panose="020B0609020204030204" pitchFamily="49" charset="0"/>
               </a:rPr>
               <a:t>           groups: [</a:t>
@@ -17922,9 +17319,6 @@
           <a:p>
             <a:r>
               <a:rPr lang="en-US" sz="1400" dirty="0">
-                <a:solidFill>
-                  <a:srgbClr val="000000"/>
-                </a:solidFill>
                 <a:latin typeface="Consolas" panose="020B0609020204030204" pitchFamily="49" charset="0"/>
               </a:rPr>
               <a:t>             {</a:t>
@@ -17933,45 +17327,30 @@
           <a:p>
             <a:r>
               <a:rPr lang="en-US" sz="1400" dirty="0">
-                <a:solidFill>
-                  <a:srgbClr val="000000"/>
-                </a:solidFill>
                 <a:latin typeface="Consolas" panose="020B0609020204030204" pitchFamily="49" charset="0"/>
               </a:rPr>
               <a:t>               </a:t>
             </a:r>
             <a:r>
               <a:rPr lang="en-US" sz="1400" dirty="0" err="1">
-                <a:solidFill>
-                  <a:srgbClr val="000000"/>
-                </a:solidFill>
                 <a:latin typeface="Consolas" panose="020B0609020204030204" pitchFamily="49" charset="0"/>
               </a:rPr>
               <a:t>groupName</a:t>
             </a:r>
             <a:r>
               <a:rPr lang="en-US" sz="1400" dirty="0">
-                <a:solidFill>
-                  <a:srgbClr val="000000"/>
-                </a:solidFill>
                 <a:latin typeface="Consolas" panose="020B0609020204030204" pitchFamily="49" charset="0"/>
               </a:rPr>
               <a:t>: </a:t>
             </a:r>
             <a:r>
               <a:rPr lang="en-US" sz="1400" dirty="0" err="1">
-                <a:solidFill>
-                  <a:srgbClr val="000000"/>
-                </a:solidFill>
                 <a:latin typeface="Consolas" panose="020B0609020204030204" pitchFamily="49" charset="0"/>
               </a:rPr>
               <a:t>strings.BasicGroupName</a:t>
             </a:r>
             <a:r>
               <a:rPr lang="en-US" sz="1400" dirty="0">
-                <a:solidFill>
-                  <a:srgbClr val="000000"/>
-                </a:solidFill>
                 <a:latin typeface="Consolas" panose="020B0609020204030204" pitchFamily="49" charset="0"/>
               </a:rPr>
               <a:t>,</a:t>
@@ -17980,27 +17359,18 @@
           <a:p>
             <a:r>
               <a:rPr lang="en-US" sz="1400" dirty="0">
-                <a:solidFill>
-                  <a:srgbClr val="000000"/>
-                </a:solidFill>
                 <a:latin typeface="Consolas" panose="020B0609020204030204" pitchFamily="49" charset="0"/>
               </a:rPr>
               <a:t>               </a:t>
             </a:r>
             <a:r>
               <a:rPr lang="en-US" sz="1400" dirty="0" err="1">
-                <a:solidFill>
-                  <a:srgbClr val="000000"/>
-                </a:solidFill>
                 <a:latin typeface="Consolas" panose="020B0609020204030204" pitchFamily="49" charset="0"/>
               </a:rPr>
               <a:t>groupFields</a:t>
             </a:r>
             <a:r>
               <a:rPr lang="en-US" sz="1400" dirty="0">
-                <a:solidFill>
-                  <a:srgbClr val="000000"/>
-                </a:solidFill>
                 <a:latin typeface="Consolas" panose="020B0609020204030204" pitchFamily="49" charset="0"/>
               </a:rPr>
               <a:t>: [</a:t>
@@ -18009,82 +17379,43 @@
           <a:p>
             <a:r>
               <a:rPr lang="en-US" sz="1400" dirty="0">
-                <a:solidFill>
-                  <a:srgbClr val="000000"/>
-                </a:solidFill>
                 <a:latin typeface="Consolas" panose="020B0609020204030204" pitchFamily="49" charset="0"/>
               </a:rPr>
               <a:t>                 </a:t>
             </a:r>
             <a:r>
               <a:rPr lang="en-US" sz="1400" dirty="0" err="1">
-                <a:solidFill>
-                  <a:srgbClr val="000000"/>
-                </a:solidFill>
                 <a:latin typeface="Consolas" panose="020B0609020204030204" pitchFamily="49" charset="0"/>
               </a:rPr>
               <a:t>PropertyPaneTextField</a:t>
             </a:r>
             <a:r>
               <a:rPr lang="en-US" sz="1400" dirty="0">
-                <a:solidFill>
-                  <a:srgbClr val="000000"/>
-                </a:solidFill>
                 <a:latin typeface="Consolas" panose="020B0609020204030204" pitchFamily="49" charset="0"/>
               </a:rPr>
-              <a:t>(</a:t>
-            </a:r>
+              <a:t>('description', {</a:t>
+            </a:r>
+          </a:p>
+          <a:p>
             <a:r>
               <a:rPr lang="en-US" sz="1400" dirty="0">
-                <a:solidFill>
-                  <a:srgbClr val="A31515"/>
-                </a:solidFill>
-                <a:latin typeface="Consolas" panose="020B0609020204030204" pitchFamily="49" charset="0"/>
-              </a:rPr>
-              <a:t>'description'</a:t>
-            </a:r>
-            <a:r>
-              <a:rPr lang="en-US" sz="1400" dirty="0">
-                <a:solidFill>
-                  <a:srgbClr val="000000"/>
-                </a:solidFill>
-                <a:latin typeface="Consolas" panose="020B0609020204030204" pitchFamily="49" charset="0"/>
-              </a:rPr>
-              <a:t>, {</a:t>
-            </a:r>
-          </a:p>
-          <a:p>
-            <a:r>
-              <a:rPr lang="en-US" sz="1400" dirty="0">
-                <a:solidFill>
-                  <a:srgbClr val="000000"/>
-                </a:solidFill>
                 <a:latin typeface="Consolas" panose="020B0609020204030204" pitchFamily="49" charset="0"/>
               </a:rPr>
               <a:t>                   label: </a:t>
             </a:r>
             <a:r>
               <a:rPr lang="en-US" sz="1400" dirty="0" err="1">
-                <a:solidFill>
-                  <a:srgbClr val="000000"/>
-                </a:solidFill>
                 <a:latin typeface="Consolas" panose="020B0609020204030204" pitchFamily="49" charset="0"/>
               </a:rPr>
               <a:t>strings.DescriptionFieldLabel</a:t>
             </a:r>
             <a:endParaRPr lang="en-US" sz="1400" dirty="0">
-              <a:solidFill>
-                <a:srgbClr val="000000"/>
-              </a:solidFill>
               <a:latin typeface="Consolas" panose="020B0609020204030204" pitchFamily="49" charset="0"/>
             </a:endParaRPr>
           </a:p>
           <a:p>
             <a:r>
               <a:rPr lang="en-US" sz="1400" dirty="0">
-                <a:solidFill>
-                  <a:srgbClr val="000000"/>
-                </a:solidFill>
                 <a:latin typeface="Consolas" panose="020B0609020204030204" pitchFamily="49" charset="0"/>
               </a:rPr>
               <a:t>                 }),</a:t>
@@ -18093,100 +17424,46 @@
           <a:p>
             <a:r>
               <a:rPr lang="en-US" sz="1400" dirty="0">
-                <a:solidFill>
-                  <a:srgbClr val="000000"/>
-                </a:solidFill>
                 <a:latin typeface="Consolas" panose="020B0609020204030204" pitchFamily="49" charset="0"/>
               </a:rPr>
               <a:t>                 </a:t>
             </a:r>
             <a:r>
               <a:rPr lang="en-US" sz="1400" dirty="0" err="1">
-                <a:solidFill>
-                  <a:srgbClr val="000000"/>
-                </a:solidFill>
                 <a:latin typeface="Consolas" panose="020B0609020204030204" pitchFamily="49" charset="0"/>
               </a:rPr>
               <a:t>PropertyPaneLabel</a:t>
             </a:r>
             <a:r>
               <a:rPr lang="en-US" sz="1400" dirty="0">
-                <a:solidFill>
-                  <a:srgbClr val="000000"/>
-                </a:solidFill>
                 <a:latin typeface="Consolas" panose="020B0609020204030204" pitchFamily="49" charset="0"/>
               </a:rPr>
-              <a:t>(</a:t>
-            </a:r>
-            <a:r>
-              <a:rPr lang="en-US" sz="1400" dirty="0">
-                <a:solidFill>
-                  <a:srgbClr val="A31515"/>
-                </a:solidFill>
-                <a:latin typeface="Consolas" panose="020B0609020204030204" pitchFamily="49" charset="0"/>
-              </a:rPr>
-              <a:t>'</a:t>
+              <a:t>('</a:t>
             </a:r>
             <a:r>
               <a:rPr lang="en-US" sz="1400" dirty="0" err="1">
-                <a:solidFill>
-                  <a:srgbClr val="A31515"/>
-                </a:solidFill>
                 <a:latin typeface="Consolas" panose="020B0609020204030204" pitchFamily="49" charset="0"/>
               </a:rPr>
               <a:t>labelField</a:t>
             </a:r>
             <a:r>
               <a:rPr lang="en-US" sz="1400" dirty="0">
-                <a:solidFill>
-                  <a:srgbClr val="A31515"/>
-                </a:solidFill>
                 <a:latin typeface="Consolas" panose="020B0609020204030204" pitchFamily="49" charset="0"/>
               </a:rPr>
-              <a:t>'</a:t>
-            </a:r>
+              <a:t>', {</a:t>
+            </a:r>
+          </a:p>
+          <a:p>
             <a:r>
               <a:rPr lang="en-US" sz="1400" dirty="0">
-                <a:solidFill>
-                  <a:srgbClr val="000000"/>
-                </a:solidFill>
                 <a:latin typeface="Consolas" panose="020B0609020204030204" pitchFamily="49" charset="0"/>
               </a:rPr>
-              <a:t>, {</a:t>
+              <a:t>                   text: 'Label text'</a:t>
             </a:r>
           </a:p>
           <a:p>
             <a:r>
               <a:rPr lang="en-US" sz="1400" dirty="0">
-                <a:solidFill>
-                  <a:srgbClr val="000000"/>
-                </a:solidFill>
-                <a:latin typeface="Consolas" panose="020B0609020204030204" pitchFamily="49" charset="0"/>
-              </a:rPr>
-              <a:t>                   text: </a:t>
-            </a:r>
-            <a:r>
-              <a:rPr lang="en-US" sz="1400" dirty="0">
-                <a:solidFill>
-                  <a:srgbClr val="A31515"/>
-                </a:solidFill>
-                <a:latin typeface="Consolas" panose="020B0609020204030204" pitchFamily="49" charset="0"/>
-              </a:rPr>
-              <a:t>'Label text'</a:t>
-            </a:r>
-            <a:endParaRPr lang="en-US" sz="1400" dirty="0">
-              <a:solidFill>
-                <a:srgbClr val="000000"/>
-              </a:solidFill>
-              <a:latin typeface="Consolas" panose="020B0609020204030204" pitchFamily="49" charset="0"/>
-            </a:endParaRPr>
-          </a:p>
-          <a:p>
-            <a:r>
-              <a:rPr lang="en-US" sz="1400" dirty="0">
-                <a:solidFill>
-                  <a:srgbClr val="000000"/>
-                </a:solidFill>
                 <a:latin typeface="Consolas" panose="020B0609020204030204" pitchFamily="49" charset="0"/>
               </a:rPr>
               <a:t>                 })                </a:t>
@@ -18195,9 +17472,6 @@
           <a:p>
             <a:r>
               <a:rPr lang="en-US" sz="1400" dirty="0">
-                <a:solidFill>
-                  <a:srgbClr val="000000"/>
-                </a:solidFill>
                 <a:latin typeface="Consolas" panose="020B0609020204030204" pitchFamily="49" charset="0"/>
               </a:rPr>
               <a:t>               ]</a:t>
@@ -18206,9 +17480,6 @@
           <a:p>
             <a:r>
               <a:rPr lang="en-US" sz="1400" dirty="0">
-                <a:solidFill>
-                  <a:srgbClr val="000000"/>
-                </a:solidFill>
                 <a:latin typeface="Consolas" panose="020B0609020204030204" pitchFamily="49" charset="0"/>
               </a:rPr>
               <a:t>             }</a:t>
@@ -18217,9 +17488,6 @@
           <a:p>
             <a:r>
               <a:rPr lang="en-US" sz="1400" dirty="0">
-                <a:solidFill>
-                  <a:srgbClr val="000000"/>
-                </a:solidFill>
                 <a:latin typeface="Consolas" panose="020B0609020204030204" pitchFamily="49" charset="0"/>
               </a:rPr>
               <a:t>           ]</a:t>
@@ -18228,9 +17496,6 @@
           <a:p>
             <a:r>
               <a:rPr lang="en-US" sz="1400" dirty="0">
-                <a:solidFill>
-                  <a:srgbClr val="000000"/>
-                </a:solidFill>
                 <a:latin typeface="Consolas" panose="020B0609020204030204" pitchFamily="49" charset="0"/>
               </a:rPr>
               <a:t>         }</a:t>
@@ -18239,9 +17504,6 @@
           <a:p>
             <a:r>
               <a:rPr lang="en-US" sz="1400" dirty="0">
-                <a:solidFill>
-                  <a:srgbClr val="000000"/>
-                </a:solidFill>
                 <a:latin typeface="Consolas" panose="020B0609020204030204" pitchFamily="49" charset="0"/>
               </a:rPr>
               <a:t>       ]</a:t>
@@ -18250,9 +17512,6 @@
           <a:p>
             <a:r>
               <a:rPr lang="en-US" sz="1400" dirty="0">
-                <a:solidFill>
-                  <a:srgbClr val="000000"/>
-                </a:solidFill>
                 <a:latin typeface="Consolas" panose="020B0609020204030204" pitchFamily="49" charset="0"/>
               </a:rPr>
               <a:t>     };</a:t>
@@ -18261,25 +17520,11 @@
           <a:p>
             <a:r>
               <a:rPr lang="en-US" sz="1400" dirty="0">
-                <a:solidFill>
-                  <a:srgbClr val="000000"/>
-                </a:solidFill>
                 <a:latin typeface="Consolas" panose="020B0609020204030204" pitchFamily="49" charset="0"/>
               </a:rPr>
               <a:t>  }</a:t>
             </a:r>
             <a:endParaRPr lang="en-US" sz="4400" dirty="0">
-              <a:gradFill>
-                <a:gsLst>
-                  <a:gs pos="1250">
-                    <a:schemeClr val="tx1"/>
-                  </a:gs>
-                  <a:gs pos="100000">
-                    <a:schemeClr val="tx1"/>
-                  </a:gs>
-                </a:gsLst>
-                <a:lin ang="5400000" scaled="0"/>
-              </a:gradFill>
               <a:latin typeface="+mj-lt"/>
             </a:endParaRPr>
           </a:p>
@@ -18344,6 +17589,140 @@
       </p:grpSpPr>
       <p:sp>
         <p:nvSpPr>
+          <p:cNvPr id="2" name="Text Placeholder 1"/>
+          <p:cNvSpPr>
+            <a:spLocks noGrp="1"/>
+          </p:cNvSpPr>
+          <p:nvPr>
+            <p:ph type="body" sz="quarter" idx="10"/>
+          </p:nvPr>
+        </p:nvSpPr>
+        <p:spPr>
+          <a:xfrm>
+            <a:off x="464400" y="1212850"/>
+            <a:ext cx="11574000" cy="3065455"/>
+          </a:xfrm>
+        </p:spPr>
+        <p:txBody>
+          <a:bodyPr/>
+          <a:lstStyle/>
+          <a:p>
+            <a:r>
+              <a:rPr lang="en-US" dirty="0"/>
+              <a:t>Define an interface in your web part that includes one or more </a:t>
+            </a:r>
+            <a:br>
+              <a:rPr lang="en-US" dirty="0"/>
+            </a:br>
+            <a:r>
+              <a:rPr lang="en-US" dirty="0"/>
+              <a:t>target properties</a:t>
+            </a:r>
+          </a:p>
+          <a:p>
+            <a:r>
+              <a:rPr lang="en-US" dirty="0"/>
+              <a:t>Import the corresponding field types in the </a:t>
+            </a:r>
+            <a:br>
+              <a:rPr lang="en-US" dirty="0"/>
+            </a:br>
+            <a:r>
+              <a:rPr lang="en-US" dirty="0"/>
+              <a:t>web part class</a:t>
+            </a:r>
+          </a:p>
+          <a:p>
+            <a:r>
+              <a:rPr lang="en-US" dirty="0"/>
+              <a:t>Field types are available as modules in the </a:t>
+            </a:r>
+            <a:r>
+              <a:rPr lang="en-US" dirty="0">
+                <a:latin typeface="Courier New" panose="02070309020205020404" pitchFamily="49" charset="0"/>
+                <a:cs typeface="Courier New" panose="02070309020205020404" pitchFamily="49" charset="0"/>
+              </a:rPr>
+              <a:t>@</a:t>
+            </a:r>
+            <a:r>
+              <a:rPr lang="en-US" dirty="0" err="1">
+                <a:latin typeface="Courier New" panose="02070309020205020404" pitchFamily="49" charset="0"/>
+                <a:cs typeface="Courier New" panose="02070309020205020404" pitchFamily="49" charset="0"/>
+              </a:rPr>
+              <a:t>microsoft</a:t>
+            </a:r>
+            <a:r>
+              <a:rPr lang="en-US" dirty="0">
+                <a:latin typeface="Courier New" panose="02070309020205020404" pitchFamily="49" charset="0"/>
+                <a:cs typeface="Courier New" panose="02070309020205020404" pitchFamily="49" charset="0"/>
+              </a:rPr>
+              <a:t>/</a:t>
+            </a:r>
+            <a:r>
+              <a:rPr lang="en-US" dirty="0" err="1">
+                <a:latin typeface="Courier New" panose="02070309020205020404" pitchFamily="49" charset="0"/>
+                <a:cs typeface="Courier New" panose="02070309020205020404" pitchFamily="49" charset="0"/>
+              </a:rPr>
+              <a:t>sp</a:t>
+            </a:r>
+            <a:r>
+              <a:rPr lang="en-US" dirty="0">
+                <a:latin typeface="Courier New" panose="02070309020205020404" pitchFamily="49" charset="0"/>
+                <a:cs typeface="Courier New" panose="02070309020205020404" pitchFamily="49" charset="0"/>
+              </a:rPr>
+              <a:t>-</a:t>
+            </a:r>
+            <a:r>
+              <a:rPr lang="en-US" dirty="0" err="1">
+                <a:latin typeface="Courier New" panose="02070309020205020404" pitchFamily="49" charset="0"/>
+                <a:cs typeface="Courier New" panose="02070309020205020404" pitchFamily="49" charset="0"/>
+              </a:rPr>
+              <a:t>webpart</a:t>
+            </a:r>
+            <a:r>
+              <a:rPr lang="en-US" dirty="0">
+                <a:latin typeface="Courier New" panose="02070309020205020404" pitchFamily="49" charset="0"/>
+                <a:cs typeface="Courier New" panose="02070309020205020404" pitchFamily="49" charset="0"/>
+              </a:rPr>
+              <a:t>-base</a:t>
+            </a:r>
+            <a:r>
+              <a:rPr lang="en-US" dirty="0"/>
+              <a:t> library</a:t>
+            </a:r>
+          </a:p>
+          <a:p>
+            <a:r>
+              <a:rPr lang="en-US" dirty="0"/>
+              <a:t>Modify the default </a:t>
+            </a:r>
+            <a:r>
+              <a:rPr lang="en-US" dirty="0" err="1">
+                <a:latin typeface="Courier New" panose="02070309020205020404" pitchFamily="49" charset="0"/>
+                <a:cs typeface="Courier New" panose="02070309020205020404" pitchFamily="49" charset="0"/>
+              </a:rPr>
+              <a:t>getPropertyPaneConfiguration</a:t>
+            </a:r>
+            <a:r>
+              <a:rPr lang="en-US" dirty="0"/>
+              <a:t> method and add the properties to the </a:t>
+            </a:r>
+            <a:r>
+              <a:rPr lang="en-US" dirty="0" err="1">
+                <a:latin typeface="Courier New" panose="02070309020205020404" pitchFamily="49" charset="0"/>
+                <a:cs typeface="Courier New" panose="02070309020205020404" pitchFamily="49" charset="0"/>
+              </a:rPr>
+              <a:t>groupFields</a:t>
+            </a:r>
+            <a:r>
+              <a:rPr lang="en-US" dirty="0"/>
+              <a:t> array</a:t>
+            </a:r>
+          </a:p>
+        </p:txBody>
+      </p:sp>
+      <p:sp>
+        <p:nvSpPr>
           <p:cNvPr id="4" name="Title 3"/>
           <p:cNvSpPr>
             <a:spLocks noGrp="1"/>
@@ -18360,149 +17739,6 @@
             <a:r>
               <a:rPr lang="en-US" dirty="0"/>
               <a:t>Implementing properties</a:t>
-            </a:r>
-          </a:p>
-        </p:txBody>
-      </p:sp>
-      <p:sp>
-        <p:nvSpPr>
-          <p:cNvPr id="2" name="Text Placeholder 1"/>
-          <p:cNvSpPr>
-            <a:spLocks noGrp="1"/>
-          </p:cNvSpPr>
-          <p:nvPr>
-            <p:ph type="body" sz="quarter" idx="10"/>
-          </p:nvPr>
-        </p:nvSpPr>
-        <p:spPr>
-          <a:xfrm>
-            <a:off x="274638" y="1212850"/>
-            <a:ext cx="11887200" cy="5004447"/>
-          </a:xfrm>
-        </p:spPr>
-        <p:txBody>
-          <a:bodyPr/>
-          <a:lstStyle/>
-          <a:p>
-            <a:pPr marL="571500" indent="-571500">
-              <a:buFont typeface="Arial" panose="020B0604020202020204" pitchFamily="34" charset="0"/>
-              <a:buChar char="•"/>
-            </a:pPr>
-            <a:r>
-              <a:rPr lang="en-US" dirty="0"/>
-              <a:t>Define an interface in your web part that includes one or more target properties</a:t>
-            </a:r>
-          </a:p>
-          <a:p>
-            <a:pPr marL="571500" indent="-571500">
-              <a:buFont typeface="Arial" panose="020B0604020202020204" pitchFamily="34" charset="0"/>
-              <a:buChar char="•"/>
-            </a:pPr>
-            <a:r>
-              <a:rPr lang="en-US" dirty="0"/>
-              <a:t>Import the corresponding field types in the </a:t>
-            </a:r>
-            <a:br>
-              <a:rPr lang="en-US" dirty="0"/>
-            </a:br>
-            <a:r>
-              <a:rPr lang="en-US" dirty="0"/>
-              <a:t>web part class</a:t>
-            </a:r>
-          </a:p>
-          <a:p>
-            <a:pPr marL="571500" indent="-571500">
-              <a:buFont typeface="Arial" panose="020B0604020202020204" pitchFamily="34" charset="0"/>
-              <a:buChar char="•"/>
-            </a:pPr>
-            <a:r>
-              <a:rPr lang="en-US" dirty="0"/>
-              <a:t>Field types are available as modules in the </a:t>
-            </a:r>
-            <a:r>
-              <a:rPr lang="en-US" dirty="0">
-                <a:latin typeface="Courier New" panose="02070309020205020404" pitchFamily="49" charset="0"/>
-                <a:cs typeface="Courier New" panose="02070309020205020404" pitchFamily="49" charset="0"/>
-              </a:rPr>
-              <a:t>@</a:t>
-            </a:r>
-            <a:r>
-              <a:rPr lang="en-US" dirty="0" err="1">
-                <a:latin typeface="Courier New" panose="02070309020205020404" pitchFamily="49" charset="0"/>
-                <a:cs typeface="Courier New" panose="02070309020205020404" pitchFamily="49" charset="0"/>
-              </a:rPr>
-              <a:t>microsoft</a:t>
-            </a:r>
-            <a:r>
-              <a:rPr lang="en-US" dirty="0">
-                <a:latin typeface="Courier New" panose="02070309020205020404" pitchFamily="49" charset="0"/>
-                <a:cs typeface="Courier New" panose="02070309020205020404" pitchFamily="49" charset="0"/>
-              </a:rPr>
-              <a:t>/</a:t>
-            </a:r>
-            <a:r>
-              <a:rPr lang="en-US" dirty="0" err="1">
-                <a:latin typeface="Courier New" panose="02070309020205020404" pitchFamily="49" charset="0"/>
-                <a:cs typeface="Courier New" panose="02070309020205020404" pitchFamily="49" charset="0"/>
-              </a:rPr>
-              <a:t>sp</a:t>
-            </a:r>
-            <a:r>
-              <a:rPr lang="en-US" dirty="0">
-                <a:latin typeface="Courier New" panose="02070309020205020404" pitchFamily="49" charset="0"/>
-                <a:cs typeface="Courier New" panose="02070309020205020404" pitchFamily="49" charset="0"/>
-              </a:rPr>
-              <a:t>-</a:t>
-            </a:r>
-            <a:r>
-              <a:rPr lang="en-US" dirty="0" err="1">
-                <a:latin typeface="Courier New" panose="02070309020205020404" pitchFamily="49" charset="0"/>
-                <a:cs typeface="Courier New" panose="02070309020205020404" pitchFamily="49" charset="0"/>
-              </a:rPr>
-              <a:t>webpart</a:t>
-            </a:r>
-            <a:r>
-              <a:rPr lang="en-US" dirty="0">
-                <a:latin typeface="Courier New" panose="02070309020205020404" pitchFamily="49" charset="0"/>
-                <a:cs typeface="Courier New" panose="02070309020205020404" pitchFamily="49" charset="0"/>
-              </a:rPr>
-              <a:t>-base </a:t>
-            </a:r>
-            <a:r>
-              <a:rPr lang="en-US" dirty="0"/>
-              <a:t>library</a:t>
-            </a:r>
-          </a:p>
-          <a:p>
-            <a:pPr marL="571500" indent="-571500">
-              <a:buFont typeface="Arial" panose="020B0604020202020204" pitchFamily="34" charset="0"/>
-              <a:buChar char="•"/>
-            </a:pPr>
-            <a:r>
-              <a:rPr lang="en-US" dirty="0"/>
-              <a:t>Modify the default </a:t>
-            </a:r>
-            <a:r>
-              <a:rPr lang="en-US" dirty="0" err="1">
-                <a:latin typeface="Courier New" panose="02070309020205020404" pitchFamily="49" charset="0"/>
-                <a:cs typeface="Courier New" panose="02070309020205020404" pitchFamily="49" charset="0"/>
-              </a:rPr>
-              <a:t>getPropertyPaneConfiguration</a:t>
-            </a:r>
-            <a:r>
-              <a:rPr lang="en-US" dirty="0"/>
-              <a:t> method and add the properties to the </a:t>
-            </a:r>
-            <a:r>
-              <a:rPr lang="en-US" dirty="0" err="1">
-                <a:latin typeface="Courier New" panose="02070309020205020404" pitchFamily="49" charset="0"/>
-                <a:cs typeface="Courier New" panose="02070309020205020404" pitchFamily="49" charset="0"/>
-              </a:rPr>
-              <a:t>groupFields</a:t>
-            </a:r>
-            <a:r>
-              <a:rPr lang="en-US" dirty="0"/>
-              <a:t> array</a:t>
             </a:r>
           </a:p>
         </p:txBody>
@@ -18542,6 +17778,76 @@
       </p:grpSpPr>
       <p:sp>
         <p:nvSpPr>
+          <p:cNvPr id="3" name="Content Placeholder 2"/>
+          <p:cNvSpPr>
+            <a:spLocks noGrp="1"/>
+          </p:cNvSpPr>
+          <p:nvPr>
+            <p:ph type="body" sz="quarter" idx="10"/>
+          </p:nvPr>
+        </p:nvSpPr>
+        <p:spPr/>
+        <p:txBody>
+          <a:bodyPr/>
+          <a:lstStyle/>
+          <a:p>
+            <a:r>
+              <a:rPr lang="en-US" dirty="0"/>
+              <a:t>The property pane has two interaction modes:</a:t>
+            </a:r>
+          </a:p>
+          <a:p>
+            <a:pPr lvl="2"/>
+            <a:r>
+              <a:rPr lang="en-US" dirty="0"/>
+              <a:t>Reactive</a:t>
+            </a:r>
+          </a:p>
+          <a:p>
+            <a:pPr lvl="2"/>
+            <a:r>
+              <a:rPr lang="en-US" dirty="0"/>
+              <a:t>Non-reactive</a:t>
+            </a:r>
+          </a:p>
+          <a:p>
+            <a:pPr lvl="1"/>
+            <a:endParaRPr lang="en-US" dirty="0"/>
+          </a:p>
+          <a:p>
+            <a:r>
+              <a:rPr lang="en-US" dirty="0"/>
+              <a:t>Reactive mode: every change = change event is triggered</a:t>
+            </a:r>
+          </a:p>
+          <a:p>
+            <a:pPr lvl="1"/>
+            <a:r>
+              <a:rPr lang="en-US" dirty="0"/>
+              <a:t>Reactive behavior automatically updates the web part user interface with the new property field values</a:t>
+            </a:r>
+          </a:p>
+          <a:p>
+            <a:pPr lvl="1"/>
+            <a:endParaRPr lang="en-US" dirty="0"/>
+          </a:p>
+          <a:p>
+            <a:r>
+              <a:rPr lang="en-US" dirty="0"/>
+              <a:t>Non-reactive mode: does not update the web part user interface automatically unless the user confirms the changes</a:t>
+            </a:r>
+          </a:p>
+          <a:p>
+            <a:pPr lvl="1"/>
+            <a:r>
+              <a:rPr lang="en-US" dirty="0"/>
+              <a:t>While reactive mode is sufficient for many scenarios, at times you will need non-reactive behavior. </a:t>
+            </a:r>
+          </a:p>
+        </p:txBody>
+      </p:sp>
+      <p:sp>
+        <p:nvSpPr>
           <p:cNvPr id="2" name="Title 1"/>
           <p:cNvSpPr>
             <a:spLocks noGrp="1"/>
@@ -18556,129 +17862,8 @@
           <a:lstStyle/>
           <a:p>
             <a:r>
-              <a:rPr lang="en-US" sz="3600" dirty="0"/>
+              <a:rPr lang="en-US" dirty="0"/>
               <a:t>Handling property field changes</a:t>
-            </a:r>
-          </a:p>
-        </p:txBody>
-      </p:sp>
-      <p:sp>
-        <p:nvSpPr>
-          <p:cNvPr id="3" name="Content Placeholder 2"/>
-          <p:cNvSpPr>
-            <a:spLocks noGrp="1"/>
-          </p:cNvSpPr>
-          <p:nvPr>
-            <p:ph type="body" sz="quarter" idx="10"/>
-          </p:nvPr>
-        </p:nvSpPr>
-        <p:spPr>
-          <a:xfrm>
-            <a:off x="274638" y="1212850"/>
-            <a:ext cx="11887200" cy="4702826"/>
-          </a:xfrm>
-        </p:spPr>
-        <p:txBody>
-          <a:bodyPr/>
-          <a:lstStyle/>
-          <a:p>
-            <a:pPr marL="342900" indent="-342900">
-              <a:buFont typeface="Arial" panose="020B0604020202020204" pitchFamily="34" charset="0"/>
-              <a:buChar char="•"/>
-            </a:pPr>
-            <a:r>
-              <a:rPr lang="en-US" sz="2400" dirty="0"/>
-              <a:t>The property pane has two interaction modes:</a:t>
-            </a:r>
-          </a:p>
-          <a:p>
-            <a:pPr marL="571500" lvl="2" indent="-342900">
-              <a:buFont typeface="Arial" panose="020B0604020202020204" pitchFamily="34" charset="0"/>
-              <a:buChar char="•"/>
-            </a:pPr>
-            <a:r>
-              <a:rPr lang="en-US" sz="2200" dirty="0"/>
-              <a:t>Reactive</a:t>
-            </a:r>
-          </a:p>
-          <a:p>
-            <a:pPr marL="571500" lvl="2" indent="-342900">
-              <a:buFont typeface="Arial" panose="020B0604020202020204" pitchFamily="34" charset="0"/>
-              <a:buChar char="•"/>
-            </a:pPr>
-            <a:r>
-              <a:rPr lang="en-US" sz="2200" dirty="0"/>
-              <a:t>Non-reactive</a:t>
-            </a:r>
-          </a:p>
-          <a:p>
-            <a:pPr marL="342900" lvl="1" indent="-342900">
-              <a:buFont typeface="Arial" panose="020B0604020202020204" pitchFamily="34" charset="0"/>
-              <a:buChar char="•"/>
-            </a:pPr>
-            <a:endParaRPr lang="en-US" sz="2400" dirty="0"/>
-          </a:p>
-          <a:p>
-            <a:pPr marL="342900" indent="-342900">
-              <a:buFont typeface="Arial" panose="020B0604020202020204" pitchFamily="34" charset="0"/>
-              <a:buChar char="•"/>
-            </a:pPr>
-            <a:r>
-              <a:rPr lang="en-US" sz="2400" dirty="0"/>
-              <a:t>R</a:t>
-            </a:r>
-            <a:r>
-              <a:rPr lang="en-US" sz="2400" b="1" dirty="0"/>
-              <a:t>eactive mode</a:t>
-            </a:r>
-            <a:r>
-              <a:rPr lang="en-US" sz="2400" dirty="0"/>
-              <a:t>: every change = change event is triggered</a:t>
-            </a:r>
-          </a:p>
-          <a:p>
-            <a:pPr marL="342900" lvl="1" indent="-342900">
-              <a:buFont typeface="Arial" panose="020B0604020202020204" pitchFamily="34" charset="0"/>
-              <a:buChar char="•"/>
-            </a:pPr>
-            <a:r>
-              <a:rPr lang="en-US" sz="2400" dirty="0">
-                <a:latin typeface="+mj-lt"/>
-              </a:rPr>
-              <a:t>Reactive behavior automatically updates the web part user interface with the new property field values</a:t>
-            </a:r>
-          </a:p>
-          <a:p>
-            <a:pPr marL="342900" lvl="1" indent="-342900">
-              <a:buFont typeface="Arial" panose="020B0604020202020204" pitchFamily="34" charset="0"/>
-              <a:buChar char="•"/>
-            </a:pPr>
-            <a:endParaRPr lang="en-US" sz="2400" dirty="0"/>
-          </a:p>
-          <a:p>
-            <a:pPr marL="342900" indent="-342900">
-              <a:buFont typeface="Arial" panose="020B0604020202020204" pitchFamily="34" charset="0"/>
-              <a:buChar char="•"/>
-            </a:pPr>
-            <a:r>
-              <a:rPr lang="en-US" sz="2400" b="1" dirty="0"/>
-              <a:t>Non-reactive mode: </a:t>
-            </a:r>
-            <a:r>
-              <a:rPr lang="en-US" sz="2400" dirty="0"/>
-              <a:t>does not update the web part user interface automatically unless the user confirms the changes</a:t>
-            </a:r>
-          </a:p>
-          <a:p>
-            <a:pPr marL="342900" lvl="1" indent="-342900">
-              <a:buFont typeface="Arial" panose="020B0604020202020204" pitchFamily="34" charset="0"/>
-              <a:buChar char="•"/>
-            </a:pPr>
-            <a:r>
-              <a:rPr lang="en-US" sz="2200" dirty="0">
-                <a:latin typeface="+mj-lt"/>
-              </a:rPr>
-              <a:t>While reactive mode is sufficient for many scenarios, at times you will need non-reactive behavior. </a:t>
             </a:r>
           </a:p>
         </p:txBody>
@@ -18718,6 +17903,42 @@
       </p:grpSpPr>
       <p:sp>
         <p:nvSpPr>
+          <p:cNvPr id="4" name="Text Placeholder 3"/>
+          <p:cNvSpPr>
+            <a:spLocks noGrp="1"/>
+          </p:cNvSpPr>
+          <p:nvPr>
+            <p:ph type="body" sz="quarter" idx="10"/>
+          </p:nvPr>
+        </p:nvSpPr>
+        <p:spPr/>
+        <p:txBody>
+          <a:bodyPr/>
+          <a:lstStyle/>
+          <a:p>
+            <a:r>
+              <a:rPr lang="en-US" dirty="0"/>
+              <a:t>Default mode = reactive mode</a:t>
+            </a:r>
+          </a:p>
+          <a:p>
+            <a:r>
+              <a:rPr lang="en-US" dirty="0"/>
+              <a:t>Override the default behavior by adding the  </a:t>
+            </a:r>
+            <a:r>
+              <a:rPr lang="en-US" dirty="0" err="1"/>
+              <a:t>disableReactivePropertyChanges</a:t>
+            </a:r>
+            <a:r>
+              <a:rPr lang="en-US" dirty="0"/>
+              <a:t> method to the web part class</a:t>
+            </a:r>
+          </a:p>
+        </p:txBody>
+      </p:sp>
+      <p:sp>
+        <p:nvSpPr>
           <p:cNvPr id="2" name="Title 1"/>
           <p:cNvSpPr>
             <a:spLocks noGrp="1"/>
@@ -18736,61 +17957,6 @@
               <a:t>Property pane modes</a:t>
             </a:r>
             <a:endParaRPr lang="fi-FI" dirty="0"/>
-          </a:p>
-        </p:txBody>
-      </p:sp>
-      <p:sp>
-        <p:nvSpPr>
-          <p:cNvPr id="4" name="Text Placeholder 3"/>
-          <p:cNvSpPr>
-            <a:spLocks noGrp="1"/>
-          </p:cNvSpPr>
-          <p:nvPr>
-            <p:ph type="body" sz="quarter" idx="10"/>
-          </p:nvPr>
-        </p:nvSpPr>
-        <p:spPr>
-          <a:xfrm>
-            <a:off x="274638" y="1212850"/>
-            <a:ext cx="11887200" cy="2289858"/>
-          </a:xfrm>
-        </p:spPr>
-        <p:txBody>
-          <a:bodyPr/>
-          <a:lstStyle/>
-          <a:p>
-            <a:pPr marL="571500" indent="-571500">
-              <a:buFont typeface="Arial" panose="020B0604020202020204" pitchFamily="34" charset="0"/>
-              <a:buChar char="•"/>
-            </a:pPr>
-            <a:r>
-              <a:rPr lang="en-US" dirty="0"/>
-              <a:t>Default mode = reactive mode</a:t>
-            </a:r>
-          </a:p>
-          <a:p>
-            <a:pPr marL="571500" indent="-571500">
-              <a:buFont typeface="Arial" panose="020B0604020202020204" pitchFamily="34" charset="0"/>
-              <a:buChar char="•"/>
-            </a:pPr>
-            <a:r>
-              <a:rPr lang="en-US" dirty="0"/>
-              <a:t>Override the default behavior by adding the  </a:t>
-            </a:r>
-            <a:r>
-              <a:rPr lang="en-US" dirty="0" err="1">
-                <a:latin typeface="Courier New" panose="02070309020205020404" pitchFamily="49" charset="0"/>
-                <a:cs typeface="Courier New" panose="02070309020205020404" pitchFamily="49" charset="0"/>
-              </a:rPr>
-              <a:t>disableReactivePropertyChanges</a:t>
-            </a:r>
-            <a:r>
-              <a:rPr lang="en-US" dirty="0"/>
-              <a:t> method to the web part class</a:t>
-            </a:r>
-            <a:endParaRPr lang="en-US" dirty="0">
-              <a:latin typeface="+mj-lt"/>
-            </a:endParaRPr>
           </a:p>
         </p:txBody>
       </p:sp>
@@ -18810,7 +17976,7 @@
         </p:blipFill>
         <p:spPr>
           <a:xfrm>
-            <a:off x="1853928" y="4433366"/>
+            <a:off x="1853927" y="2885194"/>
             <a:ext cx="8728619" cy="1224136"/>
           </a:xfrm>
           <a:prstGeom prst="rect">
@@ -18853,6 +18019,44 @@
       </p:grpSpPr>
       <p:sp>
         <p:nvSpPr>
+          <p:cNvPr id="3" name="Content Placeholder 2"/>
+          <p:cNvSpPr>
+            <a:spLocks noGrp="1"/>
+          </p:cNvSpPr>
+          <p:nvPr>
+            <p:ph type="body" sz="quarter" idx="10"/>
+          </p:nvPr>
+        </p:nvSpPr>
+        <p:spPr/>
+        <p:txBody>
+          <a:bodyPr/>
+          <a:lstStyle/>
+          <a:p>
+            <a:r>
+              <a:rPr lang="en-US" dirty="0"/>
+              <a:t>Modify the </a:t>
+            </a:r>
+            <a:r>
+              <a:rPr lang="en-US" dirty="0" err="1"/>
+              <a:t>propertyPaneSettings</a:t>
+            </a:r>
+            <a:r>
+              <a:rPr lang="en-US" dirty="0"/>
+              <a:t> method and add the property to the </a:t>
+            </a:r>
+            <a:r>
+              <a:rPr lang="en-US" dirty="0" err="1"/>
+              <a:t>groupFields</a:t>
+            </a:r>
+            <a:r>
+              <a:rPr lang="en-US" dirty="0"/>
+              <a:t> array    </a:t>
+            </a:r>
+          </a:p>
+        </p:txBody>
+      </p:sp>
+      <p:sp>
+        <p:nvSpPr>
           <p:cNvPr id="2" name="Title 1"/>
           <p:cNvSpPr>
             <a:spLocks noGrp="1"/>
@@ -18867,64 +18071,8 @@
           <a:lstStyle/>
           <a:p>
             <a:r>
-              <a:rPr lang="en-US" sz="3200" dirty="0"/>
+              <a:rPr lang="en-US" dirty="0"/>
               <a:t>Adding configuration properties to React Client-Side web parts</a:t>
-            </a:r>
-          </a:p>
-        </p:txBody>
-      </p:sp>
-      <p:sp>
-        <p:nvSpPr>
-          <p:cNvPr id="3" name="Content Placeholder 2"/>
-          <p:cNvSpPr>
-            <a:spLocks noGrp="1"/>
-          </p:cNvSpPr>
-          <p:nvPr>
-            <p:ph type="body" sz="quarter" idx="10"/>
-          </p:nvPr>
-        </p:nvSpPr>
-        <p:spPr>
-          <a:xfrm>
-            <a:off x="274638" y="1212850"/>
-            <a:ext cx="11887200" cy="960263"/>
-          </a:xfrm>
-        </p:spPr>
-        <p:txBody>
-          <a:bodyPr/>
-          <a:lstStyle/>
-          <a:p>
-            <a:r>
-              <a:rPr lang="en-US" sz="2800" dirty="0"/>
-              <a:t>Modify the </a:t>
-            </a:r>
-            <a:r>
-              <a:rPr lang="en-US" sz="2800" dirty="0" err="1">
-                <a:latin typeface="Courier New" panose="02070309020205020404" pitchFamily="49" charset="0"/>
-                <a:cs typeface="Courier New" panose="02070309020205020404" pitchFamily="49" charset="0"/>
-              </a:rPr>
-              <a:t>propertyPaneSettings</a:t>
-            </a:r>
-            <a:r>
-              <a:rPr lang="en-US" sz="2800" dirty="0">
-                <a:latin typeface="Courier New" panose="02070309020205020404" pitchFamily="49" charset="0"/>
-                <a:cs typeface="Courier New" panose="02070309020205020404" pitchFamily="49" charset="0"/>
-              </a:rPr>
-              <a:t> </a:t>
-            </a:r>
-            <a:r>
-              <a:rPr lang="en-US" sz="2800" dirty="0"/>
-              <a:t>method and add the property to the </a:t>
-            </a:r>
-            <a:r>
-              <a:rPr lang="en-US" sz="2800" dirty="0" err="1">
-                <a:latin typeface="Courier New" panose="02070309020205020404" pitchFamily="49" charset="0"/>
-                <a:cs typeface="Courier New" panose="02070309020205020404" pitchFamily="49" charset="0"/>
-              </a:rPr>
-              <a:t>groupFields</a:t>
-            </a:r>
-            <a:r>
-              <a:rPr lang="en-US" sz="2800" dirty="0"/>
-              <a:t> array    </a:t>
             </a:r>
           </a:p>
         </p:txBody>
@@ -18952,72 +18100,30 @@
           <a:p>
             <a:r>
               <a:rPr lang="en-US" sz="1600" dirty="0">
-                <a:solidFill>
-                  <a:srgbClr val="0000FF"/>
-                </a:solidFill>
                 <a:latin typeface="Consolas" panose="020B0609020204030204" pitchFamily="49" charset="0"/>
               </a:rPr>
-              <a:t>protected</a:t>
-            </a:r>
-            <a:r>
-              <a:rPr lang="en-US" sz="1600" dirty="0">
-                <a:solidFill>
-                  <a:srgbClr val="000000"/>
-                </a:solidFill>
-                <a:latin typeface="Consolas" panose="020B0609020204030204" pitchFamily="49" charset="0"/>
-              </a:rPr>
-              <a:t> </a:t>
-            </a:r>
-            <a:r>
-              <a:rPr lang="en-US" sz="1600" dirty="0">
-                <a:solidFill>
-                  <a:srgbClr val="0000FF"/>
-                </a:solidFill>
-                <a:latin typeface="Consolas" panose="020B0609020204030204" pitchFamily="49" charset="0"/>
-              </a:rPr>
-              <a:t>get</a:t>
-            </a:r>
-            <a:r>
-              <a:rPr lang="en-US" sz="1600" dirty="0">
-                <a:solidFill>
-                  <a:srgbClr val="000000"/>
-                </a:solidFill>
-                <a:latin typeface="Consolas" panose="020B0609020204030204" pitchFamily="49" charset="0"/>
-              </a:rPr>
-              <a:t> </a:t>
+              <a:t>protected get </a:t>
             </a:r>
             <a:r>
               <a:rPr lang="en-US" sz="1600" dirty="0" err="1">
-                <a:solidFill>
-                  <a:srgbClr val="000000"/>
-                </a:solidFill>
                 <a:latin typeface="Consolas" panose="020B0609020204030204" pitchFamily="49" charset="0"/>
               </a:rPr>
               <a:t>propertyPaneSettings</a:t>
             </a:r>
             <a:r>
               <a:rPr lang="en-US" sz="1600" dirty="0">
-                <a:solidFill>
-                  <a:srgbClr val="000000"/>
-                </a:solidFill>
                 <a:latin typeface="Consolas" panose="020B0609020204030204" pitchFamily="49" charset="0"/>
               </a:rPr>
               <a:t>(): </a:t>
             </a:r>
             <a:r>
               <a:rPr lang="en-US" sz="1600" dirty="0" err="1">
-                <a:solidFill>
-                  <a:srgbClr val="000000"/>
-                </a:solidFill>
                 <a:latin typeface="Consolas" panose="020B0609020204030204" pitchFamily="49" charset="0"/>
               </a:rPr>
               <a:t>IPropertyPaneSettings</a:t>
             </a:r>
             <a:r>
               <a:rPr lang="en-US" sz="1600" dirty="0">
-                <a:solidFill>
-                  <a:srgbClr val="000000"/>
-                </a:solidFill>
                 <a:latin typeface="Consolas" panose="020B0609020204030204" pitchFamily="49" charset="0"/>
               </a:rPr>
               <a:t> {</a:t>
@@ -19026,38 +18132,14 @@
           <a:p>
             <a:r>
               <a:rPr lang="en-US" sz="1600" dirty="0">
-                <a:solidFill>
-                  <a:srgbClr val="000000"/>
-                </a:solidFill>
                 <a:latin typeface="Consolas" panose="020B0609020204030204" pitchFamily="49" charset="0"/>
               </a:rPr>
-              <a:t>     </a:t>
-            </a:r>
+              <a:t>     return {</a:t>
+            </a:r>
+          </a:p>
+          <a:p>
             <a:r>
               <a:rPr lang="en-US" sz="1600" dirty="0">
-                <a:solidFill>
-                  <a:srgbClr val="0000FF"/>
-                </a:solidFill>
-                <a:latin typeface="Consolas" panose="020B0609020204030204" pitchFamily="49" charset="0"/>
-              </a:rPr>
-              <a:t>return</a:t>
-            </a:r>
-            <a:r>
-              <a:rPr lang="en-US" sz="1600" dirty="0">
-                <a:solidFill>
-                  <a:srgbClr val="000000"/>
-                </a:solidFill>
-                <a:latin typeface="Consolas" panose="020B0609020204030204" pitchFamily="49" charset="0"/>
-              </a:rPr>
-              <a:t> {</a:t>
-            </a:r>
-          </a:p>
-          <a:p>
-            <a:r>
-              <a:rPr lang="en-US" sz="1600" dirty="0">
-                <a:solidFill>
-                  <a:srgbClr val="000000"/>
-                </a:solidFill>
                 <a:latin typeface="Consolas" panose="020B0609020204030204" pitchFamily="49" charset="0"/>
               </a:rPr>
               <a:t>       pages: [</a:t>
@@ -19066,9 +18148,6 @@
           <a:p>
             <a:r>
               <a:rPr lang="en-US" sz="1600" dirty="0">
-                <a:solidFill>
-                  <a:srgbClr val="000000"/>
-                </a:solidFill>
                 <a:latin typeface="Consolas" panose="020B0609020204030204" pitchFamily="49" charset="0"/>
               </a:rPr>
               <a:t>         {</a:t>
@@ -19077,9 +18156,6 @@
           <a:p>
             <a:r>
               <a:rPr lang="en-US" sz="1600" dirty="0">
-                <a:solidFill>
-                  <a:srgbClr val="000000"/>
-                </a:solidFill>
                 <a:latin typeface="Consolas" panose="020B0609020204030204" pitchFamily="49" charset="0"/>
               </a:rPr>
               <a:t>           header: {</a:t>
@@ -19088,35 +18164,23 @@
           <a:p>
             <a:r>
               <a:rPr lang="en-US" sz="1600" dirty="0">
-                <a:solidFill>
-                  <a:srgbClr val="000000"/>
-                </a:solidFill>
                 <a:latin typeface="Consolas" panose="020B0609020204030204" pitchFamily="49" charset="0"/>
               </a:rPr>
               <a:t>             description: </a:t>
             </a:r>
             <a:r>
               <a:rPr lang="en-US" sz="1600" dirty="0" err="1">
-                <a:solidFill>
-                  <a:srgbClr val="000000"/>
-                </a:solidFill>
                 <a:latin typeface="Consolas" panose="020B0609020204030204" pitchFamily="49" charset="0"/>
               </a:rPr>
               <a:t>strings.PropertyPaneDescription</a:t>
             </a:r>
             <a:endParaRPr lang="en-US" sz="1600" dirty="0">
-              <a:solidFill>
-                <a:srgbClr val="000000"/>
-              </a:solidFill>
               <a:latin typeface="Consolas" panose="020B0609020204030204" pitchFamily="49" charset="0"/>
             </a:endParaRPr>
           </a:p>
           <a:p>
             <a:r>
               <a:rPr lang="en-US" sz="1600" dirty="0">
-                <a:solidFill>
-                  <a:srgbClr val="000000"/>
-                </a:solidFill>
                 <a:latin typeface="Consolas" panose="020B0609020204030204" pitchFamily="49" charset="0"/>
               </a:rPr>
               <a:t>           },</a:t>
@@ -19125,9 +18189,6 @@
           <a:p>
             <a:r>
               <a:rPr lang="en-US" sz="1600" dirty="0">
-                <a:solidFill>
-                  <a:srgbClr val="000000"/>
-                </a:solidFill>
                 <a:latin typeface="Consolas" panose="020B0609020204030204" pitchFamily="49" charset="0"/>
               </a:rPr>
               <a:t>           groups: [</a:t>
@@ -19136,9 +18197,6 @@
           <a:p>
             <a:r>
               <a:rPr lang="en-US" sz="1600" dirty="0">
-                <a:solidFill>
-                  <a:srgbClr val="000000"/>
-                </a:solidFill>
                 <a:latin typeface="Consolas" panose="020B0609020204030204" pitchFamily="49" charset="0"/>
               </a:rPr>
               <a:t>             {</a:t>
@@ -19147,45 +18205,30 @@
           <a:p>
             <a:r>
               <a:rPr lang="en-US" sz="1600" dirty="0">
-                <a:solidFill>
-                  <a:srgbClr val="000000"/>
-                </a:solidFill>
                 <a:latin typeface="Consolas" panose="020B0609020204030204" pitchFamily="49" charset="0"/>
               </a:rPr>
               <a:t>               </a:t>
             </a:r>
             <a:r>
               <a:rPr lang="en-US" sz="1600" dirty="0" err="1">
-                <a:solidFill>
-                  <a:srgbClr val="000000"/>
-                </a:solidFill>
                 <a:latin typeface="Consolas" panose="020B0609020204030204" pitchFamily="49" charset="0"/>
               </a:rPr>
               <a:t>groupName</a:t>
             </a:r>
             <a:r>
               <a:rPr lang="en-US" sz="1600" dirty="0">
-                <a:solidFill>
-                  <a:srgbClr val="000000"/>
-                </a:solidFill>
                 <a:latin typeface="Consolas" panose="020B0609020204030204" pitchFamily="49" charset="0"/>
               </a:rPr>
               <a:t>: </a:t>
             </a:r>
             <a:r>
               <a:rPr lang="en-US" sz="1600" dirty="0" err="1">
-                <a:solidFill>
-                  <a:srgbClr val="000000"/>
-                </a:solidFill>
                 <a:latin typeface="Consolas" panose="020B0609020204030204" pitchFamily="49" charset="0"/>
               </a:rPr>
               <a:t>strings.BasicGroupName</a:t>
             </a:r>
             <a:r>
               <a:rPr lang="en-US" sz="1600" dirty="0">
-                <a:solidFill>
-                  <a:srgbClr val="000000"/>
-                </a:solidFill>
                 <a:latin typeface="Consolas" panose="020B0609020204030204" pitchFamily="49" charset="0"/>
               </a:rPr>
               <a:t>,</a:t>
@@ -19194,27 +18237,18 @@
           <a:p>
             <a:r>
               <a:rPr lang="en-US" sz="1600" dirty="0">
-                <a:solidFill>
-                  <a:srgbClr val="000000"/>
-                </a:solidFill>
                 <a:latin typeface="Consolas" panose="020B0609020204030204" pitchFamily="49" charset="0"/>
               </a:rPr>
               <a:t>               </a:t>
             </a:r>
             <a:r>
               <a:rPr lang="en-US" sz="1600" dirty="0" err="1">
-                <a:solidFill>
-                  <a:srgbClr val="000000"/>
-                </a:solidFill>
                 <a:latin typeface="Consolas" panose="020B0609020204030204" pitchFamily="49" charset="0"/>
               </a:rPr>
               <a:t>groupFields</a:t>
             </a:r>
             <a:r>
               <a:rPr lang="en-US" sz="1600" dirty="0">
-                <a:solidFill>
-                  <a:srgbClr val="000000"/>
-                </a:solidFill>
                 <a:latin typeface="Consolas" panose="020B0609020204030204" pitchFamily="49" charset="0"/>
               </a:rPr>
               <a:t>: [</a:t>
@@ -19223,82 +18257,43 @@
           <a:p>
             <a:r>
               <a:rPr lang="en-US" sz="1600" dirty="0">
-                <a:solidFill>
-                  <a:srgbClr val="000000"/>
-                </a:solidFill>
                 <a:latin typeface="Consolas" panose="020B0609020204030204" pitchFamily="49" charset="0"/>
               </a:rPr>
               <a:t>                 </a:t>
             </a:r>
             <a:r>
               <a:rPr lang="en-US" sz="1600" dirty="0" err="1">
-                <a:solidFill>
-                  <a:srgbClr val="000000"/>
-                </a:solidFill>
                 <a:latin typeface="Consolas" panose="020B0609020204030204" pitchFamily="49" charset="0"/>
               </a:rPr>
               <a:t>PropertyPaneTextField</a:t>
             </a:r>
             <a:r>
               <a:rPr lang="en-US" sz="1600" dirty="0">
-                <a:solidFill>
-                  <a:srgbClr val="000000"/>
-                </a:solidFill>
                 <a:latin typeface="Consolas" panose="020B0609020204030204" pitchFamily="49" charset="0"/>
               </a:rPr>
-              <a:t>(</a:t>
-            </a:r>
+              <a:t>('description', {</a:t>
+            </a:r>
+          </a:p>
+          <a:p>
             <a:r>
               <a:rPr lang="en-US" sz="1600" dirty="0">
-                <a:solidFill>
-                  <a:srgbClr val="A31515"/>
-                </a:solidFill>
-                <a:latin typeface="Consolas" panose="020B0609020204030204" pitchFamily="49" charset="0"/>
-              </a:rPr>
-              <a:t>'description'</a:t>
-            </a:r>
-            <a:r>
-              <a:rPr lang="en-US" sz="1600" dirty="0">
-                <a:solidFill>
-                  <a:srgbClr val="000000"/>
-                </a:solidFill>
-                <a:latin typeface="Consolas" panose="020B0609020204030204" pitchFamily="49" charset="0"/>
-              </a:rPr>
-              <a:t>, {</a:t>
-            </a:r>
-          </a:p>
-          <a:p>
-            <a:r>
-              <a:rPr lang="en-US" sz="1600" dirty="0">
-                <a:solidFill>
-                  <a:srgbClr val="000000"/>
-                </a:solidFill>
                 <a:latin typeface="Consolas" panose="020B0609020204030204" pitchFamily="49" charset="0"/>
               </a:rPr>
               <a:t>                   label: </a:t>
             </a:r>
             <a:r>
               <a:rPr lang="en-US" sz="1600" dirty="0" err="1">
-                <a:solidFill>
-                  <a:srgbClr val="000000"/>
-                </a:solidFill>
                 <a:latin typeface="Consolas" panose="020B0609020204030204" pitchFamily="49" charset="0"/>
               </a:rPr>
               <a:t>strings.DescriptionFieldLabel</a:t>
             </a:r>
             <a:endParaRPr lang="en-US" sz="1600" dirty="0">
-              <a:solidFill>
-                <a:srgbClr val="000000"/>
-              </a:solidFill>
               <a:latin typeface="Consolas" panose="020B0609020204030204" pitchFamily="49" charset="0"/>
             </a:endParaRPr>
           </a:p>
           <a:p>
             <a:r>
               <a:rPr lang="en-US" sz="1600" dirty="0">
-                <a:solidFill>
-                  <a:srgbClr val="000000"/>
-                </a:solidFill>
                 <a:latin typeface="Consolas" panose="020B0609020204030204" pitchFamily="49" charset="0"/>
               </a:rPr>
               <a:t>                 }),</a:t>
@@ -19378,6 +18373,28 @@
       </p:grpSpPr>
       <p:sp>
         <p:nvSpPr>
+          <p:cNvPr id="3" name="Content Placeholder 2"/>
+          <p:cNvSpPr>
+            <a:spLocks noGrp="1"/>
+          </p:cNvSpPr>
+          <p:nvPr>
+            <p:ph type="body" sz="quarter" idx="10"/>
+          </p:nvPr>
+        </p:nvSpPr>
+        <p:spPr/>
+        <p:txBody>
+          <a:bodyPr/>
+          <a:lstStyle/>
+          <a:p>
+            <a:r>
+              <a:rPr lang="en-US" dirty="0"/>
+              <a:t>Pass the property value to React component when the React component is created     </a:t>
+            </a:r>
+          </a:p>
+        </p:txBody>
+      </p:sp>
+      <p:sp>
+        <p:nvSpPr>
           <p:cNvPr id="2" name="Title 1"/>
           <p:cNvSpPr>
             <a:spLocks noGrp="1"/>
@@ -19392,46 +18409,9 @@
           <a:lstStyle/>
           <a:p>
             <a:r>
-              <a:rPr lang="en-US" sz="3200" dirty="0"/>
+              <a:rPr lang="en-US" dirty="0"/>
               <a:t>Adding configuration properties to React Client-Side web parts</a:t>
             </a:r>
-          </a:p>
-        </p:txBody>
-      </p:sp>
-      <p:sp>
-        <p:nvSpPr>
-          <p:cNvPr id="3" name="Content Placeholder 2"/>
-          <p:cNvSpPr>
-            <a:spLocks noGrp="1"/>
-          </p:cNvSpPr>
-          <p:nvPr>
-            <p:ph type="body" sz="quarter" idx="10"/>
-          </p:nvPr>
-        </p:nvSpPr>
-        <p:spPr/>
-        <p:txBody>
-          <a:bodyPr/>
-          <a:lstStyle/>
-          <a:p>
-            <a:r>
-              <a:rPr lang="en-US" sz="2800" dirty="0"/>
-              <a:t>Pass the property value to React component when the React component is created</a:t>
-            </a:r>
-            <a:r>
-              <a:rPr lang="en-US" sz="1600" dirty="0">
-                <a:solidFill>
-                  <a:srgbClr val="0000FF"/>
-                </a:solidFill>
-                <a:latin typeface="Consolas" panose="020B0609020204030204" pitchFamily="49" charset="0"/>
-              </a:rPr>
-              <a:t>     </a:t>
-            </a:r>
-            <a:endParaRPr lang="en-US" sz="2000" dirty="0">
-              <a:solidFill>
-                <a:schemeClr val="tx2"/>
-              </a:solidFill>
-              <a:latin typeface="Consolas" panose="020B0609020204030204" pitchFamily="49" charset="0"/>
-            </a:endParaRPr>
           </a:p>
         </p:txBody>
       </p:sp>
@@ -19458,137 +18438,74 @@
           <a:p>
             <a:r>
               <a:rPr lang="en-US" sz="1400" dirty="0">
-                <a:solidFill>
-                  <a:srgbClr val="0000FF"/>
-                </a:solidFill>
                 <a:latin typeface="Consolas" panose="020B0609020204030204" pitchFamily="49" charset="0"/>
               </a:rPr>
-              <a:t>public</a:t>
-            </a:r>
+              <a:t>public render(): void {</a:t>
+            </a:r>
+          </a:p>
+          <a:p>
             <a:r>
               <a:rPr lang="en-US" sz="1400" dirty="0">
-                <a:solidFill>
-                  <a:srgbClr val="000000"/>
-                </a:solidFill>
-                <a:latin typeface="Consolas" panose="020B0609020204030204" pitchFamily="49" charset="0"/>
-              </a:rPr>
-              <a:t> render(): </a:t>
-            </a:r>
-            <a:r>
-              <a:rPr lang="en-US" sz="1400" dirty="0">
-                <a:solidFill>
-                  <a:srgbClr val="0000FF"/>
-                </a:solidFill>
-                <a:latin typeface="Consolas" panose="020B0609020204030204" pitchFamily="49" charset="0"/>
-              </a:rPr>
-              <a:t>void</a:t>
-            </a:r>
-            <a:r>
-              <a:rPr lang="en-US" sz="1400" dirty="0">
-                <a:solidFill>
-                  <a:srgbClr val="000000"/>
-                </a:solidFill>
-                <a:latin typeface="Consolas" panose="020B0609020204030204" pitchFamily="49" charset="0"/>
-              </a:rPr>
-              <a:t> {</a:t>
-            </a:r>
-          </a:p>
-          <a:p>
-            <a:r>
-              <a:rPr lang="en-US" sz="1400" dirty="0">
-                <a:solidFill>
-                  <a:srgbClr val="000000"/>
-                </a:solidFill>
                 <a:latin typeface="Consolas" panose="020B0609020204030204" pitchFamily="49" charset="0"/>
               </a:rPr>
               <a:t>      </a:t>
             </a:r>
             <a:r>
               <a:rPr lang="en-US" sz="1400" dirty="0" err="1">
-                <a:solidFill>
-                  <a:srgbClr val="0000FF"/>
-                </a:solidFill>
                 <a:latin typeface="Consolas" panose="020B0609020204030204" pitchFamily="49" charset="0"/>
               </a:rPr>
               <a:t>const</a:t>
             </a:r>
             <a:r>
               <a:rPr lang="en-US" sz="1400" dirty="0">
-                <a:solidFill>
-                  <a:srgbClr val="000000"/>
-                </a:solidFill>
                 <a:latin typeface="Consolas" panose="020B0609020204030204" pitchFamily="49" charset="0"/>
               </a:rPr>
               <a:t> element: </a:t>
             </a:r>
             <a:r>
               <a:rPr lang="en-US" sz="1400" dirty="0" err="1">
-                <a:solidFill>
-                  <a:srgbClr val="000000"/>
-                </a:solidFill>
                 <a:latin typeface="Consolas" panose="020B0609020204030204" pitchFamily="49" charset="0"/>
               </a:rPr>
               <a:t>React.ReactElement</a:t>
             </a:r>
             <a:r>
               <a:rPr lang="en-US" sz="1400" dirty="0">
-                <a:solidFill>
-                  <a:srgbClr val="000000"/>
-                </a:solidFill>
                 <a:latin typeface="Consolas" panose="020B0609020204030204" pitchFamily="49" charset="0"/>
               </a:rPr>
               <a:t>&lt;</a:t>
             </a:r>
             <a:r>
               <a:rPr lang="en-US" sz="1400" dirty="0" err="1">
-                <a:solidFill>
-                  <a:srgbClr val="000000"/>
-                </a:solidFill>
                 <a:latin typeface="Consolas" panose="020B0609020204030204" pitchFamily="49" charset="0"/>
               </a:rPr>
               <a:t>IHelloWorldWebPartProps</a:t>
             </a:r>
             <a:r>
               <a:rPr lang="en-US" sz="1400" dirty="0">
-                <a:solidFill>
-                  <a:srgbClr val="000000"/>
-                </a:solidFill>
                 <a:latin typeface="Consolas" panose="020B0609020204030204" pitchFamily="49" charset="0"/>
               </a:rPr>
               <a:t>&gt; = </a:t>
             </a:r>
             <a:r>
               <a:rPr lang="en-US" sz="1400" dirty="0" err="1">
-                <a:solidFill>
-                  <a:srgbClr val="000000"/>
-                </a:solidFill>
                 <a:latin typeface="Consolas" panose="020B0609020204030204" pitchFamily="49" charset="0"/>
               </a:rPr>
               <a:t>React.createElement</a:t>
             </a:r>
             <a:r>
               <a:rPr lang="en-US" sz="1400" dirty="0">
-                <a:solidFill>
-                  <a:srgbClr val="000000"/>
-                </a:solidFill>
                 <a:latin typeface="Consolas" panose="020B0609020204030204" pitchFamily="49" charset="0"/>
               </a:rPr>
               <a:t>(</a:t>
             </a:r>
             <a:r>
               <a:rPr lang="en-US" sz="1400" dirty="0" err="1">
-                <a:solidFill>
-                  <a:srgbClr val="000000"/>
-                </a:solidFill>
                 <a:latin typeface="Consolas" panose="020B0609020204030204" pitchFamily="49" charset="0"/>
               </a:rPr>
               <a:t>HelloWorldComponent</a:t>
             </a:r>
             <a:r>
               <a:rPr lang="en-US" sz="1400" dirty="0">
-                <a:solidFill>
-                  <a:srgbClr val="000000"/>
-                </a:solidFill>
                 <a:latin typeface="Consolas" panose="020B0609020204030204" pitchFamily="49" charset="0"/>
               </a:rPr>
               <a:t>, {</a:t>
@@ -19597,44 +18514,23 @@
           <a:p>
             <a:r>
               <a:rPr lang="en-US" sz="1400" dirty="0">
-                <a:solidFill>
-                  <a:srgbClr val="000000"/>
-                </a:solidFill>
                 <a:latin typeface="Consolas" panose="020B0609020204030204" pitchFamily="49" charset="0"/>
               </a:rPr>
               <a:t>          description: </a:t>
             </a:r>
             <a:r>
               <a:rPr lang="en-US" sz="1400" dirty="0" err="1">
-                <a:solidFill>
-                  <a:srgbClr val="0000FF"/>
-                </a:solidFill>
                 <a:latin typeface="Consolas" panose="020B0609020204030204" pitchFamily="49" charset="0"/>
               </a:rPr>
-              <a:t>this</a:t>
-            </a:r>
-            <a:r>
-              <a:rPr lang="en-US" sz="1400" dirty="0" err="1">
-                <a:solidFill>
-                  <a:srgbClr val="000000"/>
-                </a:solidFill>
-                <a:latin typeface="Consolas" panose="020B0609020204030204" pitchFamily="49" charset="0"/>
-              </a:rPr>
-              <a:t>.properties.description</a:t>
+              <a:t>this.properties.description</a:t>
             </a:r>
             <a:endParaRPr lang="en-US" sz="1400" dirty="0">
-              <a:solidFill>
-                <a:srgbClr val="000000"/>
-              </a:solidFill>
               <a:latin typeface="Consolas" panose="020B0609020204030204" pitchFamily="49" charset="0"/>
             </a:endParaRPr>
           </a:p>
           <a:p>
             <a:r>
               <a:rPr lang="en-US" sz="1400" dirty="0">
-                <a:solidFill>
-                  <a:srgbClr val="000000"/>
-                </a:solidFill>
                 <a:latin typeface="Consolas" panose="020B0609020204030204" pitchFamily="49" charset="0"/>
               </a:rPr>
               <a:t>      });</a:t>
@@ -19642,63 +18538,36 @@
           </a:p>
           <a:p>
             <a:endParaRPr lang="en-US" sz="1400" dirty="0">
-              <a:solidFill>
-                <a:srgbClr val="000000"/>
-              </a:solidFill>
               <a:latin typeface="Consolas" panose="020B0609020204030204" pitchFamily="49" charset="0"/>
             </a:endParaRPr>
           </a:p>
           <a:p>
             <a:r>
               <a:rPr lang="en-US" sz="1400" dirty="0">
-                <a:solidFill>
-                  <a:srgbClr val="000000"/>
-                </a:solidFill>
                 <a:latin typeface="Consolas" panose="020B0609020204030204" pitchFamily="49" charset="0"/>
               </a:rPr>
               <a:t>      </a:t>
             </a:r>
             <a:r>
               <a:rPr lang="en-US" sz="1400" dirty="0" err="1">
-                <a:solidFill>
-                  <a:srgbClr val="000000"/>
-                </a:solidFill>
                 <a:latin typeface="Consolas" panose="020B0609020204030204" pitchFamily="49" charset="0"/>
               </a:rPr>
               <a:t>ReactDom.render</a:t>
             </a:r>
             <a:r>
               <a:rPr lang="en-US" sz="1400" dirty="0">
-                <a:solidFill>
-                  <a:srgbClr val="000000"/>
-                </a:solidFill>
                 <a:latin typeface="Consolas" panose="020B0609020204030204" pitchFamily="49" charset="0"/>
               </a:rPr>
               <a:t>(element, </a:t>
             </a:r>
             <a:r>
               <a:rPr lang="en-US" sz="1400" dirty="0" err="1">
-                <a:solidFill>
-                  <a:srgbClr val="0000FF"/>
-                </a:solidFill>
                 <a:latin typeface="Consolas" panose="020B0609020204030204" pitchFamily="49" charset="0"/>
               </a:rPr>
-              <a:t>this</a:t>
-            </a:r>
-            <a:r>
-              <a:rPr lang="en-US" sz="1400" dirty="0" err="1">
-                <a:solidFill>
-                  <a:srgbClr val="000000"/>
-                </a:solidFill>
-                <a:latin typeface="Consolas" panose="020B0609020204030204" pitchFamily="49" charset="0"/>
-              </a:rPr>
-              <a:t>.domElement</a:t>
+              <a:t>this.domElement</a:t>
             </a:r>
             <a:r>
               <a:rPr lang="en-US" sz="1400" dirty="0">
-                <a:solidFill>
-                  <a:srgbClr val="000000"/>
-                </a:solidFill>
                 <a:latin typeface="Consolas" panose="020B0609020204030204" pitchFamily="49" charset="0"/>
               </a:rPr>
               <a:t>);</a:t>
@@ -19707,9 +18576,6 @@
           <a:p>
             <a:r>
               <a:rPr lang="en-US" sz="1400" dirty="0">
-                <a:solidFill>
-                  <a:srgbClr val="000000"/>
-                </a:solidFill>
                 <a:latin typeface="Consolas" panose="020B0609020204030204" pitchFamily="49" charset="0"/>
               </a:rPr>
               <a:t>}</a:t>

--- a/01 intro.pptx
+++ b/01 intro.pptx
@@ -18,9 +18,9 @@
     <p:sldId id="1560" r:id="rId7"/>
     <p:sldId id="1556" r:id="rId8"/>
     <p:sldId id="1552" r:id="rId9"/>
-    <p:sldId id="1564" r:id="rId10"/>
-    <p:sldId id="1565" r:id="rId11"/>
-    <p:sldId id="1566" r:id="rId12"/>
+    <p:sldId id="1572" r:id="rId10"/>
+    <p:sldId id="1573" r:id="rId11"/>
+    <p:sldId id="1574" r:id="rId12"/>
     <p:sldId id="265" r:id="rId13"/>
     <p:sldId id="283" r:id="rId14"/>
     <p:sldId id="279" r:id="rId15"/>
@@ -133,24 +133,20 @@
             <p14:sldId id="263"/>
           </p14:sldIdLst>
         </p14:section>
-        <p14:section name="outro" id="{E93196B6-EFE2-3242-B776-C77C0FCFFEF1}">
+        <p14:section name="body" id="{3D9C80B2-EAAE-E24F-83D7-5970E147313E}">
           <p14:sldIdLst>
             <p14:sldId id="1559"/>
-          </p14:sldIdLst>
-        </p14:section>
-        <p14:section name="implement custom props" id="{34E8F58C-5812-6545-B617-761359EAAED0}">
-          <p14:sldIdLst>
             <p14:sldId id="1554"/>
             <p14:sldId id="1560"/>
             <p14:sldId id="1556"/>
             <p14:sldId id="1552"/>
-            <p14:sldId id="1564"/>
-            <p14:sldId id="1565"/>
-            <p14:sldId id="1566"/>
+            <p14:sldId id="1572"/>
+            <p14:sldId id="1573"/>
+            <p14:sldId id="1574"/>
             <p14:sldId id="265"/>
           </p14:sldIdLst>
         </p14:section>
-        <p14:section name="closing" id="{0EC9757E-F94D-C546-A5E4-126C6ED1F0FA}">
+        <p14:section name="outro" id="{E93196B6-EFE2-3242-B776-C77C0FCFFEF1}">
           <p14:sldIdLst>
             <p14:sldId id="283"/>
             <p14:sldId id="279"/>
@@ -236,9 +232,12 @@
             </a:lvl1pPr>
           </a:lstStyle>
           <a:p>
-            <a:endParaRPr lang="en-US" dirty="0">
-              <a:latin typeface="Segoe UI" pitchFamily="34" charset="0"/>
-            </a:endParaRPr>
+            <a:r>
+              <a:rPr lang="en-US" dirty="0">
+                <a:latin typeface="Segoe UI" pitchFamily="34" charset="0"/>
+              </a:rPr>
+              <a:t>SharePoint Framework</a:t>
+            </a:r>
           </a:p>
         </p:txBody>
       </p:sp>
@@ -273,7 +272,7 @@
               <a:rPr lang="en-US" smtClean="0">
                 <a:latin typeface="Segoe UI" pitchFamily="34" charset="0"/>
               </a:rPr>
-              <a:t>12/20/18 12:59 PM</a:t>
+              <a:t>12/20/2018 9:14 PM</a:t>
             </a:fld>
             <a:endParaRPr lang="en-US" dirty="0">
               <a:latin typeface="Segoe UI" pitchFamily="34" charset="0"/>
@@ -433,7 +432,10 @@
             </a:lvl1pPr>
           </a:lstStyle>
           <a:p>
-            <a:endParaRPr lang="en-US" dirty="0"/>
+            <a:r>
+              <a:rPr lang="en-US" dirty="0"/>
+              <a:t>SharePoint Framework</a:t>
+            </a:r>
           </a:p>
         </p:txBody>
       </p:sp>
@@ -567,7 +569,7 @@
           <a:p>
             <a:fld id="{D18B56EA-E28F-4F92-9F16-7A6F2501B303}" type="datetime8">
               <a:rPr lang="en-US" smtClean="0"/>
-              <a:t>12/20/18 12:59 PM</a:t>
+              <a:t>12/20/2018 9:14 PM</a:t>
             </a:fld>
             <a:endParaRPr lang="en-US" dirty="0"/>
           </a:p>
@@ -950,7 +952,7 @@
           <a:p>
             <a:fld id="{D18B56EA-E28F-4F92-9F16-7A6F2501B303}" type="datetime8">
               <a:rPr lang="en-US" smtClean="0"/>
-              <a:t>12/20/18 12:59 PM</a:t>
+              <a:t>12/20/2018 9:14 PM</a:t>
             </a:fld>
             <a:endParaRPr lang="en-US" dirty="0"/>
           </a:p>
@@ -1131,7 +1133,7 @@
           <a:p>
             <a:fld id="{D18B56EA-E28F-4F92-9F16-7A6F2501B303}" type="datetime8">
               <a:rPr lang="en-US" smtClean="0"/>
-              <a:t>12/20/18 12:59 PM</a:t>
+              <a:t>12/20/2018 9:14 PM</a:t>
             </a:fld>
             <a:endParaRPr lang="en-US" dirty="0"/>
           </a:p>
@@ -1789,7 +1791,7 @@
           <a:p>
             <a:fld id="{D18B56EA-E28F-4F92-9F16-7A6F2501B303}" type="datetime8">
               <a:rPr lang="en-US" smtClean="0"/>
-              <a:t>12/20/18 12:59 PM</a:t>
+              <a:t>12/20/2018 9:15 PM</a:t>
             </a:fld>
             <a:endParaRPr lang="en-US" dirty="0"/>
           </a:p>
@@ -1970,7 +1972,7 @@
           <a:p>
             <a:fld id="{D18B56EA-E28F-4F92-9F16-7A6F2501B303}" type="datetime8">
               <a:rPr lang="en-US" smtClean="0"/>
-              <a:t>12/20/18 12:59 PM</a:t>
+              <a:t>12/20/2018 9:15 PM</a:t>
             </a:fld>
             <a:endParaRPr lang="en-US" dirty="0"/>
           </a:p>
@@ -2151,7 +2153,7 @@
           <a:p>
             <a:fld id="{D18B56EA-E28F-4F92-9F16-7A6F2501B303}" type="datetime8">
               <a:rPr lang="en-US" smtClean="0"/>
-              <a:t>12/20/18 12:59 PM</a:t>
+              <a:t>12/20/2018 9:15 PM</a:t>
             </a:fld>
             <a:endParaRPr lang="en-US" dirty="0"/>
           </a:p>
@@ -2332,7 +2334,7 @@
           <a:p>
             <a:fld id="{D18B56EA-E28F-4F92-9F16-7A6F2501B303}" type="datetime8">
               <a:rPr lang="en-US" smtClean="0"/>
-              <a:t>12/20/18 12:59 PM</a:t>
+              <a:t>12/20/2018 9:15 PM</a:t>
             </a:fld>
             <a:endParaRPr lang="en-US" dirty="0"/>
           </a:p>
@@ -6611,7 +6613,7 @@
           <a:lstStyle/>
           <a:p>
             <a:r>
-              <a:rPr lang="en-US"/>
+              <a:rPr lang="en-US" dirty="0"/>
               <a:t>Click icon to add table</a:t>
             </a:r>
           </a:p>
@@ -7032,318 +7034,8 @@
 </file>
 
 <file path=ppt/slideLayouts/slideLayout26.xml><?xml version="1.0" encoding="utf-8"?>
-<p:sldLayout xmlns:a="http://schemas.openxmlformats.org/drawingml/2006/main" xmlns:r="http://schemas.openxmlformats.org/officeDocument/2006/relationships" xmlns:p="http://schemas.openxmlformats.org/presentationml/2006/main" preserve="1" userDrawn="1">
-  <p:cSld name="1_Developer Code Layout">
-    <p:spTree>
-      <p:nvGrpSpPr>
-        <p:cNvPr id="1" name=""/>
-        <p:cNvGrpSpPr/>
-        <p:nvPr/>
-      </p:nvGrpSpPr>
-      <p:grpSpPr>
-        <a:xfrm>
-          <a:off x="0" y="0"/>
-          <a:ext cx="0" cy="0"/>
-          <a:chOff x="0" y="0"/>
-          <a:chExt cx="0" cy="0"/>
-        </a:xfrm>
-      </p:grpSpPr>
-      <p:sp>
-        <p:nvSpPr>
-          <p:cNvPr id="2" name="Title 1"/>
-          <p:cNvSpPr>
-            <a:spLocks noGrp="1"/>
-          </p:cNvSpPr>
-          <p:nvPr>
-            <p:ph type="title" hasCustomPrompt="1"/>
-          </p:nvPr>
-        </p:nvSpPr>
-        <p:spPr>
-          <a:xfrm>
-            <a:off x="464400" y="633600"/>
-            <a:ext cx="11575200" cy="410369"/>
-          </a:xfrm>
-        </p:spPr>
-        <p:txBody>
-          <a:bodyPr vert="horz" wrap="square" lIns="0" tIns="0" rIns="0" bIns="0" rtlCol="0" anchor="t">
-            <a:spAutoFit/>
-          </a:bodyPr>
-          <a:lstStyle>
-            <a:lvl1pPr>
-              <a:defRPr lang="en-US" sz="2800" dirty="0">
-                <a:solidFill>
-                  <a:srgbClr val="2F2F2F"/>
-                </a:solidFill>
-              </a:defRPr>
-            </a:lvl1pPr>
-          </a:lstStyle>
-          <a:p>
-            <a:pPr lvl="0">
-              <a:lnSpc>
-                <a:spcPts val="3200"/>
-              </a:lnSpc>
-            </a:pPr>
-            <a:r>
-              <a:rPr lang="en-US" dirty="0"/>
-              <a:t>Slide for Developer Code</a:t>
-            </a:r>
-          </a:p>
-        </p:txBody>
-      </p:sp>
-      <p:sp>
-        <p:nvSpPr>
-          <p:cNvPr id="3" name="Rectangle 2"/>
-          <p:cNvSpPr/>
-          <p:nvPr userDrawn="1"/>
-        </p:nvSpPr>
-        <p:spPr bwMode="hidden">
-          <a:xfrm>
-            <a:off x="1" y="1178952"/>
-            <a:ext cx="12436475" cy="5815573"/>
-          </a:xfrm>
-          <a:prstGeom prst="rect">
-            <a:avLst/>
-          </a:prstGeom>
-          <a:solidFill>
-            <a:srgbClr val="FFFFFF"/>
-          </a:solidFill>
-          <a:ln>
-            <a:noFill/>
-            <a:headEnd type="none" w="med" len="med"/>
-            <a:tailEnd type="none" w="med" len="med"/>
-          </a:ln>
-          <a:effectLst/>
-        </p:spPr>
-        <p:style>
-          <a:lnRef idx="1">
-            <a:schemeClr val="accent2"/>
-          </a:lnRef>
-          <a:fillRef idx="3">
-            <a:schemeClr val="accent2"/>
-          </a:fillRef>
-          <a:effectRef idx="2">
-            <a:schemeClr val="accent2"/>
-          </a:effectRef>
-          <a:fontRef idx="minor">
-            <a:schemeClr val="lt1"/>
-          </a:fontRef>
-        </p:style>
-        <p:txBody>
-          <a:bodyPr rot="0" spcFirstLastPara="0" vertOverflow="overflow" horzOverflow="overflow" vert="horz" wrap="square" lIns="46630" tIns="46630" rIns="46630" bIns="46630" numCol="1" spcCol="0" rtlCol="0" fromWordArt="0" anchor="ctr" anchorCtr="0" forceAA="0" compatLnSpc="1">
-            <a:prstTxWarp prst="textNoShape">
-              <a:avLst/>
-            </a:prstTxWarp>
-            <a:noAutofit/>
-          </a:bodyPr>
-          <a:lstStyle/>
-          <a:p>
-            <a:pPr algn="ctr" defTabSz="932290" fontAlgn="base">
-              <a:spcBef>
-                <a:spcPct val="0"/>
-              </a:spcBef>
-              <a:spcAft>
-                <a:spcPct val="0"/>
-              </a:spcAft>
-            </a:pPr>
-            <a:endParaRPr lang="en-US" sz="1836" dirty="0" err="1">
-              <a:gradFill>
-                <a:gsLst>
-                  <a:gs pos="0">
-                    <a:srgbClr val="FFFFFF"/>
-                  </a:gs>
-                  <a:gs pos="100000">
-                    <a:srgbClr val="FFFFFF"/>
-                  </a:gs>
-                </a:gsLst>
-                <a:lin ang="5400000" scaled="0"/>
-              </a:gradFill>
-              <a:ea typeface="Segoe UI" pitchFamily="34" charset="0"/>
-              <a:cs typeface="Segoe UI" pitchFamily="34" charset="0"/>
-            </a:endParaRPr>
-          </a:p>
-        </p:txBody>
-      </p:sp>
-      <p:sp>
-        <p:nvSpPr>
-          <p:cNvPr id="5" name="Text Placeholder 4"/>
-          <p:cNvSpPr>
-            <a:spLocks noGrp="1"/>
-          </p:cNvSpPr>
-          <p:nvPr>
-            <p:ph type="body" sz="quarter" idx="10"/>
-          </p:nvPr>
-        </p:nvSpPr>
-        <p:spPr>
-          <a:xfrm>
-            <a:off x="464400" y="1178952"/>
-            <a:ext cx="11575200" cy="2658444"/>
-          </a:xfrm>
-        </p:spPr>
-        <p:txBody>
-          <a:bodyPr/>
-          <a:lstStyle>
-            <a:lvl1pPr marL="0" indent="0">
-              <a:lnSpc>
-                <a:spcPct val="95000"/>
-              </a:lnSpc>
-              <a:buNone/>
-              <a:defRPr sz="3264">
-                <a:gradFill>
-                  <a:gsLst>
-                    <a:gs pos="1250">
-                      <a:srgbClr val="000000"/>
-                    </a:gs>
-                    <a:gs pos="100000">
-                      <a:srgbClr val="000000"/>
-                    </a:gs>
-                  </a:gsLst>
-                  <a:lin ang="5400000" scaled="0"/>
-                </a:gradFill>
-                <a:latin typeface="Consolas" pitchFamily="49" charset="0"/>
-                <a:cs typeface="Consolas" pitchFamily="49" charset="0"/>
-              </a:defRPr>
-            </a:lvl1pPr>
-            <a:lvl2pPr marL="346486" indent="0">
-              <a:lnSpc>
-                <a:spcPct val="95000"/>
-              </a:lnSpc>
-              <a:buNone/>
-              <a:defRPr>
-                <a:gradFill>
-                  <a:gsLst>
-                    <a:gs pos="1250">
-                      <a:srgbClr val="000000"/>
-                    </a:gs>
-                    <a:gs pos="100000">
-                      <a:srgbClr val="000000"/>
-                    </a:gs>
-                  </a:gsLst>
-                  <a:lin ang="5400000" scaled="0"/>
-                </a:gradFill>
-                <a:latin typeface="Consolas" pitchFamily="49" charset="0"/>
-                <a:cs typeface="Consolas" pitchFamily="49" charset="0"/>
-              </a:defRPr>
-            </a:lvl2pPr>
-            <a:lvl3pPr marL="584492" indent="0">
-              <a:lnSpc>
-                <a:spcPct val="95000"/>
-              </a:lnSpc>
-              <a:buNone/>
-              <a:defRPr>
-                <a:gradFill>
-                  <a:gsLst>
-                    <a:gs pos="1250">
-                      <a:srgbClr val="000000"/>
-                    </a:gs>
-                    <a:gs pos="100000">
-                      <a:srgbClr val="000000"/>
-                    </a:gs>
-                  </a:gsLst>
-                  <a:lin ang="5400000" scaled="0"/>
-                </a:gradFill>
-                <a:latin typeface="Consolas" pitchFamily="49" charset="0"/>
-                <a:cs typeface="Consolas" pitchFamily="49" charset="0"/>
-              </a:defRPr>
-            </a:lvl3pPr>
-            <a:lvl4pPr marL="814403" indent="0">
-              <a:lnSpc>
-                <a:spcPct val="95000"/>
-              </a:lnSpc>
-              <a:buNone/>
-              <a:defRPr>
-                <a:gradFill>
-                  <a:gsLst>
-                    <a:gs pos="1250">
-                      <a:srgbClr val="000000"/>
-                    </a:gs>
-                    <a:gs pos="100000">
-                      <a:srgbClr val="000000"/>
-                    </a:gs>
-                  </a:gsLst>
-                  <a:lin ang="5400000" scaled="0"/>
-                </a:gradFill>
-                <a:latin typeface="Consolas" pitchFamily="49" charset="0"/>
-                <a:cs typeface="Consolas" pitchFamily="49" charset="0"/>
-              </a:defRPr>
-            </a:lvl4pPr>
-            <a:lvl5pPr marL="1050791" indent="0">
-              <a:lnSpc>
-                <a:spcPct val="95000"/>
-              </a:lnSpc>
-              <a:buNone/>
-              <a:defRPr>
-                <a:gradFill>
-                  <a:gsLst>
-                    <a:gs pos="1250">
-                      <a:srgbClr val="000000"/>
-                    </a:gs>
-                    <a:gs pos="100000">
-                      <a:srgbClr val="000000"/>
-                    </a:gs>
-                  </a:gsLst>
-                  <a:lin ang="5400000" scaled="0"/>
-                </a:gradFill>
-                <a:latin typeface="Consolas" pitchFamily="49" charset="0"/>
-                <a:cs typeface="Consolas" pitchFamily="49" charset="0"/>
-              </a:defRPr>
-            </a:lvl5pPr>
-          </a:lstStyle>
-          <a:p>
-            <a:pPr lvl="0"/>
-            <a:r>
-              <a:rPr lang="en-US" dirty="0"/>
-              <a:t>Click to edit Master text styles</a:t>
-            </a:r>
-          </a:p>
-          <a:p>
-            <a:pPr lvl="1"/>
-            <a:r>
-              <a:rPr lang="en-US" dirty="0"/>
-              <a:t>Second level</a:t>
-            </a:r>
-          </a:p>
-          <a:p>
-            <a:pPr lvl="2"/>
-            <a:r>
-              <a:rPr lang="en-US" dirty="0"/>
-              <a:t>Third level</a:t>
-            </a:r>
-          </a:p>
-          <a:p>
-            <a:pPr lvl="3"/>
-            <a:r>
-              <a:rPr lang="en-US" dirty="0"/>
-              <a:t>Fourth level</a:t>
-            </a:r>
-          </a:p>
-          <a:p>
-            <a:pPr lvl="4"/>
-            <a:r>
-              <a:rPr lang="en-US" dirty="0"/>
-              <a:t>Fifth level</a:t>
-            </a:r>
-          </a:p>
-        </p:txBody>
-      </p:sp>
-    </p:spTree>
-    <p:extLst>
-      <p:ext uri="{BB962C8B-B14F-4D97-AF65-F5344CB8AC3E}">
-        <p14:creationId xmlns:p14="http://schemas.microsoft.com/office/powerpoint/2010/main" val="2642709708"/>
-      </p:ext>
-    </p:extLst>
-  </p:cSld>
-  <p:clrMapOvr>
-    <a:masterClrMapping/>
-  </p:clrMapOvr>
-  <p:transition>
-    <p:fade/>
-  </p:transition>
-</p:sldLayout>
-</file>
-
-<file path=ppt/slideLayouts/slideLayout27.xml><?xml version="1.0" encoding="utf-8"?>
-<p:sldLayout xmlns:a="http://schemas.openxmlformats.org/drawingml/2006/main" xmlns:r="http://schemas.openxmlformats.org/officeDocument/2006/relationships" xmlns:p="http://schemas.openxmlformats.org/presentationml/2006/main" preserve="1" userDrawn="1">
-  <p:cSld name="1_Title &amp; 2-color Non-bulleted text">
+<p:sldLayout xmlns:a="http://schemas.openxmlformats.org/drawingml/2006/main" xmlns:r="http://schemas.openxmlformats.org/officeDocument/2006/relationships" xmlns:p="http://schemas.openxmlformats.org/presentationml/2006/main" userDrawn="1">
+  <p:cSld name="Title &amp; 2-color Non-bulleted text">
     <p:spTree>
       <p:nvGrpSpPr>
         <p:cNvPr id="1" name=""/>
@@ -7485,7 +7177,7 @@
     </p:spTree>
     <p:extLst>
       <p:ext uri="{BB962C8B-B14F-4D97-AF65-F5344CB8AC3E}">
-        <p14:creationId xmlns:p14="http://schemas.microsoft.com/office/powerpoint/2010/main" val="40826002"/>
+        <p14:creationId xmlns:p14="http://schemas.microsoft.com/office/powerpoint/2010/main" val="3845859015"/>
       </p:ext>
     </p:extLst>
   </p:cSld>
@@ -7498,9 +7190,9 @@
 </p:sldLayout>
 </file>
 
-<file path=ppt/slideLayouts/slideLayout28.xml><?xml version="1.0" encoding="utf-8"?>
-<p:sldLayout xmlns:a="http://schemas.openxmlformats.org/drawingml/2006/main" xmlns:r="http://schemas.openxmlformats.org/officeDocument/2006/relationships" xmlns:p="http://schemas.openxmlformats.org/presentationml/2006/main" preserve="1" userDrawn="1">
-  <p:cSld name="1_Title and Content">
+<file path=ppt/slideLayouts/slideLayout27.xml><?xml version="1.0" encoding="utf-8"?>
+<p:sldLayout xmlns:a="http://schemas.openxmlformats.org/drawingml/2006/main" xmlns:r="http://schemas.openxmlformats.org/officeDocument/2006/relationships" xmlns:p="http://schemas.openxmlformats.org/presentationml/2006/main" userDrawn="1">
+  <p:cSld name="Title and Content">
     <p:spTree>
       <p:nvGrpSpPr>
         <p:cNvPr id="1" name=""/>
@@ -7634,7 +7326,7 @@
     </p:spTree>
     <p:extLst>
       <p:ext uri="{BB962C8B-B14F-4D97-AF65-F5344CB8AC3E}">
-        <p14:creationId xmlns:p14="http://schemas.microsoft.com/office/powerpoint/2010/main" val="377077933"/>
+        <p14:creationId xmlns:p14="http://schemas.microsoft.com/office/powerpoint/2010/main" val="2439250095"/>
       </p:ext>
     </p:extLst>
   </p:cSld>
@@ -14488,7 +14180,7 @@
           <p:nvPr userDrawn="1"/>
         </p:nvPicPr>
         <p:blipFill>
-          <a:blip r:embed="rId30" cstate="screen">
+          <a:blip r:embed="rId29" cstate="screen">
             <a:extLst>
               <a:ext uri="{28A0092B-C50C-407E-A947-70E740481C1C}">
                 <a14:useLocalDpi xmlns:a14="http://schemas.microsoft.com/office/drawing/2010/main"/>
@@ -14543,9 +14235,8 @@
     <p:sldLayoutId id="2147484545" r:id="rId23"/>
     <p:sldLayoutId id="2147484546" r:id="rId24"/>
     <p:sldLayoutId id="2147484299" r:id="rId25"/>
-    <p:sldLayoutId id="2147484559" r:id="rId26"/>
-    <p:sldLayoutId id="2147484560" r:id="rId27"/>
-    <p:sldLayoutId id="2147484561" r:id="rId28"/>
+    <p:sldLayoutId id="2147484556" r:id="rId26"/>
+    <p:sldLayoutId id="2147484559" r:id="rId27"/>
   </p:sldLayoutIdLst>
   <p:transition>
     <p:fade/>
@@ -16441,7 +16132,7 @@
     </p:spTree>
     <p:extLst>
       <p:ext uri="{BB962C8B-B14F-4D97-AF65-F5344CB8AC3E}">
-        <p14:creationId xmlns:p14="http://schemas.microsoft.com/office/powerpoint/2010/main" val="1745997778"/>
+        <p14:creationId xmlns:p14="http://schemas.microsoft.com/office/powerpoint/2010/main" val="4171420203"/>
       </p:ext>
     </p:extLst>
   </p:cSld>
@@ -17150,31 +16841,6 @@
           <a:chExt cx="0" cy="0"/>
         </a:xfrm>
       </p:grpSpPr>
-      <p:sp>
-        <p:nvSpPr>
-          <p:cNvPr id="3" name="Text Placeholder 2">
-            <a:extLst>
-              <a:ext uri="{FF2B5EF4-FFF2-40B4-BE49-F238E27FC236}">
-                <a16:creationId xmlns:a16="http://schemas.microsoft.com/office/drawing/2014/main" id="{11706910-79A6-6B41-A670-625DABDDF796}"/>
-              </a:ext>
-            </a:extLst>
-          </p:cNvPr>
-          <p:cNvSpPr>
-            <a:spLocks noGrp="1"/>
-          </p:cNvSpPr>
-          <p:nvPr>
-            <p:ph type="body" sz="quarter" idx="10"/>
-          </p:nvPr>
-        </p:nvSpPr>
-        <p:spPr/>
-        <p:txBody>
-          <a:bodyPr/>
-          <a:lstStyle/>
-          <a:p>
-            <a:endParaRPr lang="en-US"/>
-          </a:p>
-        </p:txBody>
-      </p:sp>
       <p:sp>
         <p:nvSpPr>
           <p:cNvPr id="2" name="Title 1"/>

--- a/01 intro.pptx
+++ b/01 intro.pptx
@@ -272,7 +272,7 @@
               <a:rPr lang="en-US" smtClean="0">
                 <a:latin typeface="Segoe UI" pitchFamily="34" charset="0"/>
               </a:rPr>
-              <a:t>12/20/2018 9:14 PM</a:t>
+              <a:t>1/7/19 3:47 PM</a:t>
             </a:fld>
             <a:endParaRPr lang="en-US" dirty="0">
               <a:latin typeface="Segoe UI" pitchFamily="34" charset="0"/>
@@ -569,7 +569,7 @@
           <a:p>
             <a:fld id="{D18B56EA-E28F-4F92-9F16-7A6F2501B303}" type="datetime8">
               <a:rPr lang="en-US" smtClean="0"/>
-              <a:t>12/20/2018 9:14 PM</a:t>
+              <a:t>1/7/19 3:47 PM</a:t>
             </a:fld>
             <a:endParaRPr lang="en-US" dirty="0"/>
           </a:p>
@@ -952,7 +952,7 @@
           <a:p>
             <a:fld id="{D18B56EA-E28F-4F92-9F16-7A6F2501B303}" type="datetime8">
               <a:rPr lang="en-US" smtClean="0"/>
-              <a:t>12/20/2018 9:14 PM</a:t>
+              <a:t>1/7/19 3:47 PM</a:t>
             </a:fld>
             <a:endParaRPr lang="en-US" dirty="0"/>
           </a:p>
@@ -1133,7 +1133,7 @@
           <a:p>
             <a:fld id="{D18B56EA-E28F-4F92-9F16-7A6F2501B303}" type="datetime8">
               <a:rPr lang="en-US" smtClean="0"/>
-              <a:t>12/20/2018 9:14 PM</a:t>
+              <a:t>1/7/19 3:47 PM</a:t>
             </a:fld>
             <a:endParaRPr lang="en-US" dirty="0"/>
           </a:p>
@@ -1791,7 +1791,7 @@
           <a:p>
             <a:fld id="{D18B56EA-E28F-4F92-9F16-7A6F2501B303}" type="datetime8">
               <a:rPr lang="en-US" smtClean="0"/>
-              <a:t>12/20/2018 9:15 PM</a:t>
+              <a:t>1/7/19 3:47 PM</a:t>
             </a:fld>
             <a:endParaRPr lang="en-US" dirty="0"/>
           </a:p>
@@ -1972,7 +1972,7 @@
           <a:p>
             <a:fld id="{D18B56EA-E28F-4F92-9F16-7A6F2501B303}" type="datetime8">
               <a:rPr lang="en-US" smtClean="0"/>
-              <a:t>12/20/2018 9:15 PM</a:t>
+              <a:t>1/7/19 3:47 PM</a:t>
             </a:fld>
             <a:endParaRPr lang="en-US" dirty="0"/>
           </a:p>
@@ -2153,7 +2153,7 @@
           <a:p>
             <a:fld id="{D18B56EA-E28F-4F92-9F16-7A6F2501B303}" type="datetime8">
               <a:rPr lang="en-US" smtClean="0"/>
-              <a:t>12/20/2018 9:15 PM</a:t>
+              <a:t>1/7/19 3:47 PM</a:t>
             </a:fld>
             <a:endParaRPr lang="en-US" dirty="0"/>
           </a:p>
@@ -2334,7 +2334,7 @@
           <a:p>
             <a:fld id="{D18B56EA-E28F-4F92-9F16-7A6F2501B303}" type="datetime8">
               <a:rPr lang="en-US" smtClean="0"/>
-              <a:t>12/20/2018 9:15 PM</a:t>
+              <a:t>1/7/19 3:47 PM</a:t>
             </a:fld>
             <a:endParaRPr lang="en-US" dirty="0"/>
           </a:p>
@@ -16447,7 +16447,14 @@
             </a:pPr>
             <a:r>
               <a:rPr lang="en-US" sz="2000" dirty="0"/>
-              <a:t>Overview of Web Part property pane</a:t>
+              <a:t>Overview of Web Part</a:t>
+            </a:r>
+            <a:br>
+              <a:rPr lang="en-US" sz="2000" dirty="0"/>
+            </a:br>
+            <a:r>
+              <a:rPr lang="en-US" sz="2000" dirty="0"/>
+              <a:t>property pane</a:t>
             </a:r>
           </a:p>
           <a:p>
@@ -17266,7 +17273,7 @@
         <p:spPr>
           <a:xfrm>
             <a:off x="464400" y="1212850"/>
-            <a:ext cx="11574000" cy="3065455"/>
+            <a:ext cx="11574000" cy="4292072"/>
           </a:xfrm>
         </p:spPr>
         <p:txBody>
@@ -17286,6 +17293,9 @@
             </a:r>
           </a:p>
           <a:p>
+            <a:endParaRPr lang="en-US" dirty="0"/>
+          </a:p>
+          <a:p>
             <a:r>
               <a:rPr lang="en-US" dirty="0"/>
               <a:t>Import the corresponding field types in the </a:t>
@@ -17297,6 +17307,9 @@
               <a:rPr lang="en-US" dirty="0"/>
               <a:t>web part class</a:t>
             </a:r>
+          </a:p>
+          <a:p>
+            <a:endParaRPr lang="en-US" dirty="0"/>
           </a:p>
           <a:p>
             <a:r>
@@ -17356,6 +17369,9 @@
               <a:rPr lang="en-US" dirty="0"/>
               <a:t> library</a:t>
             </a:r>
+          </a:p>
+          <a:p>
+            <a:endParaRPr lang="en-US" dirty="0"/>
           </a:p>
           <a:p>
             <a:r>
@@ -17577,7 +17593,12 @@
             <p:ph type="body" sz="quarter" idx="10"/>
           </p:nvPr>
         </p:nvSpPr>
-        <p:spPr/>
+        <p:spPr>
+          <a:xfrm>
+            <a:off x="464400" y="1212850"/>
+            <a:ext cx="11574000" cy="1263551"/>
+          </a:xfrm>
+        </p:spPr>
         <p:txBody>
           <a:bodyPr/>
           <a:lstStyle/>
@@ -17593,7 +17614,10 @@
               <a:t>Override the default behavior by adding the  </a:t>
             </a:r>
             <a:r>
-              <a:rPr lang="en-US" dirty="0" err="1"/>
+              <a:rPr lang="en-US" dirty="0" err="1">
+                <a:latin typeface="Courier New" panose="02070309020205020404" pitchFamily="49" charset="0"/>
+                <a:cs typeface="Courier New" panose="02070309020205020404" pitchFamily="49" charset="0"/>
+              </a:rPr>
               <a:t>disableReactivePropertyChanges</a:t>
             </a:r>
             <a:r>
@@ -17693,7 +17717,12 @@
             <p:ph type="body" sz="quarter" idx="10"/>
           </p:nvPr>
         </p:nvSpPr>
-        <p:spPr/>
+        <p:spPr>
+          <a:xfrm>
+            <a:off x="464400" y="1212850"/>
+            <a:ext cx="11574000" cy="849463"/>
+          </a:xfrm>
+        </p:spPr>
         <p:txBody>
           <a:bodyPr/>
           <a:lstStyle/>
@@ -17703,7 +17732,10 @@
               <a:t>Modify the </a:t>
             </a:r>
             <a:r>
-              <a:rPr lang="en-US" dirty="0" err="1"/>
+              <a:rPr lang="en-US" dirty="0" err="1">
+                <a:latin typeface="Courier New" panose="02070309020205020404" pitchFamily="49" charset="0"/>
+                <a:cs typeface="Courier New" panose="02070309020205020404" pitchFamily="49" charset="0"/>
+              </a:rPr>
               <a:t>propertyPaneSettings</a:t>
             </a:r>
             <a:r>
@@ -17711,7 +17743,10 @@
               <a:t> method and add the property to the </a:t>
             </a:r>
             <a:r>
-              <a:rPr lang="en-US" dirty="0" err="1"/>
+              <a:rPr lang="en-US" dirty="0" err="1">
+                <a:latin typeface="Courier New" panose="02070309020205020404" pitchFamily="49" charset="0"/>
+                <a:cs typeface="Courier New" panose="02070309020205020404" pitchFamily="49" charset="0"/>
+              </a:rPr>
               <a:t>groupFields</a:t>
             </a:r>
             <a:r>

--- a/01 intro.pptx
+++ b/01 intro.pptx
@@ -272,7 +272,7 @@
               <a:rPr lang="en-US" smtClean="0">
                 <a:latin typeface="Segoe UI" pitchFamily="34" charset="0"/>
               </a:rPr>
-              <a:t>1/7/19 3:47 PM</a:t>
+              <a:t>3/2/2019 4:47 PM</a:t>
             </a:fld>
             <a:endParaRPr lang="en-US" dirty="0">
               <a:latin typeface="Segoe UI" pitchFamily="34" charset="0"/>
@@ -569,7 +569,7 @@
           <a:p>
             <a:fld id="{D18B56EA-E28F-4F92-9F16-7A6F2501B303}" type="datetime8">
               <a:rPr lang="en-US" smtClean="0"/>
-              <a:t>1/7/19 3:47 PM</a:t>
+              <a:t>3/2/2019 4:47 PM</a:t>
             </a:fld>
             <a:endParaRPr lang="en-US" dirty="0"/>
           </a:p>
@@ -952,7 +952,7 @@
           <a:p>
             <a:fld id="{D18B56EA-E28F-4F92-9F16-7A6F2501B303}" type="datetime8">
               <a:rPr lang="en-US" smtClean="0"/>
-              <a:t>1/7/19 3:47 PM</a:t>
+              <a:t>3/2/2019 4:47 PM</a:t>
             </a:fld>
             <a:endParaRPr lang="en-US" dirty="0"/>
           </a:p>
@@ -1133,7 +1133,7 @@
           <a:p>
             <a:fld id="{D18B56EA-E28F-4F92-9F16-7A6F2501B303}" type="datetime8">
               <a:rPr lang="en-US" smtClean="0"/>
-              <a:t>1/7/19 3:47 PM</a:t>
+              <a:t>3/2/2019 4:47 PM</a:t>
             </a:fld>
             <a:endParaRPr lang="en-US" dirty="0"/>
           </a:p>
@@ -1791,7 +1791,7 @@
           <a:p>
             <a:fld id="{D18B56EA-E28F-4F92-9F16-7A6F2501B303}" type="datetime8">
               <a:rPr lang="en-US" smtClean="0"/>
-              <a:t>1/7/19 3:47 PM</a:t>
+              <a:t>3/2/2019 4:47 PM</a:t>
             </a:fld>
             <a:endParaRPr lang="en-US" dirty="0"/>
           </a:p>
@@ -1972,7 +1972,7 @@
           <a:p>
             <a:fld id="{D18B56EA-E28F-4F92-9F16-7A6F2501B303}" type="datetime8">
               <a:rPr lang="en-US" smtClean="0"/>
-              <a:t>1/7/19 3:47 PM</a:t>
+              <a:t>3/2/2019 4:47 PM</a:t>
             </a:fld>
             <a:endParaRPr lang="en-US" dirty="0"/>
           </a:p>
@@ -2153,7 +2153,7 @@
           <a:p>
             <a:fld id="{D18B56EA-E28F-4F92-9F16-7A6F2501B303}" type="datetime8">
               <a:rPr lang="en-US" smtClean="0"/>
-              <a:t>1/7/19 3:47 PM</a:t>
+              <a:t>3/2/2019 4:47 PM</a:t>
             </a:fld>
             <a:endParaRPr lang="en-US" dirty="0"/>
           </a:p>
@@ -2334,7 +2334,7 @@
           <a:p>
             <a:fld id="{D18B56EA-E28F-4F92-9F16-7A6F2501B303}" type="datetime8">
               <a:rPr lang="en-US" smtClean="0"/>
-              <a:t>1/7/19 3:47 PM</a:t>
+              <a:t>3/2/2019 4:47 PM</a:t>
             </a:fld>
             <a:endParaRPr lang="en-US" dirty="0"/>
           </a:p>
@@ -15979,7 +15979,7 @@
               <a:rPr lang="en-US" sz="1800" dirty="0">
                 <a:latin typeface="+mj-lt"/>
               </a:rPr>
-              <a:t>SharePoint Framework</a:t>
+              <a:t>Overview of the SharePoint Framework</a:t>
             </a:r>
           </a:p>
           <a:p>
@@ -15998,7 +15998,7 @@
                 <a:latin typeface="+mj-lt"/>
                 <a:hlinkClick r:id="rId3"/>
               </a:rPr>
-              <a:t>https://docs.microsoft.com/sharepoint/dev/spfx</a:t>
+              <a:t>https://docs.microsoft.com/sharepoint/dev/spfx/sharepoint-framework-overview</a:t>
             </a:r>
             <a:endParaRPr lang="en-US" sz="1800" dirty="0">
               <a:latin typeface="+mj-lt"/>
@@ -16528,7 +16528,12 @@
             <p:ph type="body" sz="quarter" idx="10"/>
           </p:nvPr>
         </p:nvSpPr>
-        <p:spPr/>
+        <p:spPr>
+          <a:xfrm>
+            <a:off x="464400" y="1212850"/>
+            <a:ext cx="8731115" cy="4853099"/>
+          </a:xfrm>
+        </p:spPr>
         <p:txBody>
           <a:bodyPr/>
           <a:lstStyle/>

--- a/01 intro.pptx
+++ b/01 intro.pptx
@@ -272,7 +272,7 @@
               <a:rPr lang="en-US" smtClean="0">
                 <a:latin typeface="Segoe UI" pitchFamily="34" charset="0"/>
               </a:rPr>
-              <a:t>3/2/2019 4:47 PM</a:t>
+              <a:t>2/27/20 12:48 PM</a:t>
             </a:fld>
             <a:endParaRPr lang="en-US" dirty="0">
               <a:latin typeface="Segoe UI" pitchFamily="34" charset="0"/>
@@ -569,7 +569,7 @@
           <a:p>
             <a:fld id="{D18B56EA-E28F-4F92-9F16-7A6F2501B303}" type="datetime8">
               <a:rPr lang="en-US" smtClean="0"/>
-              <a:t>3/2/2019 4:47 PM</a:t>
+              <a:t>2/27/20 12:48 PM</a:t>
             </a:fld>
             <a:endParaRPr lang="en-US" dirty="0"/>
           </a:p>
@@ -858,7 +858,10 @@
           <a:bodyPr/>
           <a:lstStyle/>
           <a:p>
-            <a:endParaRPr lang="en-US"/>
+            <a:r>
+              <a:rPr lang="en-US" dirty="0"/>
+              <a:t>This module will introduce you to leveraging the property pane for client-side web parts created with the SharePoint Framework.</a:t>
+            </a:r>
           </a:p>
         </p:txBody>
       </p:sp>
@@ -952,7 +955,7 @@
           <a:p>
             <a:fld id="{D18B56EA-E28F-4F92-9F16-7A6F2501B303}" type="datetime8">
               <a:rPr lang="en-US" smtClean="0"/>
-              <a:t>3/2/2019 4:47 PM</a:t>
+              <a:t>2/27/20 1:08 PM</a:t>
             </a:fld>
             <a:endParaRPr lang="en-US" dirty="0"/>
           </a:p>
@@ -986,6 +989,945 @@
     <p:extLst>
       <p:ext uri="{BB962C8B-B14F-4D97-AF65-F5344CB8AC3E}">
         <p14:creationId xmlns:p14="http://schemas.microsoft.com/office/powerpoint/2010/main" val="909857904"/>
+      </p:ext>
+    </p:extLst>
+  </p:cSld>
+  <p:clrMapOvr>
+    <a:masterClrMapping/>
+  </p:clrMapOvr>
+</p:notes>
+</file>
+
+<file path=ppt/notesSlides/notesSlide10.xml><?xml version="1.0" encoding="utf-8"?>
+<p:notes xmlns:a="http://schemas.openxmlformats.org/drawingml/2006/main" xmlns:r="http://schemas.openxmlformats.org/officeDocument/2006/relationships" xmlns:p="http://schemas.openxmlformats.org/presentationml/2006/main">
+  <p:cSld>
+    <p:spTree>
+      <p:nvGrpSpPr>
+        <p:cNvPr id="1" name=""/>
+        <p:cNvGrpSpPr/>
+        <p:nvPr/>
+      </p:nvGrpSpPr>
+      <p:grpSpPr>
+        <a:xfrm>
+          <a:off x="0" y="0"/>
+          <a:ext cx="0" cy="0"/>
+          <a:chOff x="0" y="0"/>
+          <a:chExt cx="0" cy="0"/>
+        </a:xfrm>
+      </p:grpSpPr>
+      <p:sp>
+        <p:nvSpPr>
+          <p:cNvPr id="2" name="Slide Image Placeholder 1"/>
+          <p:cNvSpPr>
+            <a:spLocks noGrp="1" noRot="1" noChangeAspect="1"/>
+          </p:cNvSpPr>
+          <p:nvPr>
+            <p:ph type="sldImg"/>
+          </p:nvPr>
+        </p:nvSpPr>
+        <p:spPr/>
+      </p:sp>
+      <p:sp>
+        <p:nvSpPr>
+          <p:cNvPr id="3" name="Notes Placeholder 2"/>
+          <p:cNvSpPr>
+            <a:spLocks noGrp="1"/>
+          </p:cNvSpPr>
+          <p:nvPr>
+            <p:ph type="body" idx="1"/>
+          </p:nvPr>
+        </p:nvSpPr>
+        <p:spPr/>
+        <p:txBody>
+          <a:bodyPr/>
+          <a:lstStyle/>
+          <a:p>
+            <a:r>
+              <a:rPr lang="en-US" dirty="0"/>
+              <a:t>Within the React control, implement two React lifecycle event handlers. The method `</a:t>
+            </a:r>
+            <a:r>
+              <a:rPr lang="en-US" dirty="0" err="1"/>
+              <a:t>componentDidMount</a:t>
+            </a:r>
+            <a:r>
+              <a:rPr lang="en-US" dirty="0"/>
+              <a:t>()` is called when the control is initially loaded on the page, while the `</a:t>
+            </a:r>
+            <a:r>
+              <a:rPr lang="en-US" dirty="0" err="1"/>
+              <a:t>componentDidUpdate</a:t>
+            </a:r>
+            <a:r>
+              <a:rPr lang="en-US" dirty="0"/>
+              <a:t>()` is called when the properties on the component change. In this case, both methods will call the `</a:t>
+            </a:r>
+            <a:r>
+              <a:rPr lang="en-US" dirty="0" err="1"/>
+              <a:t>doSomething</a:t>
+            </a:r>
+            <a:r>
+              <a:rPr lang="en-US" dirty="0"/>
+              <a:t>()` method that will handle the property's value:</a:t>
+            </a:r>
+          </a:p>
+          <a:p>
+            <a:endParaRPr lang="en-US" dirty="0"/>
+          </a:p>
+        </p:txBody>
+      </p:sp>
+      <p:sp>
+        <p:nvSpPr>
+          <p:cNvPr id="4" name="Header Placeholder 3"/>
+          <p:cNvSpPr>
+            <a:spLocks noGrp="1"/>
+          </p:cNvSpPr>
+          <p:nvPr>
+            <p:ph type="hdr" sz="quarter"/>
+          </p:nvPr>
+        </p:nvSpPr>
+        <p:spPr/>
+        <p:txBody>
+          <a:bodyPr/>
+          <a:lstStyle/>
+          <a:p>
+            <a:r>
+              <a:rPr lang="en-US"/>
+              <a:t>SharePoint Framework</a:t>
+            </a:r>
+            <a:endParaRPr lang="en-US" dirty="0"/>
+          </a:p>
+        </p:txBody>
+      </p:sp>
+      <p:sp>
+        <p:nvSpPr>
+          <p:cNvPr id="5" name="Footer Placeholder 4"/>
+          <p:cNvSpPr>
+            <a:spLocks noGrp="1"/>
+          </p:cNvSpPr>
+          <p:nvPr>
+            <p:ph type="ftr" sz="quarter" idx="4"/>
+          </p:nvPr>
+        </p:nvSpPr>
+        <p:spPr/>
+        <p:txBody>
+          <a:bodyPr/>
+          <a:lstStyle/>
+          <a:p>
+            <a:pPr defTabSz="914099" eaLnBrk="0" hangingPunct="0"/>
+            <a:r>
+              <a:rPr lang="en-US" sz="400">
+                <a:gradFill>
+                  <a:gsLst>
+                    <a:gs pos="0">
+                      <a:prstClr val="black"/>
+                    </a:gs>
+                    <a:gs pos="100000">
+                      <a:prstClr val="black"/>
+                    </a:gs>
+                  </a:gsLst>
+                  <a:lin ang="5400000" scaled="0"/>
+                </a:gradFill>
+                <a:latin typeface="Segoe UI" pitchFamily="34" charset="0"/>
+                <a:ea typeface="Segoe UI" pitchFamily="34" charset="0"/>
+                <a:cs typeface="Segoe UI" pitchFamily="34" charset="0"/>
+              </a:rPr>
+              <a:t>© Microsoft Corporation. All rights reserved. MICROSOFT MAKES NO WARRANTIES, EXPRESS, IMPLIED OR STATUTORY, AS TO THE INFORMATION IN THIS PRESENTATION.</a:t>
+            </a:r>
+            <a:endParaRPr lang="en-US" sz="400" dirty="0">
+              <a:gradFill>
+                <a:gsLst>
+                  <a:gs pos="0">
+                    <a:prstClr val="black"/>
+                  </a:gs>
+                  <a:gs pos="100000">
+                    <a:prstClr val="black"/>
+                  </a:gs>
+                </a:gsLst>
+                <a:lin ang="5400000" scaled="0"/>
+              </a:gradFill>
+              <a:latin typeface="Segoe UI" pitchFamily="34" charset="0"/>
+              <a:ea typeface="Segoe UI" pitchFamily="34" charset="0"/>
+              <a:cs typeface="Segoe UI" pitchFamily="34" charset="0"/>
+            </a:endParaRPr>
+          </a:p>
+        </p:txBody>
+      </p:sp>
+      <p:sp>
+        <p:nvSpPr>
+          <p:cNvPr id="6" name="Date Placeholder 5"/>
+          <p:cNvSpPr>
+            <a:spLocks noGrp="1"/>
+          </p:cNvSpPr>
+          <p:nvPr>
+            <p:ph type="dt" idx="1"/>
+          </p:nvPr>
+        </p:nvSpPr>
+        <p:spPr/>
+        <p:txBody>
+          <a:bodyPr/>
+          <a:lstStyle/>
+          <a:p>
+            <a:fld id="{D18B56EA-E28F-4F92-9F16-7A6F2501B303}" type="datetime8">
+              <a:rPr lang="en-US" smtClean="0"/>
+              <a:t>2/27/20 2:30 PM</a:t>
+            </a:fld>
+            <a:endParaRPr lang="en-US" dirty="0"/>
+          </a:p>
+        </p:txBody>
+      </p:sp>
+      <p:sp>
+        <p:nvSpPr>
+          <p:cNvPr id="7" name="Slide Number Placeholder 6"/>
+          <p:cNvSpPr>
+            <a:spLocks noGrp="1"/>
+          </p:cNvSpPr>
+          <p:nvPr>
+            <p:ph type="sldNum" sz="quarter" idx="5"/>
+          </p:nvPr>
+        </p:nvSpPr>
+        <p:spPr/>
+        <p:txBody>
+          <a:bodyPr/>
+          <a:lstStyle/>
+          <a:p>
+            <a:fld id="{B4008EB6-D09E-4580-8CD6-DDB14511944F}" type="slidenum">
+              <a:rPr lang="en-US" smtClean="0"/>
+              <a:pPr/>
+              <a:t>10</a:t>
+            </a:fld>
+            <a:endParaRPr lang="en-US" dirty="0"/>
+          </a:p>
+        </p:txBody>
+      </p:sp>
+    </p:spTree>
+    <p:extLst>
+      <p:ext uri="{BB962C8B-B14F-4D97-AF65-F5344CB8AC3E}">
+        <p14:creationId xmlns:p14="http://schemas.microsoft.com/office/powerpoint/2010/main" val="2208934967"/>
+      </p:ext>
+    </p:extLst>
+  </p:cSld>
+  <p:clrMapOvr>
+    <a:masterClrMapping/>
+  </p:clrMapOvr>
+</p:notes>
+</file>
+
+<file path=ppt/notesSlides/notesSlide11.xml><?xml version="1.0" encoding="utf-8"?>
+<p:notes xmlns:a="http://schemas.openxmlformats.org/drawingml/2006/main" xmlns:r="http://schemas.openxmlformats.org/officeDocument/2006/relationships" xmlns:p="http://schemas.openxmlformats.org/presentationml/2006/main">
+  <p:cSld>
+    <p:spTree>
+      <p:nvGrpSpPr>
+        <p:cNvPr id="1" name=""/>
+        <p:cNvGrpSpPr/>
+        <p:nvPr/>
+      </p:nvGrpSpPr>
+      <p:grpSpPr>
+        <a:xfrm>
+          <a:off x="0" y="0"/>
+          <a:ext cx="0" cy="0"/>
+          <a:chOff x="0" y="0"/>
+          <a:chExt cx="0" cy="0"/>
+        </a:xfrm>
+      </p:grpSpPr>
+      <p:sp>
+        <p:nvSpPr>
+          <p:cNvPr id="2" name="Slide Image Placeholder 1"/>
+          <p:cNvSpPr>
+            <a:spLocks noGrp="1" noRot="1" noChangeAspect="1"/>
+          </p:cNvSpPr>
+          <p:nvPr>
+            <p:ph type="sldImg"/>
+          </p:nvPr>
+        </p:nvSpPr>
+        <p:spPr/>
+      </p:sp>
+      <p:sp>
+        <p:nvSpPr>
+          <p:cNvPr id="3" name="Notes Placeholder 2"/>
+          <p:cNvSpPr>
+            <a:spLocks noGrp="1"/>
+          </p:cNvSpPr>
+          <p:nvPr>
+            <p:ph type="body" idx="1"/>
+          </p:nvPr>
+        </p:nvSpPr>
+        <p:spPr/>
+        <p:txBody>
+          <a:bodyPr/>
+          <a:lstStyle/>
+          <a:p>
+            <a:endParaRPr lang="en-US"/>
+          </a:p>
+        </p:txBody>
+      </p:sp>
+      <p:sp>
+        <p:nvSpPr>
+          <p:cNvPr id="4" name="Header Placeholder 3"/>
+          <p:cNvSpPr>
+            <a:spLocks noGrp="1"/>
+          </p:cNvSpPr>
+          <p:nvPr>
+            <p:ph type="hdr" sz="quarter" idx="10"/>
+          </p:nvPr>
+        </p:nvSpPr>
+        <p:spPr/>
+        <p:txBody>
+          <a:bodyPr/>
+          <a:lstStyle/>
+          <a:p>
+            <a:endParaRPr lang="en-US" dirty="0"/>
+          </a:p>
+        </p:txBody>
+      </p:sp>
+      <p:sp>
+        <p:nvSpPr>
+          <p:cNvPr id="5" name="Footer Placeholder 4"/>
+          <p:cNvSpPr>
+            <a:spLocks noGrp="1"/>
+          </p:cNvSpPr>
+          <p:nvPr>
+            <p:ph type="ftr" sz="quarter" idx="11"/>
+          </p:nvPr>
+        </p:nvSpPr>
+        <p:spPr/>
+        <p:txBody>
+          <a:bodyPr/>
+          <a:lstStyle/>
+          <a:p>
+            <a:pPr defTabSz="914099" eaLnBrk="0" hangingPunct="0"/>
+            <a:r>
+              <a:rPr lang="en-US" sz="400">
+                <a:gradFill>
+                  <a:gsLst>
+                    <a:gs pos="0">
+                      <a:prstClr val="black"/>
+                    </a:gs>
+                    <a:gs pos="100000">
+                      <a:prstClr val="black"/>
+                    </a:gs>
+                  </a:gsLst>
+                  <a:lin ang="5400000" scaled="0"/>
+                </a:gradFill>
+                <a:latin typeface="Segoe UI" pitchFamily="34" charset="0"/>
+                <a:ea typeface="Segoe UI" pitchFamily="34" charset="0"/>
+                <a:cs typeface="Segoe UI" pitchFamily="34" charset="0"/>
+              </a:rPr>
+              <a:t>© Microsoft Corporation. All rights reserved. MICROSOFT MAKES NO WARRANTIES, EXPRESS, IMPLIED OR STATUTORY, AS TO THE INFORMATION IN THIS PRESENTATION.</a:t>
+            </a:r>
+            <a:endParaRPr lang="en-US" sz="400" dirty="0">
+              <a:gradFill>
+                <a:gsLst>
+                  <a:gs pos="0">
+                    <a:prstClr val="black"/>
+                  </a:gs>
+                  <a:gs pos="100000">
+                    <a:prstClr val="black"/>
+                  </a:gs>
+                </a:gsLst>
+                <a:lin ang="5400000" scaled="0"/>
+              </a:gradFill>
+              <a:latin typeface="Segoe UI" pitchFamily="34" charset="0"/>
+              <a:ea typeface="Segoe UI" pitchFamily="34" charset="0"/>
+              <a:cs typeface="Segoe UI" pitchFamily="34" charset="0"/>
+            </a:endParaRPr>
+          </a:p>
+        </p:txBody>
+      </p:sp>
+      <p:sp>
+        <p:nvSpPr>
+          <p:cNvPr id="6" name="Date Placeholder 5"/>
+          <p:cNvSpPr>
+            <a:spLocks noGrp="1"/>
+          </p:cNvSpPr>
+          <p:nvPr>
+            <p:ph type="dt" idx="12"/>
+          </p:nvPr>
+        </p:nvSpPr>
+        <p:spPr/>
+        <p:txBody>
+          <a:bodyPr/>
+          <a:lstStyle/>
+          <a:p>
+            <a:fld id="{D18B56EA-E28F-4F92-9F16-7A6F2501B303}" type="datetime8">
+              <a:rPr lang="en-US" smtClean="0"/>
+              <a:t>2/27/20 12:48 PM</a:t>
+            </a:fld>
+            <a:endParaRPr lang="en-US" dirty="0"/>
+          </a:p>
+        </p:txBody>
+      </p:sp>
+      <p:sp>
+        <p:nvSpPr>
+          <p:cNvPr id="7" name="Slide Number Placeholder 6"/>
+          <p:cNvSpPr>
+            <a:spLocks noGrp="1"/>
+          </p:cNvSpPr>
+          <p:nvPr>
+            <p:ph type="sldNum" sz="quarter" idx="13"/>
+          </p:nvPr>
+        </p:nvSpPr>
+        <p:spPr/>
+        <p:txBody>
+          <a:bodyPr/>
+          <a:lstStyle/>
+          <a:p>
+            <a:fld id="{B4008EB6-D09E-4580-8CD6-DDB14511944F}" type="slidenum">
+              <a:rPr lang="en-US" smtClean="0"/>
+              <a:pPr/>
+              <a:t>11</a:t>
+            </a:fld>
+            <a:endParaRPr lang="en-US" dirty="0"/>
+          </a:p>
+        </p:txBody>
+      </p:sp>
+    </p:spTree>
+    <p:extLst>
+      <p:ext uri="{BB962C8B-B14F-4D97-AF65-F5344CB8AC3E}">
+        <p14:creationId xmlns:p14="http://schemas.microsoft.com/office/powerpoint/2010/main" val="4271143038"/>
+      </p:ext>
+    </p:extLst>
+  </p:cSld>
+  <p:clrMapOvr>
+    <a:masterClrMapping/>
+  </p:clrMapOvr>
+</p:notes>
+</file>
+
+<file path=ppt/notesSlides/notesSlide12.xml><?xml version="1.0" encoding="utf-8"?>
+<p:notes xmlns:a="http://schemas.openxmlformats.org/drawingml/2006/main" xmlns:r="http://schemas.openxmlformats.org/officeDocument/2006/relationships" xmlns:p="http://schemas.openxmlformats.org/presentationml/2006/main">
+  <p:cSld>
+    <p:spTree>
+      <p:nvGrpSpPr>
+        <p:cNvPr id="1" name=""/>
+        <p:cNvGrpSpPr/>
+        <p:nvPr/>
+      </p:nvGrpSpPr>
+      <p:grpSpPr>
+        <a:xfrm>
+          <a:off x="0" y="0"/>
+          <a:ext cx="0" cy="0"/>
+          <a:chOff x="0" y="0"/>
+          <a:chExt cx="0" cy="0"/>
+        </a:xfrm>
+      </p:grpSpPr>
+      <p:sp>
+        <p:nvSpPr>
+          <p:cNvPr id="2" name="Slide Image Placeholder 1"/>
+          <p:cNvSpPr>
+            <a:spLocks noGrp="1" noRot="1" noChangeAspect="1"/>
+          </p:cNvSpPr>
+          <p:nvPr>
+            <p:ph type="sldImg"/>
+          </p:nvPr>
+        </p:nvSpPr>
+        <p:spPr/>
+      </p:sp>
+      <p:sp>
+        <p:nvSpPr>
+          <p:cNvPr id="3" name="Notes Placeholder 2"/>
+          <p:cNvSpPr>
+            <a:spLocks noGrp="1"/>
+          </p:cNvSpPr>
+          <p:nvPr>
+            <p:ph type="body" idx="1"/>
+          </p:nvPr>
+        </p:nvSpPr>
+        <p:spPr/>
+        <p:txBody>
+          <a:bodyPr/>
+          <a:lstStyle/>
+          <a:p>
+            <a:endParaRPr lang="en-US" dirty="0"/>
+          </a:p>
+        </p:txBody>
+      </p:sp>
+      <p:sp>
+        <p:nvSpPr>
+          <p:cNvPr id="4" name="Header Placeholder 3"/>
+          <p:cNvSpPr>
+            <a:spLocks noGrp="1"/>
+          </p:cNvSpPr>
+          <p:nvPr>
+            <p:ph type="hdr" sz="quarter" idx="10"/>
+          </p:nvPr>
+        </p:nvSpPr>
+        <p:spPr/>
+        <p:txBody>
+          <a:bodyPr/>
+          <a:lstStyle/>
+          <a:p>
+            <a:endParaRPr lang="en-US" dirty="0"/>
+          </a:p>
+        </p:txBody>
+      </p:sp>
+      <p:sp>
+        <p:nvSpPr>
+          <p:cNvPr id="5" name="Footer Placeholder 4"/>
+          <p:cNvSpPr>
+            <a:spLocks noGrp="1"/>
+          </p:cNvSpPr>
+          <p:nvPr>
+            <p:ph type="ftr" sz="quarter" idx="11"/>
+          </p:nvPr>
+        </p:nvSpPr>
+        <p:spPr/>
+        <p:txBody>
+          <a:bodyPr/>
+          <a:lstStyle/>
+          <a:p>
+            <a:pPr defTabSz="914099" eaLnBrk="0" hangingPunct="0"/>
+            <a:r>
+              <a:rPr lang="en-US" sz="400">
+                <a:gradFill>
+                  <a:gsLst>
+                    <a:gs pos="0">
+                      <a:prstClr val="black"/>
+                    </a:gs>
+                    <a:gs pos="100000">
+                      <a:prstClr val="black"/>
+                    </a:gs>
+                  </a:gsLst>
+                  <a:lin ang="5400000" scaled="0"/>
+                </a:gradFill>
+                <a:latin typeface="Segoe UI" pitchFamily="34" charset="0"/>
+                <a:ea typeface="Segoe UI" pitchFamily="34" charset="0"/>
+                <a:cs typeface="Segoe UI" pitchFamily="34" charset="0"/>
+              </a:rPr>
+              <a:t>© Microsoft Corporation. All rights reserved. MICROSOFT MAKES NO WARRANTIES, EXPRESS, IMPLIED OR STATUTORY, AS TO THE INFORMATION IN THIS PRESENTATION.</a:t>
+            </a:r>
+            <a:endParaRPr lang="en-US" sz="400" dirty="0">
+              <a:gradFill>
+                <a:gsLst>
+                  <a:gs pos="0">
+                    <a:prstClr val="black"/>
+                  </a:gs>
+                  <a:gs pos="100000">
+                    <a:prstClr val="black"/>
+                  </a:gs>
+                </a:gsLst>
+                <a:lin ang="5400000" scaled="0"/>
+              </a:gradFill>
+              <a:latin typeface="Segoe UI" pitchFamily="34" charset="0"/>
+              <a:ea typeface="Segoe UI" pitchFamily="34" charset="0"/>
+              <a:cs typeface="Segoe UI" pitchFamily="34" charset="0"/>
+            </a:endParaRPr>
+          </a:p>
+        </p:txBody>
+      </p:sp>
+      <p:sp>
+        <p:nvSpPr>
+          <p:cNvPr id="6" name="Date Placeholder 5"/>
+          <p:cNvSpPr>
+            <a:spLocks noGrp="1"/>
+          </p:cNvSpPr>
+          <p:nvPr>
+            <p:ph type="dt" idx="12"/>
+          </p:nvPr>
+        </p:nvSpPr>
+        <p:spPr/>
+        <p:txBody>
+          <a:bodyPr/>
+          <a:lstStyle/>
+          <a:p>
+            <a:fld id="{D18B56EA-E28F-4F92-9F16-7A6F2501B303}" type="datetime8">
+              <a:rPr lang="en-US" smtClean="0"/>
+              <a:t>2/27/20 12:48 PM</a:t>
+            </a:fld>
+            <a:endParaRPr lang="en-US" dirty="0"/>
+          </a:p>
+        </p:txBody>
+      </p:sp>
+      <p:sp>
+        <p:nvSpPr>
+          <p:cNvPr id="7" name="Slide Number Placeholder 6"/>
+          <p:cNvSpPr>
+            <a:spLocks noGrp="1"/>
+          </p:cNvSpPr>
+          <p:nvPr>
+            <p:ph type="sldNum" sz="quarter" idx="13"/>
+          </p:nvPr>
+        </p:nvSpPr>
+        <p:spPr/>
+        <p:txBody>
+          <a:bodyPr/>
+          <a:lstStyle/>
+          <a:p>
+            <a:fld id="{B4008EB6-D09E-4580-8CD6-DDB14511944F}" type="slidenum">
+              <a:rPr lang="en-US" smtClean="0"/>
+              <a:pPr/>
+              <a:t>13</a:t>
+            </a:fld>
+            <a:endParaRPr lang="en-US" dirty="0"/>
+          </a:p>
+        </p:txBody>
+      </p:sp>
+    </p:spTree>
+    <p:extLst>
+      <p:ext uri="{BB962C8B-B14F-4D97-AF65-F5344CB8AC3E}">
+        <p14:creationId xmlns:p14="http://schemas.microsoft.com/office/powerpoint/2010/main" val="3282806226"/>
+      </p:ext>
+    </p:extLst>
+  </p:cSld>
+  <p:clrMapOvr>
+    <a:masterClrMapping/>
+  </p:clrMapOvr>
+</p:notes>
+</file>
+
+<file path=ppt/notesSlides/notesSlide13.xml><?xml version="1.0" encoding="utf-8"?>
+<p:notes xmlns:a="http://schemas.openxmlformats.org/drawingml/2006/main" xmlns:r="http://schemas.openxmlformats.org/officeDocument/2006/relationships" xmlns:p="http://schemas.openxmlformats.org/presentationml/2006/main">
+  <p:cSld>
+    <p:spTree>
+      <p:nvGrpSpPr>
+        <p:cNvPr id="1" name=""/>
+        <p:cNvGrpSpPr/>
+        <p:nvPr/>
+      </p:nvGrpSpPr>
+      <p:grpSpPr>
+        <a:xfrm>
+          <a:off x="0" y="0"/>
+          <a:ext cx="0" cy="0"/>
+          <a:chOff x="0" y="0"/>
+          <a:chExt cx="0" cy="0"/>
+        </a:xfrm>
+      </p:grpSpPr>
+      <p:sp>
+        <p:nvSpPr>
+          <p:cNvPr id="2" name="Slide Image Placeholder 1"/>
+          <p:cNvSpPr>
+            <a:spLocks noGrp="1" noRot="1" noChangeAspect="1"/>
+          </p:cNvSpPr>
+          <p:nvPr>
+            <p:ph type="sldImg"/>
+          </p:nvPr>
+        </p:nvSpPr>
+        <p:spPr/>
+      </p:sp>
+      <p:sp>
+        <p:nvSpPr>
+          <p:cNvPr id="3" name="Notes Placeholder 2"/>
+          <p:cNvSpPr>
+            <a:spLocks noGrp="1"/>
+          </p:cNvSpPr>
+          <p:nvPr>
+            <p:ph type="body" idx="1"/>
+          </p:nvPr>
+        </p:nvSpPr>
+        <p:spPr/>
+        <p:txBody>
+          <a:bodyPr/>
+          <a:lstStyle/>
+          <a:p>
+            <a:endParaRPr lang="en-US"/>
+          </a:p>
+        </p:txBody>
+      </p:sp>
+      <p:sp>
+        <p:nvSpPr>
+          <p:cNvPr id="4" name="Header Placeholder 3"/>
+          <p:cNvSpPr>
+            <a:spLocks noGrp="1"/>
+          </p:cNvSpPr>
+          <p:nvPr>
+            <p:ph type="hdr" sz="quarter" idx="10"/>
+          </p:nvPr>
+        </p:nvSpPr>
+        <p:spPr/>
+        <p:txBody>
+          <a:bodyPr/>
+          <a:lstStyle/>
+          <a:p>
+            <a:endParaRPr lang="en-US" dirty="0"/>
+          </a:p>
+        </p:txBody>
+      </p:sp>
+      <p:sp>
+        <p:nvSpPr>
+          <p:cNvPr id="5" name="Footer Placeholder 4"/>
+          <p:cNvSpPr>
+            <a:spLocks noGrp="1"/>
+          </p:cNvSpPr>
+          <p:nvPr>
+            <p:ph type="ftr" sz="quarter" idx="11"/>
+          </p:nvPr>
+        </p:nvSpPr>
+        <p:spPr/>
+        <p:txBody>
+          <a:bodyPr/>
+          <a:lstStyle/>
+          <a:p>
+            <a:pPr defTabSz="914099" eaLnBrk="0" hangingPunct="0"/>
+            <a:r>
+              <a:rPr lang="en-US" sz="400">
+                <a:gradFill>
+                  <a:gsLst>
+                    <a:gs pos="0">
+                      <a:prstClr val="black"/>
+                    </a:gs>
+                    <a:gs pos="100000">
+                      <a:prstClr val="black"/>
+                    </a:gs>
+                  </a:gsLst>
+                  <a:lin ang="5400000" scaled="0"/>
+                </a:gradFill>
+                <a:latin typeface="Segoe UI" pitchFamily="34" charset="0"/>
+                <a:ea typeface="Segoe UI" pitchFamily="34" charset="0"/>
+                <a:cs typeface="Segoe UI" pitchFamily="34" charset="0"/>
+              </a:rPr>
+              <a:t>© Microsoft Corporation. All rights reserved. MICROSOFT MAKES NO WARRANTIES, EXPRESS, IMPLIED OR STATUTORY, AS TO THE INFORMATION IN THIS PRESENTATION.</a:t>
+            </a:r>
+            <a:endParaRPr lang="en-US" sz="400" dirty="0">
+              <a:gradFill>
+                <a:gsLst>
+                  <a:gs pos="0">
+                    <a:prstClr val="black"/>
+                  </a:gs>
+                  <a:gs pos="100000">
+                    <a:prstClr val="black"/>
+                  </a:gs>
+                </a:gsLst>
+                <a:lin ang="5400000" scaled="0"/>
+              </a:gradFill>
+              <a:latin typeface="Segoe UI" pitchFamily="34" charset="0"/>
+              <a:ea typeface="Segoe UI" pitchFamily="34" charset="0"/>
+              <a:cs typeface="Segoe UI" pitchFamily="34" charset="0"/>
+            </a:endParaRPr>
+          </a:p>
+        </p:txBody>
+      </p:sp>
+      <p:sp>
+        <p:nvSpPr>
+          <p:cNvPr id="6" name="Date Placeholder 5"/>
+          <p:cNvSpPr>
+            <a:spLocks noGrp="1"/>
+          </p:cNvSpPr>
+          <p:nvPr>
+            <p:ph type="dt" idx="12"/>
+          </p:nvPr>
+        </p:nvSpPr>
+        <p:spPr/>
+        <p:txBody>
+          <a:bodyPr/>
+          <a:lstStyle/>
+          <a:p>
+            <a:fld id="{D18B56EA-E28F-4F92-9F16-7A6F2501B303}" type="datetime8">
+              <a:rPr lang="en-US" smtClean="0"/>
+              <a:t>2/27/20 12:48 PM</a:t>
+            </a:fld>
+            <a:endParaRPr lang="en-US" dirty="0"/>
+          </a:p>
+        </p:txBody>
+      </p:sp>
+      <p:sp>
+        <p:nvSpPr>
+          <p:cNvPr id="7" name="Slide Number Placeholder 6"/>
+          <p:cNvSpPr>
+            <a:spLocks noGrp="1"/>
+          </p:cNvSpPr>
+          <p:nvPr>
+            <p:ph type="sldNum" sz="quarter" idx="13"/>
+          </p:nvPr>
+        </p:nvSpPr>
+        <p:spPr/>
+        <p:txBody>
+          <a:bodyPr/>
+          <a:lstStyle/>
+          <a:p>
+            <a:fld id="{B4008EB6-D09E-4580-8CD6-DDB14511944F}" type="slidenum">
+              <a:rPr lang="en-US" smtClean="0"/>
+              <a:pPr/>
+              <a:t>14</a:t>
+            </a:fld>
+            <a:endParaRPr lang="en-US" dirty="0"/>
+          </a:p>
+        </p:txBody>
+      </p:sp>
+    </p:spTree>
+    <p:extLst>
+      <p:ext uri="{BB962C8B-B14F-4D97-AF65-F5344CB8AC3E}">
+        <p14:creationId xmlns:p14="http://schemas.microsoft.com/office/powerpoint/2010/main" val="2510823477"/>
+      </p:ext>
+    </p:extLst>
+  </p:cSld>
+  <p:clrMapOvr>
+    <a:masterClrMapping/>
+  </p:clrMapOvr>
+</p:notes>
+</file>
+
+<file path=ppt/notesSlides/notesSlide14.xml><?xml version="1.0" encoding="utf-8"?>
+<p:notes xmlns:a="http://schemas.openxmlformats.org/drawingml/2006/main" xmlns:r="http://schemas.openxmlformats.org/officeDocument/2006/relationships" xmlns:p="http://schemas.openxmlformats.org/presentationml/2006/main">
+  <p:cSld>
+    <p:spTree>
+      <p:nvGrpSpPr>
+        <p:cNvPr id="1" name=""/>
+        <p:cNvGrpSpPr/>
+        <p:nvPr/>
+      </p:nvGrpSpPr>
+      <p:grpSpPr>
+        <a:xfrm>
+          <a:off x="0" y="0"/>
+          <a:ext cx="0" cy="0"/>
+          <a:chOff x="0" y="0"/>
+          <a:chExt cx="0" cy="0"/>
+        </a:xfrm>
+      </p:grpSpPr>
+      <p:sp>
+        <p:nvSpPr>
+          <p:cNvPr id="2" name="Slide Image Placeholder 1"/>
+          <p:cNvSpPr>
+            <a:spLocks noGrp="1" noRot="1" noChangeAspect="1"/>
+          </p:cNvSpPr>
+          <p:nvPr>
+            <p:ph type="sldImg"/>
+          </p:nvPr>
+        </p:nvSpPr>
+        <p:spPr/>
+      </p:sp>
+      <p:sp>
+        <p:nvSpPr>
+          <p:cNvPr id="3" name="Notes Placeholder 2"/>
+          <p:cNvSpPr>
+            <a:spLocks noGrp="1"/>
+          </p:cNvSpPr>
+          <p:nvPr>
+            <p:ph type="body" idx="1"/>
+          </p:nvPr>
+        </p:nvSpPr>
+        <p:spPr/>
+        <p:txBody>
+          <a:bodyPr/>
+          <a:lstStyle/>
+          <a:p>
+            <a:endParaRPr lang="en-US"/>
+          </a:p>
+        </p:txBody>
+      </p:sp>
+      <p:sp>
+        <p:nvSpPr>
+          <p:cNvPr id="4" name="Header Placeholder 3"/>
+          <p:cNvSpPr>
+            <a:spLocks noGrp="1"/>
+          </p:cNvSpPr>
+          <p:nvPr>
+            <p:ph type="hdr" sz="quarter" idx="10"/>
+          </p:nvPr>
+        </p:nvSpPr>
+        <p:spPr/>
+        <p:txBody>
+          <a:bodyPr/>
+          <a:lstStyle/>
+          <a:p>
+            <a:endParaRPr lang="en-US" dirty="0"/>
+          </a:p>
+        </p:txBody>
+      </p:sp>
+      <p:sp>
+        <p:nvSpPr>
+          <p:cNvPr id="5" name="Footer Placeholder 4"/>
+          <p:cNvSpPr>
+            <a:spLocks noGrp="1"/>
+          </p:cNvSpPr>
+          <p:nvPr>
+            <p:ph type="ftr" sz="quarter" idx="11"/>
+          </p:nvPr>
+        </p:nvSpPr>
+        <p:spPr/>
+        <p:txBody>
+          <a:bodyPr/>
+          <a:lstStyle/>
+          <a:p>
+            <a:pPr defTabSz="914099" eaLnBrk="0" hangingPunct="0"/>
+            <a:r>
+              <a:rPr lang="en-US" sz="400">
+                <a:gradFill>
+                  <a:gsLst>
+                    <a:gs pos="0">
+                      <a:prstClr val="black"/>
+                    </a:gs>
+                    <a:gs pos="100000">
+                      <a:prstClr val="black"/>
+                    </a:gs>
+                  </a:gsLst>
+                  <a:lin ang="5400000" scaled="0"/>
+                </a:gradFill>
+                <a:latin typeface="Segoe UI" pitchFamily="34" charset="0"/>
+                <a:ea typeface="Segoe UI" pitchFamily="34" charset="0"/>
+                <a:cs typeface="Segoe UI" pitchFamily="34" charset="0"/>
+              </a:rPr>
+              <a:t>© Microsoft Corporation. All rights reserved. MICROSOFT MAKES NO WARRANTIES, EXPRESS, IMPLIED OR STATUTORY, AS TO THE INFORMATION IN THIS PRESENTATION.</a:t>
+            </a:r>
+            <a:endParaRPr lang="en-US" sz="400" dirty="0">
+              <a:gradFill>
+                <a:gsLst>
+                  <a:gs pos="0">
+                    <a:prstClr val="black"/>
+                  </a:gs>
+                  <a:gs pos="100000">
+                    <a:prstClr val="black"/>
+                  </a:gs>
+                </a:gsLst>
+                <a:lin ang="5400000" scaled="0"/>
+              </a:gradFill>
+              <a:latin typeface="Segoe UI" pitchFamily="34" charset="0"/>
+              <a:ea typeface="Segoe UI" pitchFamily="34" charset="0"/>
+              <a:cs typeface="Segoe UI" pitchFamily="34" charset="0"/>
+            </a:endParaRPr>
+          </a:p>
+        </p:txBody>
+      </p:sp>
+      <p:sp>
+        <p:nvSpPr>
+          <p:cNvPr id="6" name="Date Placeholder 5"/>
+          <p:cNvSpPr>
+            <a:spLocks noGrp="1"/>
+          </p:cNvSpPr>
+          <p:nvPr>
+            <p:ph type="dt" idx="12"/>
+          </p:nvPr>
+        </p:nvSpPr>
+        <p:spPr/>
+        <p:txBody>
+          <a:bodyPr/>
+          <a:lstStyle/>
+          <a:p>
+            <a:fld id="{D18B56EA-E28F-4F92-9F16-7A6F2501B303}" type="datetime8">
+              <a:rPr lang="en-US" smtClean="0"/>
+              <a:t>2/27/20 12:48 PM</a:t>
+            </a:fld>
+            <a:endParaRPr lang="en-US" dirty="0"/>
+          </a:p>
+        </p:txBody>
+      </p:sp>
+      <p:sp>
+        <p:nvSpPr>
+          <p:cNvPr id="7" name="Slide Number Placeholder 6"/>
+          <p:cNvSpPr>
+            <a:spLocks noGrp="1"/>
+          </p:cNvSpPr>
+          <p:nvPr>
+            <p:ph type="sldNum" sz="quarter" idx="13"/>
+          </p:nvPr>
+        </p:nvSpPr>
+        <p:spPr/>
+        <p:txBody>
+          <a:bodyPr/>
+          <a:lstStyle/>
+          <a:p>
+            <a:fld id="{B4008EB6-D09E-4580-8CD6-DDB14511944F}" type="slidenum">
+              <a:rPr lang="en-US" smtClean="0"/>
+              <a:pPr/>
+              <a:t>15</a:t>
+            </a:fld>
+            <a:endParaRPr lang="en-US" dirty="0"/>
+          </a:p>
+        </p:txBody>
+      </p:sp>
+    </p:spTree>
+    <p:extLst>
+      <p:ext uri="{BB962C8B-B14F-4D97-AF65-F5344CB8AC3E}">
+        <p14:creationId xmlns:p14="http://schemas.microsoft.com/office/powerpoint/2010/main" val="1685519606"/>
       </p:ext>
     </p:extLst>
   </p:cSld>
@@ -1039,7 +1981,10 @@
           <a:bodyPr/>
           <a:lstStyle/>
           <a:p>
-            <a:endParaRPr lang="en-US"/>
+            <a:r>
+              <a:rPr lang="en-US" dirty="0"/>
+              <a:t>In this unit, you'll learn how to use the property pane in your SharePoint Framework client-side web part components.</a:t>
+            </a:r>
           </a:p>
         </p:txBody>
       </p:sp>
@@ -1133,7 +2078,7 @@
           <a:p>
             <a:fld id="{D18B56EA-E28F-4F92-9F16-7A6F2501B303}" type="datetime8">
               <a:rPr lang="en-US" smtClean="0"/>
-              <a:t>3/2/2019 4:47 PM</a:t>
+              <a:t>2/27/20 1:08 PM</a:t>
             </a:fld>
             <a:endParaRPr lang="en-US" dirty="0"/>
           </a:p>
@@ -1248,27 +2193,37 @@
                 <a:ea typeface="+mn-ea"/>
                 <a:cs typeface="+mn-cs"/>
               </a:rPr>
-              <a:t>Pages</a:t>
-            </a:r>
-            <a:r>
-              <a:rPr lang="en-US" sz="900" kern="1200" dirty="0">
-                <a:gradFill>
-                  <a:gsLst>
-                    <a:gs pos="1250">
-                      <a:schemeClr val="tx1"/>
-                    </a:gs>
-                    <a:gs pos="100000">
-                      <a:schemeClr val="tx1"/>
-                    </a:gs>
-                  </a:gsLst>
-                  <a:lin ang="5400000" scaled="0"/>
-                </a:gradFill>
-                <a:latin typeface="Segoe UI Light" pitchFamily="34" charset="0"/>
-                <a:ea typeface="+mn-ea"/>
-                <a:cs typeface="+mn-cs"/>
-              </a:rPr>
-              <a:t>: Separate pages in a single property pane. Pages contain a Header and Groups.</a:t>
-            </a:r>
+              <a:t>The property pane has three key elements: pages, headers and groups. </a:t>
+            </a:r>
+          </a:p>
+          <a:p>
+            <a:pPr marL="466371" lvl="1" indent="0">
+              <a:lnSpc>
+                <a:spcPct val="90000"/>
+              </a:lnSpc>
+              <a:spcBef>
+                <a:spcPct val="20000"/>
+              </a:spcBef>
+              <a:buSzPct val="90000"/>
+              <a:buFont typeface="Arial" pitchFamily="34" charset="0"/>
+              <a:buNone/>
+            </a:pPr>
+            <a:endParaRPr lang="en-US" sz="900" b="1" kern="1200" dirty="0">
+              <a:gradFill>
+                <a:gsLst>
+                  <a:gs pos="1250">
+                    <a:schemeClr val="tx1"/>
+                  </a:gs>
+                  <a:gs pos="100000">
+                    <a:schemeClr val="tx1"/>
+                  </a:gs>
+                </a:gsLst>
+                <a:lin ang="5400000" scaled="0"/>
+              </a:gradFill>
+              <a:latin typeface="Segoe UI Light" pitchFamily="34" charset="0"/>
+              <a:ea typeface="+mn-ea"/>
+              <a:cs typeface="+mn-cs"/>
+            </a:endParaRPr>
           </a:p>
           <a:p>
             <a:pPr marL="466371" lvl="1" indent="0">
@@ -1299,27 +2254,37 @@
                 <a:ea typeface="+mn-ea"/>
                 <a:cs typeface="+mn-cs"/>
               </a:rPr>
-              <a:t>Headers</a:t>
-            </a:r>
-            <a:r>
-              <a:rPr lang="en-US" sz="900" kern="1200" dirty="0">
-                <a:gradFill>
-                  <a:gsLst>
-                    <a:gs pos="1250">
-                      <a:schemeClr val="tx1"/>
-                    </a:gs>
-                    <a:gs pos="100000">
-                      <a:schemeClr val="tx1"/>
-                    </a:gs>
-                  </a:gsLst>
-                  <a:lin ang="5400000" scaled="0"/>
-                </a:gradFill>
-                <a:latin typeface="Segoe UI Light" pitchFamily="34" charset="0"/>
-                <a:ea typeface="+mn-ea"/>
-                <a:cs typeface="+mn-cs"/>
-              </a:rPr>
-              <a:t>: The title of the property pane</a:t>
-            </a:r>
+              <a:t>A page is the entire visible panel of the property pane shown in the on the task pane.</a:t>
+            </a:r>
+          </a:p>
+          <a:p>
+            <a:pPr marL="466371" lvl="1" indent="0">
+              <a:lnSpc>
+                <a:spcPct val="90000"/>
+              </a:lnSpc>
+              <a:spcBef>
+                <a:spcPct val="20000"/>
+              </a:spcBef>
+              <a:buSzPct val="90000"/>
+              <a:buFont typeface="Arial" pitchFamily="34" charset="0"/>
+              <a:buNone/>
+            </a:pPr>
+            <a:endParaRPr lang="en-US" sz="900" b="1" kern="1200" dirty="0">
+              <a:gradFill>
+                <a:gsLst>
+                  <a:gs pos="1250">
+                    <a:schemeClr val="tx1"/>
+                  </a:gs>
+                  <a:gs pos="100000">
+                    <a:schemeClr val="tx1"/>
+                  </a:gs>
+                </a:gsLst>
+                <a:lin ang="5400000" scaled="0"/>
+              </a:gradFill>
+              <a:latin typeface="Segoe UI Light" pitchFamily="34" charset="0"/>
+              <a:ea typeface="+mn-ea"/>
+              <a:cs typeface="+mn-cs"/>
+            </a:endParaRPr>
           </a:p>
           <a:p>
             <a:pPr marL="466371" lvl="1" indent="0">
@@ -1350,10 +2315,52 @@
                 <a:ea typeface="+mn-ea"/>
                 <a:cs typeface="+mn-cs"/>
               </a:rPr>
-              <a:t>Groups</a:t>
-            </a:r>
-            <a:r>
-              <a:rPr lang="en-US" sz="900" kern="1200" dirty="0">
+              <a:t>The header is an optional section at the top of the property pane. It includes a description that you can set from the web part's code.</a:t>
+            </a:r>
+          </a:p>
+          <a:p>
+            <a:pPr marL="466371" lvl="1" indent="0">
+              <a:lnSpc>
+                <a:spcPct val="90000"/>
+              </a:lnSpc>
+              <a:spcBef>
+                <a:spcPct val="20000"/>
+              </a:spcBef>
+              <a:buSzPct val="90000"/>
+              <a:buFont typeface="Arial" pitchFamily="34" charset="0"/>
+              <a:buNone/>
+            </a:pPr>
+            <a:endParaRPr lang="en-US" sz="900" b="1" kern="1200" dirty="0">
+              <a:gradFill>
+                <a:gsLst>
+                  <a:gs pos="1250">
+                    <a:schemeClr val="tx1"/>
+                  </a:gs>
+                  <a:gs pos="100000">
+                    <a:schemeClr val="tx1"/>
+                  </a:gs>
+                </a:gsLst>
+                <a:lin ang="5400000" scaled="0"/>
+              </a:gradFill>
+              <a:latin typeface="Segoe UI Light" pitchFamily="34" charset="0"/>
+              <a:ea typeface="+mn-ea"/>
+              <a:cs typeface="+mn-cs"/>
+            </a:endParaRPr>
+          </a:p>
+          <a:p>
+            <a:pPr marL="466371" lvl="1" indent="0">
+              <a:lnSpc>
+                <a:spcPct val="90000"/>
+              </a:lnSpc>
+              <a:spcBef>
+                <a:spcPct val="20000"/>
+              </a:spcBef>
+              <a:buSzPct val="90000"/>
+              <a:buFont typeface="Arial" pitchFamily="34" charset="0"/>
+              <a:buNone/>
+            </a:pPr>
+            <a:r>
+              <a:rPr lang="en-US" sz="900" b="1" kern="1200" dirty="0">
                 <a:gradFill>
                   <a:gsLst>
                     <a:gs pos="1250">
@@ -1369,11 +2376,505 @@
                 <a:ea typeface="+mn-ea"/>
                 <a:cs typeface="+mn-cs"/>
               </a:rPr>
-              <a:t>: Sections in the property pane that group properties</a:t>
-            </a:r>
-          </a:p>
-          <a:p>
-            <a:endParaRPr lang="en-US" dirty="0"/>
+              <a:t>Each page on the property contains one or more groups. Groups contain one or more field controls used to display or collect information from the user.</a:t>
+            </a:r>
+          </a:p>
+          <a:p>
+            <a:pPr marL="466371" lvl="1" indent="0">
+              <a:lnSpc>
+                <a:spcPct val="90000"/>
+              </a:lnSpc>
+              <a:spcBef>
+                <a:spcPct val="20000"/>
+              </a:spcBef>
+              <a:buSzPct val="90000"/>
+              <a:buFont typeface="Arial" pitchFamily="34" charset="0"/>
+              <a:buNone/>
+            </a:pPr>
+            <a:endParaRPr lang="en-US" sz="900" b="1" kern="1200" dirty="0">
+              <a:gradFill>
+                <a:gsLst>
+                  <a:gs pos="1250">
+                    <a:schemeClr val="tx1"/>
+                  </a:gs>
+                  <a:gs pos="100000">
+                    <a:schemeClr val="tx1"/>
+                  </a:gs>
+                </a:gsLst>
+                <a:lin ang="5400000" scaled="0"/>
+              </a:gradFill>
+              <a:latin typeface="Segoe UI Light" pitchFamily="34" charset="0"/>
+              <a:ea typeface="+mn-ea"/>
+              <a:cs typeface="+mn-cs"/>
+            </a:endParaRPr>
+          </a:p>
+          <a:p>
+            <a:pPr marL="466371" lvl="1" indent="0">
+              <a:lnSpc>
+                <a:spcPct val="90000"/>
+              </a:lnSpc>
+              <a:spcBef>
+                <a:spcPct val="20000"/>
+              </a:spcBef>
+              <a:buSzPct val="90000"/>
+              <a:buFont typeface="Arial" pitchFamily="34" charset="0"/>
+              <a:buNone/>
+            </a:pPr>
+            <a:r>
+              <a:rPr lang="en-US" sz="900" b="1" kern="1200" dirty="0">
+                <a:gradFill>
+                  <a:gsLst>
+                    <a:gs pos="1250">
+                      <a:schemeClr val="tx1"/>
+                    </a:gs>
+                    <a:gs pos="100000">
+                      <a:schemeClr val="tx1"/>
+                    </a:gs>
+                  </a:gsLst>
+                  <a:lin ang="5400000" scaled="0"/>
+                </a:gradFill>
+                <a:latin typeface="Segoe UI Light" pitchFamily="34" charset="0"/>
+                <a:ea typeface="+mn-ea"/>
+                <a:cs typeface="+mn-cs"/>
+              </a:rPr>
+              <a:t>We can have different groups that contain different fields and that allows us to group things within a specific page.</a:t>
+            </a:r>
+          </a:p>
+          <a:p>
+            <a:pPr marL="466371" lvl="1" indent="0">
+              <a:lnSpc>
+                <a:spcPct val="90000"/>
+              </a:lnSpc>
+              <a:spcBef>
+                <a:spcPct val="20000"/>
+              </a:spcBef>
+              <a:buSzPct val="90000"/>
+              <a:buFont typeface="Arial" pitchFamily="34" charset="0"/>
+              <a:buNone/>
+            </a:pPr>
+            <a:endParaRPr lang="en-US" sz="900" b="1" kern="1200" dirty="0">
+              <a:gradFill>
+                <a:gsLst>
+                  <a:gs pos="1250">
+                    <a:schemeClr val="tx1"/>
+                  </a:gs>
+                  <a:gs pos="100000">
+                    <a:schemeClr val="tx1"/>
+                  </a:gs>
+                </a:gsLst>
+                <a:lin ang="5400000" scaled="0"/>
+              </a:gradFill>
+              <a:latin typeface="Segoe UI Light" pitchFamily="34" charset="0"/>
+              <a:ea typeface="+mn-ea"/>
+              <a:cs typeface="+mn-cs"/>
+            </a:endParaRPr>
+          </a:p>
+          <a:p>
+            <a:pPr marL="466371" lvl="1" indent="0">
+              <a:lnSpc>
+                <a:spcPct val="90000"/>
+              </a:lnSpc>
+              <a:spcBef>
+                <a:spcPct val="20000"/>
+              </a:spcBef>
+              <a:buSzPct val="90000"/>
+              <a:buFont typeface="Arial" pitchFamily="34" charset="0"/>
+              <a:buNone/>
+            </a:pPr>
+            <a:r>
+              <a:rPr lang="en-US" sz="900" b="1" kern="1200" dirty="0">
+                <a:gradFill>
+                  <a:gsLst>
+                    <a:gs pos="1250">
+                      <a:schemeClr val="tx1"/>
+                    </a:gs>
+                    <a:gs pos="100000">
+                      <a:schemeClr val="tx1"/>
+                    </a:gs>
+                  </a:gsLst>
+                  <a:lin ang="5400000" scaled="0"/>
+                </a:gradFill>
+                <a:latin typeface="Segoe UI Light" pitchFamily="34" charset="0"/>
+                <a:ea typeface="+mn-ea"/>
+                <a:cs typeface="+mn-cs"/>
+              </a:rPr>
+              <a:t>The SharePoint Framework API includes the following property pane field controls you can use in your custom web parts:</a:t>
+            </a:r>
+          </a:p>
+          <a:p>
+            <a:pPr marL="466371" lvl="1" indent="0">
+              <a:lnSpc>
+                <a:spcPct val="90000"/>
+              </a:lnSpc>
+              <a:spcBef>
+                <a:spcPct val="20000"/>
+              </a:spcBef>
+              <a:buSzPct val="90000"/>
+              <a:buFont typeface="Arial" pitchFamily="34" charset="0"/>
+              <a:buNone/>
+            </a:pPr>
+            <a:endParaRPr lang="en-US" sz="900" b="1" kern="1200" dirty="0">
+              <a:gradFill>
+                <a:gsLst>
+                  <a:gs pos="1250">
+                    <a:schemeClr val="tx1"/>
+                  </a:gs>
+                  <a:gs pos="100000">
+                    <a:schemeClr val="tx1"/>
+                  </a:gs>
+                </a:gsLst>
+                <a:lin ang="5400000" scaled="0"/>
+              </a:gradFill>
+              <a:latin typeface="Segoe UI Light" pitchFamily="34" charset="0"/>
+              <a:ea typeface="+mn-ea"/>
+              <a:cs typeface="+mn-cs"/>
+            </a:endParaRPr>
+          </a:p>
+          <a:p>
+            <a:pPr marL="466371" lvl="1" indent="0">
+              <a:lnSpc>
+                <a:spcPct val="90000"/>
+              </a:lnSpc>
+              <a:spcBef>
+                <a:spcPct val="20000"/>
+              </a:spcBef>
+              <a:buSzPct val="90000"/>
+              <a:buFont typeface="Arial" pitchFamily="34" charset="0"/>
+              <a:buNone/>
+            </a:pPr>
+            <a:r>
+              <a:rPr lang="en-US" sz="900" b="1" kern="1200" dirty="0">
+                <a:gradFill>
+                  <a:gsLst>
+                    <a:gs pos="1250">
+                      <a:schemeClr val="tx1"/>
+                    </a:gs>
+                    <a:gs pos="100000">
+                      <a:schemeClr val="tx1"/>
+                    </a:gs>
+                  </a:gsLst>
+                  <a:lin ang="5400000" scaled="0"/>
+                </a:gradFill>
+                <a:latin typeface="Segoe UI Light" pitchFamily="34" charset="0"/>
+                <a:ea typeface="+mn-ea"/>
+                <a:cs typeface="+mn-cs"/>
+              </a:rPr>
+              <a:t>- label</a:t>
+            </a:r>
+          </a:p>
+          <a:p>
+            <a:pPr marL="466371" lvl="1" indent="0">
+              <a:lnSpc>
+                <a:spcPct val="90000"/>
+              </a:lnSpc>
+              <a:spcBef>
+                <a:spcPct val="20000"/>
+              </a:spcBef>
+              <a:buSzPct val="90000"/>
+              <a:buFont typeface="Arial" pitchFamily="34" charset="0"/>
+              <a:buNone/>
+            </a:pPr>
+            <a:r>
+              <a:rPr lang="en-US" sz="900" b="1" kern="1200" dirty="0">
+                <a:gradFill>
+                  <a:gsLst>
+                    <a:gs pos="1250">
+                      <a:schemeClr val="tx1"/>
+                    </a:gs>
+                    <a:gs pos="100000">
+                      <a:schemeClr val="tx1"/>
+                    </a:gs>
+                  </a:gsLst>
+                  <a:lin ang="5400000" scaled="0"/>
+                </a:gradFill>
+                <a:latin typeface="Segoe UI Light" pitchFamily="34" charset="0"/>
+                <a:ea typeface="+mn-ea"/>
+                <a:cs typeface="+mn-cs"/>
+              </a:rPr>
+              <a:t>- textbox</a:t>
+            </a:r>
+          </a:p>
+          <a:p>
+            <a:pPr marL="466371" lvl="1" indent="0">
+              <a:lnSpc>
+                <a:spcPct val="90000"/>
+              </a:lnSpc>
+              <a:spcBef>
+                <a:spcPct val="20000"/>
+              </a:spcBef>
+              <a:buSzPct val="90000"/>
+              <a:buFont typeface="Arial" pitchFamily="34" charset="0"/>
+              <a:buNone/>
+            </a:pPr>
+            <a:r>
+              <a:rPr lang="en-US" sz="900" b="1" kern="1200" dirty="0">
+                <a:gradFill>
+                  <a:gsLst>
+                    <a:gs pos="1250">
+                      <a:schemeClr val="tx1"/>
+                    </a:gs>
+                    <a:gs pos="100000">
+                      <a:schemeClr val="tx1"/>
+                    </a:gs>
+                  </a:gsLst>
+                  <a:lin ang="5400000" scaled="0"/>
+                </a:gradFill>
+                <a:latin typeface="Segoe UI Light" pitchFamily="34" charset="0"/>
+                <a:ea typeface="+mn-ea"/>
+                <a:cs typeface="+mn-cs"/>
+              </a:rPr>
+              <a:t>- checkbox</a:t>
+            </a:r>
+          </a:p>
+          <a:p>
+            <a:pPr marL="466371" lvl="1" indent="0">
+              <a:lnSpc>
+                <a:spcPct val="90000"/>
+              </a:lnSpc>
+              <a:spcBef>
+                <a:spcPct val="20000"/>
+              </a:spcBef>
+              <a:buSzPct val="90000"/>
+              <a:buFont typeface="Arial" pitchFamily="34" charset="0"/>
+              <a:buNone/>
+            </a:pPr>
+            <a:r>
+              <a:rPr lang="en-US" sz="900" b="1" kern="1200" dirty="0">
+                <a:gradFill>
+                  <a:gsLst>
+                    <a:gs pos="1250">
+                      <a:schemeClr val="tx1"/>
+                    </a:gs>
+                    <a:gs pos="100000">
+                      <a:schemeClr val="tx1"/>
+                    </a:gs>
+                  </a:gsLst>
+                  <a:lin ang="5400000" scaled="0"/>
+                </a:gradFill>
+                <a:latin typeface="Segoe UI Light" pitchFamily="34" charset="0"/>
+                <a:ea typeface="+mn-ea"/>
+                <a:cs typeface="+mn-cs"/>
+              </a:rPr>
+              <a:t>- dropdown</a:t>
+            </a:r>
+          </a:p>
+          <a:p>
+            <a:pPr marL="466371" lvl="1" indent="0">
+              <a:lnSpc>
+                <a:spcPct val="90000"/>
+              </a:lnSpc>
+              <a:spcBef>
+                <a:spcPct val="20000"/>
+              </a:spcBef>
+              <a:buSzPct val="90000"/>
+              <a:buFont typeface="Arial" pitchFamily="34" charset="0"/>
+              <a:buNone/>
+            </a:pPr>
+            <a:r>
+              <a:rPr lang="en-US" sz="900" b="1" kern="1200" dirty="0">
+                <a:gradFill>
+                  <a:gsLst>
+                    <a:gs pos="1250">
+                      <a:schemeClr val="tx1"/>
+                    </a:gs>
+                    <a:gs pos="100000">
+                      <a:schemeClr val="tx1"/>
+                    </a:gs>
+                  </a:gsLst>
+                  <a:lin ang="5400000" scaled="0"/>
+                </a:gradFill>
+                <a:latin typeface="Segoe UI Light" pitchFamily="34" charset="0"/>
+                <a:ea typeface="+mn-ea"/>
+                <a:cs typeface="+mn-cs"/>
+              </a:rPr>
+              <a:t>- link</a:t>
+            </a:r>
+          </a:p>
+          <a:p>
+            <a:pPr marL="466371" lvl="1" indent="0">
+              <a:lnSpc>
+                <a:spcPct val="90000"/>
+              </a:lnSpc>
+              <a:spcBef>
+                <a:spcPct val="20000"/>
+              </a:spcBef>
+              <a:buSzPct val="90000"/>
+              <a:buFont typeface="Arial" pitchFamily="34" charset="0"/>
+              <a:buNone/>
+            </a:pPr>
+            <a:r>
+              <a:rPr lang="en-US" sz="900" b="1" kern="1200" dirty="0">
+                <a:gradFill>
+                  <a:gsLst>
+                    <a:gs pos="1250">
+                      <a:schemeClr val="tx1"/>
+                    </a:gs>
+                    <a:gs pos="100000">
+                      <a:schemeClr val="tx1"/>
+                    </a:gs>
+                  </a:gsLst>
+                  <a:lin ang="5400000" scaled="0"/>
+                </a:gradFill>
+                <a:latin typeface="Segoe UI Light" pitchFamily="34" charset="0"/>
+                <a:ea typeface="+mn-ea"/>
+                <a:cs typeface="+mn-cs"/>
+              </a:rPr>
+              <a:t>- slider</a:t>
+            </a:r>
+          </a:p>
+          <a:p>
+            <a:pPr marL="466371" lvl="1" indent="0">
+              <a:lnSpc>
+                <a:spcPct val="90000"/>
+              </a:lnSpc>
+              <a:spcBef>
+                <a:spcPct val="20000"/>
+              </a:spcBef>
+              <a:buSzPct val="90000"/>
+              <a:buFont typeface="Arial" pitchFamily="34" charset="0"/>
+              <a:buNone/>
+            </a:pPr>
+            <a:r>
+              <a:rPr lang="en-US" sz="900" b="1" kern="1200" dirty="0">
+                <a:gradFill>
+                  <a:gsLst>
+                    <a:gs pos="1250">
+                      <a:schemeClr val="tx1"/>
+                    </a:gs>
+                    <a:gs pos="100000">
+                      <a:schemeClr val="tx1"/>
+                    </a:gs>
+                  </a:gsLst>
+                  <a:lin ang="5400000" scaled="0"/>
+                </a:gradFill>
+                <a:latin typeface="Segoe UI Light" pitchFamily="34" charset="0"/>
+                <a:ea typeface="+mn-ea"/>
+                <a:cs typeface="+mn-cs"/>
+              </a:rPr>
+              <a:t>- toggle</a:t>
+            </a:r>
+          </a:p>
+          <a:p>
+            <a:pPr marL="466371" lvl="1" indent="0">
+              <a:lnSpc>
+                <a:spcPct val="90000"/>
+              </a:lnSpc>
+              <a:spcBef>
+                <a:spcPct val="20000"/>
+              </a:spcBef>
+              <a:buSzPct val="90000"/>
+              <a:buFont typeface="Arial" pitchFamily="34" charset="0"/>
+              <a:buNone/>
+            </a:pPr>
+            <a:endParaRPr lang="en-US" sz="900" b="1" kern="1200" dirty="0">
+              <a:gradFill>
+                <a:gsLst>
+                  <a:gs pos="1250">
+                    <a:schemeClr val="tx1"/>
+                  </a:gs>
+                  <a:gs pos="100000">
+                    <a:schemeClr val="tx1"/>
+                  </a:gs>
+                </a:gsLst>
+                <a:lin ang="5400000" scaled="0"/>
+              </a:gradFill>
+              <a:latin typeface="Segoe UI Light" pitchFamily="34" charset="0"/>
+              <a:ea typeface="+mn-ea"/>
+              <a:cs typeface="+mn-cs"/>
+            </a:endParaRPr>
+          </a:p>
+          <a:p>
+            <a:pPr marL="466371" lvl="1" indent="0">
+              <a:lnSpc>
+                <a:spcPct val="90000"/>
+              </a:lnSpc>
+              <a:spcBef>
+                <a:spcPct val="20000"/>
+              </a:spcBef>
+              <a:buSzPct val="90000"/>
+              <a:buFont typeface="Arial" pitchFamily="34" charset="0"/>
+              <a:buNone/>
+            </a:pPr>
+            <a:r>
+              <a:rPr lang="en-US" sz="900" b="1" kern="1200" dirty="0">
+                <a:gradFill>
+                  <a:gsLst>
+                    <a:gs pos="1250">
+                      <a:schemeClr val="tx1"/>
+                    </a:gs>
+                    <a:gs pos="100000">
+                      <a:schemeClr val="tx1"/>
+                    </a:gs>
+                  </a:gsLst>
+                  <a:lin ang="5400000" scaled="0"/>
+                </a:gradFill>
+                <a:latin typeface="Segoe UI Light" pitchFamily="34" charset="0"/>
+                <a:ea typeface="+mn-ea"/>
+                <a:cs typeface="+mn-cs"/>
+              </a:rPr>
+              <a:t>The label control is used to display text, while the other controls are used as form controls for the user to modify the public properties on the web part.</a:t>
+            </a:r>
+          </a:p>
+          <a:p>
+            <a:pPr marL="466371" lvl="1" indent="0">
+              <a:lnSpc>
+                <a:spcPct val="90000"/>
+              </a:lnSpc>
+              <a:spcBef>
+                <a:spcPct val="20000"/>
+              </a:spcBef>
+              <a:buSzPct val="90000"/>
+              <a:buFont typeface="Arial" pitchFamily="34" charset="0"/>
+              <a:buNone/>
+            </a:pPr>
+            <a:endParaRPr lang="en-US" sz="900" b="1" kern="1200" dirty="0">
+              <a:gradFill>
+                <a:gsLst>
+                  <a:gs pos="1250">
+                    <a:schemeClr val="tx1"/>
+                  </a:gs>
+                  <a:gs pos="100000">
+                    <a:schemeClr val="tx1"/>
+                  </a:gs>
+                </a:gsLst>
+                <a:lin ang="5400000" scaled="0"/>
+              </a:gradFill>
+              <a:latin typeface="Segoe UI Light" pitchFamily="34" charset="0"/>
+              <a:ea typeface="+mn-ea"/>
+              <a:cs typeface="+mn-cs"/>
+            </a:endParaRPr>
+          </a:p>
+          <a:p>
+            <a:pPr marL="466371" lvl="1" indent="0">
+              <a:lnSpc>
+                <a:spcPct val="90000"/>
+              </a:lnSpc>
+              <a:spcBef>
+                <a:spcPct val="20000"/>
+              </a:spcBef>
+              <a:buSzPct val="90000"/>
+              <a:buFont typeface="Arial" pitchFamily="34" charset="0"/>
+              <a:buNone/>
+            </a:pPr>
+            <a:r>
+              <a:rPr lang="en-US" sz="900" b="1" kern="1200" dirty="0">
+                <a:gradFill>
+                  <a:gsLst>
+                    <a:gs pos="1250">
+                      <a:schemeClr val="tx1"/>
+                    </a:gs>
+                    <a:gs pos="100000">
+                      <a:schemeClr val="tx1"/>
+                    </a:gs>
+                  </a:gsLst>
+                  <a:lin ang="5400000" scaled="0"/>
+                </a:gradFill>
+                <a:latin typeface="Segoe UI Light" pitchFamily="34" charset="0"/>
+                <a:ea typeface="+mn-ea"/>
+                <a:cs typeface="+mn-cs"/>
+              </a:rPr>
+              <a:t>Developers can also create custom property pane field controls, or use third-party controls, when one of the existing controls doesn't meet the business business requirements.</a:t>
+            </a:r>
           </a:p>
         </p:txBody>
       </p:sp>
@@ -1535,7 +3036,53 @@
           <a:bodyPr/>
           <a:lstStyle/>
           <a:p>
-            <a:endParaRPr lang="en-US"/>
+            <a:r>
+              <a:rPr lang="en-US" dirty="0"/>
+              <a:t>The property pane is defined by your web part using a specific method. The SharePoint Framework will call the `</a:t>
+            </a:r>
+            <a:r>
+              <a:rPr lang="en-US" dirty="0" err="1"/>
+              <a:t>getPropertyPaneConfiguration</a:t>
+            </a:r>
+            <a:r>
+              <a:rPr lang="en-US" dirty="0"/>
+              <a:t>()` method on your web part to retrieve an object that implements the `</a:t>
+            </a:r>
+            <a:r>
+              <a:rPr lang="en-US" dirty="0" err="1"/>
+              <a:t>IPropertyPaneConfiguration</a:t>
+            </a:r>
+            <a:r>
+              <a:rPr lang="en-US" dirty="0"/>
+              <a:t>` interface.</a:t>
+            </a:r>
+          </a:p>
+          <a:p>
+            <a:endParaRPr lang="en-US" dirty="0"/>
+          </a:p>
+          <a:p>
+            <a:r>
+              <a:rPr lang="en-US" dirty="0"/>
+              <a:t>The returned object contains a single property `pages` that returns an array of property pane pages:</a:t>
+            </a:r>
+          </a:p>
+          <a:p>
+            <a:endParaRPr lang="en-US" dirty="0"/>
+          </a:p>
+          <a:p>
+            <a:r>
+              <a:rPr lang="en-US" dirty="0"/>
+              <a:t>Each page has an optional `header` property and a `groups` array. Each group can have a name and collection of fields assigned to it.</a:t>
+            </a:r>
+          </a:p>
+          <a:p>
+            <a:endParaRPr lang="en-US" dirty="0"/>
+          </a:p>
+          <a:p>
+            <a:r>
+              <a:rPr lang="en-US" dirty="0"/>
+              <a:t>In the previous code, notice the single group has a name and a single text field control. This field control is mapped to the `description` property on the web part, defined in the web part's interface.</a:t>
+            </a:r>
           </a:p>
         </p:txBody>
       </p:sp>
@@ -1697,7 +3244,69 @@
           <a:bodyPr/>
           <a:lstStyle/>
           <a:p>
-            <a:endParaRPr lang="en-US"/>
+            <a:r>
+              <a:rPr lang="en-US" dirty="0"/>
+              <a:t>Let's look at how you can implement custom properties on your web part and enable users to modify their values using the property pane.</a:t>
+            </a:r>
+          </a:p>
+          <a:p>
+            <a:endParaRPr lang="en-US" dirty="0"/>
+          </a:p>
+          <a:p>
+            <a:r>
+              <a:rPr lang="en-US" dirty="0"/>
+              <a:t>The first step is to define the web part interface that's created as part of the web part creation process. This interface is located in the same file as the web part class. These properties will be mapped to specific field controls in your property pane.</a:t>
+            </a:r>
+          </a:p>
+          <a:p>
+            <a:endParaRPr lang="en-US" dirty="0"/>
+          </a:p>
+          <a:p>
+            <a:r>
+              <a:rPr lang="en-US" dirty="0"/>
+              <a:t>Next, you need to import the field control objects into your web part's class. These controls are located in the **@</a:t>
+            </a:r>
+            <a:r>
+              <a:rPr lang="en-US" dirty="0" err="1"/>
+              <a:t>microsoft</a:t>
+            </a:r>
+            <a:r>
+              <a:rPr lang="en-US" dirty="0"/>
+              <a:t>/</a:t>
+            </a:r>
+            <a:r>
+              <a:rPr lang="en-US" dirty="0" err="1"/>
+              <a:t>sp</a:t>
+            </a:r>
+            <a:r>
+              <a:rPr lang="en-US" dirty="0"/>
+              <a:t>-webpart-base** package.</a:t>
+            </a:r>
+          </a:p>
+          <a:p>
+            <a:endParaRPr lang="en-US" dirty="0"/>
+          </a:p>
+          <a:p>
+            <a:r>
+              <a:rPr lang="en-US" dirty="0"/>
+              <a:t>The last step is to add controls to the `</a:t>
+            </a:r>
+            <a:r>
+              <a:rPr lang="en-US" dirty="0" err="1"/>
+              <a:t>groupFields</a:t>
+            </a:r>
+            <a:r>
+              <a:rPr lang="en-US" dirty="0"/>
+              <a:t>` array in a group for a page returned in the `</a:t>
+            </a:r>
+            <a:r>
+              <a:rPr lang="en-US" dirty="0" err="1"/>
+              <a:t>getPropertyPaneConfiguration</a:t>
+            </a:r>
+            <a:r>
+              <a:rPr lang="en-US" dirty="0"/>
+              <a:t>()` method. The first argument in each control's reference is the name of the property it maps to.</a:t>
+            </a:r>
           </a:p>
         </p:txBody>
       </p:sp>
@@ -1708,7 +3317,7 @@
             <a:spLocks noGrp="1"/>
           </p:cNvSpPr>
           <p:nvPr>
-            <p:ph type="hdr" sz="quarter" idx="10"/>
+            <p:ph type="hdr" sz="quarter"/>
           </p:nvPr>
         </p:nvSpPr>
         <p:spPr/>
@@ -1716,6 +3325,10 @@
           <a:bodyPr/>
           <a:lstStyle/>
           <a:p>
+            <a:r>
+              <a:rPr lang="en-US"/>
+              <a:t>SharePoint Framework</a:t>
+            </a:r>
             <a:endParaRPr lang="en-US" dirty="0"/>
           </a:p>
         </p:txBody>
@@ -1727,7 +3340,7 @@
             <a:spLocks noGrp="1"/>
           </p:cNvSpPr>
           <p:nvPr>
-            <p:ph type="ftr" sz="quarter" idx="11"/>
+            <p:ph type="ftr" sz="quarter" idx="4"/>
           </p:nvPr>
         </p:nvSpPr>
         <p:spPr/>
@@ -1781,7 +3394,7 @@
             <a:spLocks noGrp="1"/>
           </p:cNvSpPr>
           <p:nvPr>
-            <p:ph type="dt" idx="12"/>
+            <p:ph type="dt" idx="1"/>
           </p:nvPr>
         </p:nvSpPr>
         <p:spPr/>
@@ -1791,7 +3404,7 @@
           <a:p>
             <a:fld id="{D18B56EA-E28F-4F92-9F16-7A6F2501B303}" type="datetime8">
               <a:rPr lang="en-US" smtClean="0"/>
-              <a:t>3/2/2019 4:47 PM</a:t>
+              <a:t>2/27/20 1:53 PM</a:t>
             </a:fld>
             <a:endParaRPr lang="en-US" dirty="0"/>
           </a:p>
@@ -1804,7 +3417,7 @@
             <a:spLocks noGrp="1"/>
           </p:cNvSpPr>
           <p:nvPr>
-            <p:ph type="sldNum" sz="quarter" idx="13"/>
+            <p:ph type="sldNum" sz="quarter" idx="5"/>
           </p:nvPr>
         </p:nvSpPr>
         <p:spPr/>
@@ -1815,7 +3428,7 @@
             <a:fld id="{B4008EB6-D09E-4580-8CD6-DDB14511944F}" type="slidenum">
               <a:rPr lang="en-US" smtClean="0"/>
               <a:pPr/>
-              <a:t>11</a:t>
+              <a:t>5</a:t>
             </a:fld>
             <a:endParaRPr lang="en-US" dirty="0"/>
           </a:p>
@@ -1824,7 +3437,7 @@
     </p:spTree>
     <p:extLst>
       <p:ext uri="{BB962C8B-B14F-4D97-AF65-F5344CB8AC3E}">
-        <p14:creationId xmlns:p14="http://schemas.microsoft.com/office/powerpoint/2010/main" val="4271143038"/>
+        <p14:creationId xmlns:p14="http://schemas.microsoft.com/office/powerpoint/2010/main" val="3821576036"/>
       </p:ext>
     </p:extLst>
   </p:cSld>
@@ -1878,7 +3491,43 @@
           <a:bodyPr/>
           <a:lstStyle/>
           <a:p>
+            <a:r>
+              <a:rPr lang="en-US" dirty="0"/>
+              <a:t>The next step to customizing the property pane is to define how you want to handle changes to the properties in the property pane. The property pane has two different modes: **reactive** &amp; **non-reactive**.</a:t>
+            </a:r>
+          </a:p>
+          <a:p>
             <a:endParaRPr lang="en-US" dirty="0"/>
+          </a:p>
+          <a:p>
+            <a:r>
+              <a:rPr lang="en-US" dirty="0"/>
+              <a:t>The default mode is reactive. In this mode, as you change the value of the property pane control, those changes are immediately applied live to the corresponding properties that they're attached to. </a:t>
+            </a:r>
+          </a:p>
+          <a:p>
+            <a:endParaRPr lang="en-US" dirty="0"/>
+          </a:p>
+          <a:p>
+            <a:r>
+              <a:rPr lang="en-US" dirty="0"/>
+              <a:t>In the non-reactive mode, changes to field controls are not immediately applied to the associated property of the control. Instead, the user must select the **Apply** button at the bottom of the property pane that is only rendered when the web part's property pane is in non-reactive mode.</a:t>
+            </a:r>
+          </a:p>
+          <a:p>
+            <a:endParaRPr lang="en-US" dirty="0"/>
+          </a:p>
+          <a:p>
+            <a:r>
+              <a:rPr lang="en-US" dirty="0"/>
+              <a:t>&gt; [!NOTE]</a:t>
+            </a:r>
+          </a:p>
+          <a:p>
+            <a:r>
+              <a:rPr lang="en-US" dirty="0"/>
+              <a:t>&gt; The non-reactive mode of client-side web part property panes matches how legacy server-side web part property panes worked.</a:t>
+            </a:r>
           </a:p>
         </p:txBody>
       </p:sp>
@@ -1889,7 +3538,7 @@
             <a:spLocks noGrp="1"/>
           </p:cNvSpPr>
           <p:nvPr>
-            <p:ph type="hdr" sz="quarter" idx="10"/>
+            <p:ph type="hdr" sz="quarter"/>
           </p:nvPr>
         </p:nvSpPr>
         <p:spPr/>
@@ -1897,6 +3546,10 @@
           <a:bodyPr/>
           <a:lstStyle/>
           <a:p>
+            <a:r>
+              <a:rPr lang="en-US"/>
+              <a:t>SharePoint Framework</a:t>
+            </a:r>
             <a:endParaRPr lang="en-US" dirty="0"/>
           </a:p>
         </p:txBody>
@@ -1908,7 +3561,7 @@
             <a:spLocks noGrp="1"/>
           </p:cNvSpPr>
           <p:nvPr>
-            <p:ph type="ftr" sz="quarter" idx="11"/>
+            <p:ph type="ftr" sz="quarter" idx="4"/>
           </p:nvPr>
         </p:nvSpPr>
         <p:spPr/>
@@ -1962,7 +3615,7 @@
             <a:spLocks noGrp="1"/>
           </p:cNvSpPr>
           <p:nvPr>
-            <p:ph type="dt" idx="12"/>
+            <p:ph type="dt" idx="1"/>
           </p:nvPr>
         </p:nvSpPr>
         <p:spPr/>
@@ -1972,7 +3625,7 @@
           <a:p>
             <a:fld id="{D18B56EA-E28F-4F92-9F16-7A6F2501B303}" type="datetime8">
               <a:rPr lang="en-US" smtClean="0"/>
-              <a:t>3/2/2019 4:47 PM</a:t>
+              <a:t>2/27/20 1:59 PM</a:t>
             </a:fld>
             <a:endParaRPr lang="en-US" dirty="0"/>
           </a:p>
@@ -1985,7 +3638,7 @@
             <a:spLocks noGrp="1"/>
           </p:cNvSpPr>
           <p:nvPr>
-            <p:ph type="sldNum" sz="quarter" idx="13"/>
+            <p:ph type="sldNum" sz="quarter" idx="5"/>
           </p:nvPr>
         </p:nvSpPr>
         <p:spPr/>
@@ -1996,7 +3649,7 @@
             <a:fld id="{B4008EB6-D09E-4580-8CD6-DDB14511944F}" type="slidenum">
               <a:rPr lang="en-US" smtClean="0"/>
               <a:pPr/>
-              <a:t>13</a:t>
+              <a:t>6</a:t>
             </a:fld>
             <a:endParaRPr lang="en-US" dirty="0"/>
           </a:p>
@@ -2005,7 +3658,7 @@
     </p:spTree>
     <p:extLst>
       <p:ext uri="{BB962C8B-B14F-4D97-AF65-F5344CB8AC3E}">
-        <p14:creationId xmlns:p14="http://schemas.microsoft.com/office/powerpoint/2010/main" val="3282806226"/>
+        <p14:creationId xmlns:p14="http://schemas.microsoft.com/office/powerpoint/2010/main" val="371076142"/>
       </p:ext>
     </p:extLst>
   </p:cSld>
@@ -2059,7 +3712,21 @@
           <a:bodyPr/>
           <a:lstStyle/>
           <a:p>
-            <a:endParaRPr lang="en-US"/>
+            <a:r>
+              <a:rPr lang="en-US" dirty="0"/>
+              <a:t>To change the property pane from the default reactive mode to be non-reactive, you'll override a property on the web part's base class: `</a:t>
+            </a:r>
+            <a:r>
+              <a:rPr lang="en-US" dirty="0" err="1"/>
+              <a:t>disableReactivePropertyChanges</a:t>
+            </a:r>
+            <a:r>
+              <a:rPr lang="en-US" dirty="0"/>
+              <a:t>`. This property is set to `false` by default, but overriding it to return `true` will set the property pane to non-reactive.</a:t>
+            </a:r>
+          </a:p>
+          <a:p>
+            <a:endParaRPr lang="en-US" dirty="0"/>
           </a:p>
         </p:txBody>
       </p:sp>
@@ -2070,7 +3737,7 @@
             <a:spLocks noGrp="1"/>
           </p:cNvSpPr>
           <p:nvPr>
-            <p:ph type="hdr" sz="quarter" idx="10"/>
+            <p:ph type="hdr" sz="quarter"/>
           </p:nvPr>
         </p:nvSpPr>
         <p:spPr/>
@@ -2078,6 +3745,10 @@
           <a:bodyPr/>
           <a:lstStyle/>
           <a:p>
+            <a:r>
+              <a:rPr lang="en-US"/>
+              <a:t>SharePoint Framework</a:t>
+            </a:r>
             <a:endParaRPr lang="en-US" dirty="0"/>
           </a:p>
         </p:txBody>
@@ -2089,7 +3760,7 @@
             <a:spLocks noGrp="1"/>
           </p:cNvSpPr>
           <p:nvPr>
-            <p:ph type="ftr" sz="quarter" idx="11"/>
+            <p:ph type="ftr" sz="quarter" idx="4"/>
           </p:nvPr>
         </p:nvSpPr>
         <p:spPr/>
@@ -2143,7 +3814,7 @@
             <a:spLocks noGrp="1"/>
           </p:cNvSpPr>
           <p:nvPr>
-            <p:ph type="dt" idx="12"/>
+            <p:ph type="dt" idx="1"/>
           </p:nvPr>
         </p:nvSpPr>
         <p:spPr/>
@@ -2153,7 +3824,7 @@
           <a:p>
             <a:fld id="{D18B56EA-E28F-4F92-9F16-7A6F2501B303}" type="datetime8">
               <a:rPr lang="en-US" smtClean="0"/>
-              <a:t>3/2/2019 4:47 PM</a:t>
+              <a:t>2/27/20 2:02 PM</a:t>
             </a:fld>
             <a:endParaRPr lang="en-US" dirty="0"/>
           </a:p>
@@ -2166,7 +3837,7 @@
             <a:spLocks noGrp="1"/>
           </p:cNvSpPr>
           <p:nvPr>
-            <p:ph type="sldNum" sz="quarter" idx="13"/>
+            <p:ph type="sldNum" sz="quarter" idx="5"/>
           </p:nvPr>
         </p:nvSpPr>
         <p:spPr/>
@@ -2177,7 +3848,7 @@
             <a:fld id="{B4008EB6-D09E-4580-8CD6-DDB14511944F}" type="slidenum">
               <a:rPr lang="en-US" smtClean="0"/>
               <a:pPr/>
-              <a:t>14</a:t>
+              <a:t>7</a:t>
             </a:fld>
             <a:endParaRPr lang="en-US" dirty="0"/>
           </a:p>
@@ -2186,7 +3857,7 @@
     </p:spTree>
     <p:extLst>
       <p:ext uri="{BB962C8B-B14F-4D97-AF65-F5344CB8AC3E}">
-        <p14:creationId xmlns:p14="http://schemas.microsoft.com/office/powerpoint/2010/main" val="2510823477"/>
+        <p14:creationId xmlns:p14="http://schemas.microsoft.com/office/powerpoint/2010/main" val="2847763084"/>
       </p:ext>
     </p:extLst>
   </p:cSld>
@@ -2240,7 +3911,43 @@
           <a:bodyPr/>
           <a:lstStyle/>
           <a:p>
-            <a:endParaRPr lang="en-US"/>
+            <a:r>
+              <a:rPr lang="en-US" sz="900" b="0" kern="1200" dirty="0">
+                <a:solidFill>
+                  <a:schemeClr val="tx1"/>
+                </a:solidFill>
+                <a:effectLst/>
+                <a:latin typeface="Segoe UI Light" pitchFamily="34" charset="0"/>
+                <a:ea typeface="+mn-ea"/>
+                <a:cs typeface="+mn-cs"/>
+              </a:rPr>
+              <a:t>In the case where you're using React to implement client-side web parts, you'll likely want to handle the case when properties are changed if you're using the web part's properties in the React control.</a:t>
+            </a:r>
+          </a:p>
+          <a:p>
+            <a:br>
+              <a:rPr lang="en-US" sz="900" b="0" kern="1200" dirty="0">
+                <a:solidFill>
+                  <a:schemeClr val="tx1"/>
+                </a:solidFill>
+                <a:effectLst/>
+                <a:latin typeface="Segoe UI Light" pitchFamily="34" charset="0"/>
+                <a:ea typeface="+mn-ea"/>
+                <a:cs typeface="+mn-cs"/>
+              </a:rPr>
+            </a:br>
+            <a:endParaRPr lang="en-US" sz="900" b="0" kern="1200" dirty="0">
+              <a:solidFill>
+                <a:schemeClr val="tx1"/>
+              </a:solidFill>
+              <a:effectLst/>
+              <a:latin typeface="Segoe UI Light" pitchFamily="34" charset="0"/>
+              <a:ea typeface="+mn-ea"/>
+              <a:cs typeface="+mn-cs"/>
+            </a:endParaRPr>
+          </a:p>
+          <a:p>
+            <a:endParaRPr lang="en-US" dirty="0"/>
           </a:p>
         </p:txBody>
       </p:sp>
@@ -2251,7 +3958,7 @@
             <a:spLocks noGrp="1"/>
           </p:cNvSpPr>
           <p:nvPr>
-            <p:ph type="hdr" sz="quarter" idx="10"/>
+            <p:ph type="hdr" sz="quarter"/>
           </p:nvPr>
         </p:nvSpPr>
         <p:spPr/>
@@ -2259,6 +3966,10 @@
           <a:bodyPr/>
           <a:lstStyle/>
           <a:p>
+            <a:r>
+              <a:rPr lang="en-US"/>
+              <a:t>SharePoint Framework</a:t>
+            </a:r>
             <a:endParaRPr lang="en-US" dirty="0"/>
           </a:p>
         </p:txBody>
@@ -2270,7 +3981,7 @@
             <a:spLocks noGrp="1"/>
           </p:cNvSpPr>
           <p:nvPr>
-            <p:ph type="ftr" sz="quarter" idx="11"/>
+            <p:ph type="ftr" sz="quarter" idx="4"/>
           </p:nvPr>
         </p:nvSpPr>
         <p:spPr/>
@@ -2324,7 +4035,7 @@
             <a:spLocks noGrp="1"/>
           </p:cNvSpPr>
           <p:nvPr>
-            <p:ph type="dt" idx="12"/>
+            <p:ph type="dt" idx="1"/>
           </p:nvPr>
         </p:nvSpPr>
         <p:spPr/>
@@ -2334,7 +4045,7 @@
           <a:p>
             <a:fld id="{D18B56EA-E28F-4F92-9F16-7A6F2501B303}" type="datetime8">
               <a:rPr lang="en-US" smtClean="0"/>
-              <a:t>3/2/2019 4:47 PM</a:t>
+              <a:t>2/27/20 2:14 PM</a:t>
             </a:fld>
             <a:endParaRPr lang="en-US" dirty="0"/>
           </a:p>
@@ -2347,7 +4058,7 @@
             <a:spLocks noGrp="1"/>
           </p:cNvSpPr>
           <p:nvPr>
-            <p:ph type="sldNum" sz="quarter" idx="13"/>
+            <p:ph type="sldNum" sz="quarter" idx="5"/>
           </p:nvPr>
         </p:nvSpPr>
         <p:spPr/>
@@ -2358,7 +4069,7 @@
             <a:fld id="{B4008EB6-D09E-4580-8CD6-DDB14511944F}" type="slidenum">
               <a:rPr lang="en-US" smtClean="0"/>
               <a:pPr/>
-              <a:t>15</a:t>
+              <a:t>8</a:t>
             </a:fld>
             <a:endParaRPr lang="en-US" dirty="0"/>
           </a:p>
@@ -2367,7 +4078,203 @@
     </p:spTree>
     <p:extLst>
       <p:ext uri="{BB962C8B-B14F-4D97-AF65-F5344CB8AC3E}">
-        <p14:creationId xmlns:p14="http://schemas.microsoft.com/office/powerpoint/2010/main" val="1685519606"/>
+        <p14:creationId xmlns:p14="http://schemas.microsoft.com/office/powerpoint/2010/main" val="3553162749"/>
+      </p:ext>
+    </p:extLst>
+  </p:cSld>
+  <p:clrMapOvr>
+    <a:masterClrMapping/>
+  </p:clrMapOvr>
+</p:notes>
+</file>
+
+<file path=ppt/notesSlides/notesSlide9.xml><?xml version="1.0" encoding="utf-8"?>
+<p:notes xmlns:a="http://schemas.openxmlformats.org/drawingml/2006/main" xmlns:r="http://schemas.openxmlformats.org/officeDocument/2006/relationships" xmlns:p="http://schemas.openxmlformats.org/presentationml/2006/main">
+  <p:cSld>
+    <p:spTree>
+      <p:nvGrpSpPr>
+        <p:cNvPr id="1" name=""/>
+        <p:cNvGrpSpPr/>
+        <p:nvPr/>
+      </p:nvGrpSpPr>
+      <p:grpSpPr>
+        <a:xfrm>
+          <a:off x="0" y="0"/>
+          <a:ext cx="0" cy="0"/>
+          <a:chOff x="0" y="0"/>
+          <a:chExt cx="0" cy="0"/>
+        </a:xfrm>
+      </p:grpSpPr>
+      <p:sp>
+        <p:nvSpPr>
+          <p:cNvPr id="2" name="Slide Image Placeholder 1"/>
+          <p:cNvSpPr>
+            <a:spLocks noGrp="1" noRot="1" noChangeAspect="1"/>
+          </p:cNvSpPr>
+          <p:nvPr>
+            <p:ph type="sldImg"/>
+          </p:nvPr>
+        </p:nvSpPr>
+        <p:spPr/>
+      </p:sp>
+      <p:sp>
+        <p:nvSpPr>
+          <p:cNvPr id="3" name="Notes Placeholder 2"/>
+          <p:cNvSpPr>
+            <a:spLocks noGrp="1"/>
+          </p:cNvSpPr>
+          <p:nvPr>
+            <p:ph type="body" idx="1"/>
+          </p:nvPr>
+        </p:nvSpPr>
+        <p:spPr/>
+        <p:txBody>
+          <a:bodyPr/>
+          <a:lstStyle/>
+          <a:p>
+            <a:r>
+              <a:rPr lang="en-US" sz="900" b="0" kern="1200" dirty="0">
+                <a:solidFill>
+                  <a:schemeClr val="tx1"/>
+                </a:solidFill>
+                <a:effectLst/>
+                <a:latin typeface="Segoe UI Light" pitchFamily="34" charset="0"/>
+                <a:ea typeface="+mn-ea"/>
+                <a:cs typeface="+mn-cs"/>
+              </a:rPr>
+              <a:t>Let's start with a simple React client-side web part. The properties on the web part, in this case the `description` property is set on the public property of the React control.</a:t>
+            </a:r>
+          </a:p>
+        </p:txBody>
+      </p:sp>
+      <p:sp>
+        <p:nvSpPr>
+          <p:cNvPr id="4" name="Header Placeholder 3"/>
+          <p:cNvSpPr>
+            <a:spLocks noGrp="1"/>
+          </p:cNvSpPr>
+          <p:nvPr>
+            <p:ph type="hdr" sz="quarter"/>
+          </p:nvPr>
+        </p:nvSpPr>
+        <p:spPr/>
+        <p:txBody>
+          <a:bodyPr/>
+          <a:lstStyle/>
+          <a:p>
+            <a:r>
+              <a:rPr lang="en-US"/>
+              <a:t>SharePoint Framework</a:t>
+            </a:r>
+            <a:endParaRPr lang="en-US" dirty="0"/>
+          </a:p>
+        </p:txBody>
+      </p:sp>
+      <p:sp>
+        <p:nvSpPr>
+          <p:cNvPr id="5" name="Footer Placeholder 4"/>
+          <p:cNvSpPr>
+            <a:spLocks noGrp="1"/>
+          </p:cNvSpPr>
+          <p:nvPr>
+            <p:ph type="ftr" sz="quarter" idx="4"/>
+          </p:nvPr>
+        </p:nvSpPr>
+        <p:spPr/>
+        <p:txBody>
+          <a:bodyPr/>
+          <a:lstStyle/>
+          <a:p>
+            <a:pPr defTabSz="914099" eaLnBrk="0" hangingPunct="0"/>
+            <a:r>
+              <a:rPr lang="en-US" sz="400">
+                <a:gradFill>
+                  <a:gsLst>
+                    <a:gs pos="0">
+                      <a:prstClr val="black"/>
+                    </a:gs>
+                    <a:gs pos="100000">
+                      <a:prstClr val="black"/>
+                    </a:gs>
+                  </a:gsLst>
+                  <a:lin ang="5400000" scaled="0"/>
+                </a:gradFill>
+                <a:latin typeface="Segoe UI" pitchFamily="34" charset="0"/>
+                <a:ea typeface="Segoe UI" pitchFamily="34" charset="0"/>
+                <a:cs typeface="Segoe UI" pitchFamily="34" charset="0"/>
+              </a:rPr>
+              <a:t>© Microsoft Corporation. All rights reserved. MICROSOFT MAKES NO WARRANTIES, EXPRESS, IMPLIED OR STATUTORY, AS TO THE INFORMATION IN THIS PRESENTATION.</a:t>
+            </a:r>
+            <a:endParaRPr lang="en-US" sz="400" dirty="0">
+              <a:gradFill>
+                <a:gsLst>
+                  <a:gs pos="0">
+                    <a:prstClr val="black"/>
+                  </a:gs>
+                  <a:gs pos="100000">
+                    <a:prstClr val="black"/>
+                  </a:gs>
+                </a:gsLst>
+                <a:lin ang="5400000" scaled="0"/>
+              </a:gradFill>
+              <a:latin typeface="Segoe UI" pitchFamily="34" charset="0"/>
+              <a:ea typeface="Segoe UI" pitchFamily="34" charset="0"/>
+              <a:cs typeface="Segoe UI" pitchFamily="34" charset="0"/>
+            </a:endParaRPr>
+          </a:p>
+        </p:txBody>
+      </p:sp>
+      <p:sp>
+        <p:nvSpPr>
+          <p:cNvPr id="6" name="Date Placeholder 5"/>
+          <p:cNvSpPr>
+            <a:spLocks noGrp="1"/>
+          </p:cNvSpPr>
+          <p:nvPr>
+            <p:ph type="dt" idx="1"/>
+          </p:nvPr>
+        </p:nvSpPr>
+        <p:spPr/>
+        <p:txBody>
+          <a:bodyPr/>
+          <a:lstStyle/>
+          <a:p>
+            <a:fld id="{D18B56EA-E28F-4F92-9F16-7A6F2501B303}" type="datetime8">
+              <a:rPr lang="en-US" smtClean="0"/>
+              <a:t>2/27/20 2:14 PM</a:t>
+            </a:fld>
+            <a:endParaRPr lang="en-US" dirty="0"/>
+          </a:p>
+        </p:txBody>
+      </p:sp>
+      <p:sp>
+        <p:nvSpPr>
+          <p:cNvPr id="7" name="Slide Number Placeholder 6"/>
+          <p:cNvSpPr>
+            <a:spLocks noGrp="1"/>
+          </p:cNvSpPr>
+          <p:nvPr>
+            <p:ph type="sldNum" sz="quarter" idx="5"/>
+          </p:nvPr>
+        </p:nvSpPr>
+        <p:spPr/>
+        <p:txBody>
+          <a:bodyPr/>
+          <a:lstStyle/>
+          <a:p>
+            <a:fld id="{B4008EB6-D09E-4580-8CD6-DDB14511944F}" type="slidenum">
+              <a:rPr lang="en-US" smtClean="0"/>
+              <a:pPr/>
+              <a:t>9</a:t>
+            </a:fld>
+            <a:endParaRPr lang="en-US" dirty="0"/>
+          </a:p>
+        </p:txBody>
+      </p:sp>
+    </p:spTree>
+    <p:extLst>
+      <p:ext uri="{BB962C8B-B14F-4D97-AF65-F5344CB8AC3E}">
+        <p14:creationId xmlns:p14="http://schemas.microsoft.com/office/powerpoint/2010/main" val="798252859"/>
       </p:ext>
     </p:extLst>
   </p:cSld>
@@ -14591,7 +16498,7 @@
       </a:lvl9pPr>
     </p:otherStyle>
   </p:txStyles>
-  <p:extLst mod="1">
+  <p:extLst>
     <p:ext uri="{27BBF7A9-308A-43DC-89C8-2F10F3537804}">
       <p15:sldGuideLst xmlns:p15="http://schemas.microsoft.com/office/powerpoint/2012/main">
         <p15:guide id="3" pos="1381" userDrawn="1">
@@ -17664,7 +19571,7 @@
           <p:nvPr/>
         </p:nvPicPr>
         <p:blipFill>
-          <a:blip r:embed="rId2"/>
+          <a:blip r:embed="rId3"/>
           <a:stretch>
             <a:fillRect/>
           </a:stretch>

--- a/01 intro.pptx
+++ b/01 intro.pptx
@@ -272,7 +272,7 @@
               <a:rPr lang="en-US" smtClean="0">
                 <a:latin typeface="Segoe UI" pitchFamily="34" charset="0"/>
               </a:rPr>
-              <a:t>2/27/20 12:48 PM</a:t>
+              <a:t>8/23/2020 9:06 AM</a:t>
             </a:fld>
             <a:endParaRPr lang="en-US" dirty="0">
               <a:latin typeface="Segoe UI" pitchFamily="34" charset="0"/>
@@ -569,7 +569,7 @@
           <a:p>
             <a:fld id="{D18B56EA-E28F-4F92-9F16-7A6F2501B303}" type="datetime8">
               <a:rPr lang="en-US" smtClean="0"/>
-              <a:t>2/27/20 12:48 PM</a:t>
+              <a:t>8/23/2020 9:06 AM</a:t>
             </a:fld>
             <a:endParaRPr lang="en-US" dirty="0"/>
           </a:p>
@@ -955,7 +955,7 @@
           <a:p>
             <a:fld id="{D18B56EA-E28F-4F92-9F16-7A6F2501B303}" type="datetime8">
               <a:rPr lang="en-US" smtClean="0"/>
-              <a:t>2/27/20 1:08 PM</a:t>
+              <a:t>8/23/2020 9:06 AM</a:t>
             </a:fld>
             <a:endParaRPr lang="en-US" dirty="0"/>
           </a:p>
@@ -1170,7 +1170,7 @@
           <a:p>
             <a:fld id="{D18B56EA-E28F-4F92-9F16-7A6F2501B303}" type="datetime8">
               <a:rPr lang="en-US" smtClean="0"/>
-              <a:t>2/27/20 2:30 PM</a:t>
+              <a:t>8/23/2020 9:06 AM</a:t>
             </a:fld>
             <a:endParaRPr lang="en-US" dirty="0"/>
           </a:p>
@@ -1351,7 +1351,7 @@
           <a:p>
             <a:fld id="{D18B56EA-E28F-4F92-9F16-7A6F2501B303}" type="datetime8">
               <a:rPr lang="en-US" smtClean="0"/>
-              <a:t>2/27/20 12:48 PM</a:t>
+              <a:t>8/23/2020 9:06 AM</a:t>
             </a:fld>
             <a:endParaRPr lang="en-US" dirty="0"/>
           </a:p>
@@ -1532,7 +1532,7 @@
           <a:p>
             <a:fld id="{D18B56EA-E28F-4F92-9F16-7A6F2501B303}" type="datetime8">
               <a:rPr lang="en-US" smtClean="0"/>
-              <a:t>2/27/20 12:48 PM</a:t>
+              <a:t>8/23/2020 9:06 AM</a:t>
             </a:fld>
             <a:endParaRPr lang="en-US" dirty="0"/>
           </a:p>
@@ -1713,7 +1713,7 @@
           <a:p>
             <a:fld id="{D18B56EA-E28F-4F92-9F16-7A6F2501B303}" type="datetime8">
               <a:rPr lang="en-US" smtClean="0"/>
-              <a:t>2/27/20 12:48 PM</a:t>
+              <a:t>8/23/2020 9:06 AM</a:t>
             </a:fld>
             <a:endParaRPr lang="en-US" dirty="0"/>
           </a:p>
@@ -1894,7 +1894,7 @@
           <a:p>
             <a:fld id="{D18B56EA-E28F-4F92-9F16-7A6F2501B303}" type="datetime8">
               <a:rPr lang="en-US" smtClean="0"/>
-              <a:t>2/27/20 12:48 PM</a:t>
+              <a:t>8/23/2020 9:06 AM</a:t>
             </a:fld>
             <a:endParaRPr lang="en-US" dirty="0"/>
           </a:p>
@@ -2078,7 +2078,7 @@
           <a:p>
             <a:fld id="{D18B56EA-E28F-4F92-9F16-7A6F2501B303}" type="datetime8">
               <a:rPr lang="en-US" smtClean="0"/>
-              <a:t>2/27/20 1:08 PM</a:t>
+              <a:t>8/23/2020 9:06 AM</a:t>
             </a:fld>
             <a:endParaRPr lang="en-US" dirty="0"/>
           </a:p>
@@ -2177,7 +2177,7 @@
               <a:buNone/>
             </a:pPr>
             <a:r>
-              <a:rPr lang="en-US" sz="900" b="1" kern="1200" dirty="0">
+              <a:rPr lang="en-US" sz="900" b="0" kern="1200" dirty="0">
                 <a:gradFill>
                   <a:gsLst>
                     <a:gs pos="1250">
@@ -2208,7 +2208,7 @@
               <a:buFont typeface="Arial" pitchFamily="34" charset="0"/>
               <a:buNone/>
             </a:pPr>
-            <a:endParaRPr lang="en-US" sz="900" b="1" kern="1200" dirty="0">
+            <a:endParaRPr lang="en-US" sz="900" b="0" kern="1200" dirty="0">
               <a:gradFill>
                 <a:gsLst>
                   <a:gs pos="1250">
@@ -2238,7 +2238,7 @@
               <a:buNone/>
             </a:pPr>
             <a:r>
-              <a:rPr lang="en-US" sz="900" b="1" kern="1200" dirty="0">
+              <a:rPr lang="en-US" sz="900" b="0" kern="1200" dirty="0">
                 <a:gradFill>
                   <a:gsLst>
                     <a:gs pos="1250">
@@ -2269,7 +2269,7 @@
               <a:buFont typeface="Arial" pitchFamily="34" charset="0"/>
               <a:buNone/>
             </a:pPr>
-            <a:endParaRPr lang="en-US" sz="900" b="1" kern="1200" dirty="0">
+            <a:endParaRPr lang="en-US" sz="900" b="0" kern="1200" dirty="0">
               <a:gradFill>
                 <a:gsLst>
                   <a:gs pos="1250">
@@ -2299,7 +2299,7 @@
               <a:buNone/>
             </a:pPr>
             <a:r>
-              <a:rPr lang="en-US" sz="900" b="1" kern="1200" dirty="0">
+              <a:rPr lang="en-US" sz="900" b="0" kern="1200" dirty="0">
                 <a:gradFill>
                   <a:gsLst>
                     <a:gs pos="1250">
@@ -2330,7 +2330,7 @@
               <a:buFont typeface="Arial" pitchFamily="34" charset="0"/>
               <a:buNone/>
             </a:pPr>
-            <a:endParaRPr lang="en-US" sz="900" b="1" kern="1200" dirty="0">
+            <a:endParaRPr lang="en-US" sz="900" b="0" kern="1200" dirty="0">
               <a:gradFill>
                 <a:gsLst>
                   <a:gs pos="1250">
@@ -2360,7 +2360,7 @@
               <a:buNone/>
             </a:pPr>
             <a:r>
-              <a:rPr lang="en-US" sz="900" b="1" kern="1200" dirty="0">
+              <a:rPr lang="en-US" sz="900" b="0" kern="1200" dirty="0">
                 <a:gradFill>
                   <a:gsLst>
                     <a:gs pos="1250">
@@ -2376,7 +2376,7 @@
                 <a:ea typeface="+mn-ea"/>
                 <a:cs typeface="+mn-cs"/>
               </a:rPr>
-              <a:t>Each page on the property contains one or more groups. Groups contain one or more field controls used to display or collect information from the user.</a:t>
+              <a:t>Each page on the property pane contains one or more groups. Groups contain one or more field controls used to display or collect information from the user.</a:t>
             </a:r>
           </a:p>
           <a:p>
@@ -2391,7 +2391,7 @@
               <a:buFont typeface="Arial" pitchFamily="34" charset="0"/>
               <a:buNone/>
             </a:pPr>
-            <a:endParaRPr lang="en-US" sz="900" b="1" kern="1200" dirty="0">
+            <a:endParaRPr lang="en-US" sz="900" b="0" kern="1200" dirty="0">
               <a:gradFill>
                 <a:gsLst>
                   <a:gs pos="1250">
@@ -2421,7 +2421,7 @@
               <a:buNone/>
             </a:pPr>
             <a:r>
-              <a:rPr lang="en-US" sz="900" b="1" kern="1200" dirty="0">
+              <a:rPr lang="en-US" sz="900" b="0" kern="1200" dirty="0">
                 <a:gradFill>
                   <a:gsLst>
                     <a:gs pos="1250">
@@ -2452,7 +2452,7 @@
               <a:buFont typeface="Arial" pitchFamily="34" charset="0"/>
               <a:buNone/>
             </a:pPr>
-            <a:endParaRPr lang="en-US" sz="900" b="1" kern="1200" dirty="0">
+            <a:endParaRPr lang="en-US" sz="900" b="0" kern="1200" dirty="0">
               <a:gradFill>
                 <a:gsLst>
                   <a:gs pos="1250">
@@ -2482,7 +2482,7 @@
               <a:buNone/>
             </a:pPr>
             <a:r>
-              <a:rPr lang="en-US" sz="900" b="1" kern="1200" dirty="0">
+              <a:rPr lang="en-US" sz="900" b="0" kern="1200" dirty="0">
                 <a:gradFill>
                   <a:gsLst>
                     <a:gs pos="1250">
@@ -2513,7 +2513,7 @@
               <a:buFont typeface="Arial" pitchFamily="34" charset="0"/>
               <a:buNone/>
             </a:pPr>
-            <a:endParaRPr lang="en-US" sz="900" b="1" kern="1200" dirty="0">
+            <a:endParaRPr lang="en-US" sz="900" b="0" kern="1200" dirty="0">
               <a:gradFill>
                 <a:gsLst>
                   <a:gs pos="1250">
@@ -2543,7 +2543,7 @@
               <a:buNone/>
             </a:pPr>
             <a:r>
-              <a:rPr lang="en-US" sz="900" b="1" kern="1200" dirty="0">
+              <a:rPr lang="en-US" sz="900" b="0" kern="1200" dirty="0">
                 <a:gradFill>
                   <a:gsLst>
                     <a:gs pos="1250">
@@ -2575,7 +2575,7 @@
               <a:buNone/>
             </a:pPr>
             <a:r>
-              <a:rPr lang="en-US" sz="900" b="1" kern="1200" dirty="0">
+              <a:rPr lang="en-US" sz="900" b="0" kern="1200" dirty="0">
                 <a:gradFill>
                   <a:gsLst>
                     <a:gs pos="1250">
@@ -2607,7 +2607,7 @@
               <a:buNone/>
             </a:pPr>
             <a:r>
-              <a:rPr lang="en-US" sz="900" b="1" kern="1200" dirty="0">
+              <a:rPr lang="en-US" sz="900" b="0" kern="1200" dirty="0">
                 <a:gradFill>
                   <a:gsLst>
                     <a:gs pos="1250">
@@ -2639,7 +2639,7 @@
               <a:buNone/>
             </a:pPr>
             <a:r>
-              <a:rPr lang="en-US" sz="900" b="1" kern="1200" dirty="0">
+              <a:rPr lang="en-US" sz="900" b="0" kern="1200" dirty="0">
                 <a:gradFill>
                   <a:gsLst>
                     <a:gs pos="1250">
@@ -2671,7 +2671,7 @@
               <a:buNone/>
             </a:pPr>
             <a:r>
-              <a:rPr lang="en-US" sz="900" b="1" kern="1200" dirty="0">
+              <a:rPr lang="en-US" sz="900" b="0" kern="1200" dirty="0">
                 <a:gradFill>
                   <a:gsLst>
                     <a:gs pos="1250">
@@ -2703,7 +2703,7 @@
               <a:buNone/>
             </a:pPr>
             <a:r>
-              <a:rPr lang="en-US" sz="900" b="1" kern="1200" dirty="0">
+              <a:rPr lang="en-US" sz="900" b="0" kern="1200" dirty="0">
                 <a:gradFill>
                   <a:gsLst>
                     <a:gs pos="1250">
@@ -2735,7 +2735,7 @@
               <a:buNone/>
             </a:pPr>
             <a:r>
-              <a:rPr lang="en-US" sz="900" b="1" kern="1200" dirty="0">
+              <a:rPr lang="en-US" sz="900" b="0" kern="1200" dirty="0">
                 <a:gradFill>
                   <a:gsLst>
                     <a:gs pos="1250">
@@ -2766,7 +2766,7 @@
               <a:buFont typeface="Arial" pitchFamily="34" charset="0"/>
               <a:buNone/>
             </a:pPr>
-            <a:endParaRPr lang="en-US" sz="900" b="1" kern="1200" dirty="0">
+            <a:endParaRPr lang="en-US" sz="900" b="0" kern="1200" dirty="0">
               <a:gradFill>
                 <a:gsLst>
                   <a:gs pos="1250">
@@ -2796,7 +2796,7 @@
               <a:buNone/>
             </a:pPr>
             <a:r>
-              <a:rPr lang="en-US" sz="900" b="1" kern="1200" dirty="0">
+              <a:rPr lang="en-US" sz="900" b="0" kern="1200" dirty="0">
                 <a:gradFill>
                   <a:gsLst>
                     <a:gs pos="1250">
@@ -2827,7 +2827,7 @@
               <a:buFont typeface="Arial" pitchFamily="34" charset="0"/>
               <a:buNone/>
             </a:pPr>
-            <a:endParaRPr lang="en-US" sz="900" b="1" kern="1200" dirty="0">
+            <a:endParaRPr lang="en-US" sz="900" b="0" kern="1200" dirty="0">
               <a:gradFill>
                 <a:gsLst>
                   <a:gs pos="1250">
@@ -2857,7 +2857,7 @@
               <a:buNone/>
             </a:pPr>
             <a:r>
-              <a:rPr lang="en-US" sz="900" b="1" kern="1200" dirty="0">
+              <a:rPr lang="en-US" sz="900" b="0" kern="1200" dirty="0">
                 <a:gradFill>
                   <a:gsLst>
                     <a:gs pos="1250">
@@ -2873,8 +2873,75 @@
                 <a:ea typeface="+mn-ea"/>
                 <a:cs typeface="+mn-cs"/>
               </a:rPr>
-              <a:t>Developers can also create custom property pane field controls, or use third-party controls, when one of the existing controls doesn't meet the business business requirements.</a:t>
-            </a:r>
+              <a:t>Developers can also create custom property pane field controls, or use third-party controls, when one of the existing controls doesn't meet the business </a:t>
+            </a:r>
+            <a:r>
+              <a:rPr lang="en-US" sz="900" b="0" kern="1200" dirty="0" err="1">
+                <a:gradFill>
+                  <a:gsLst>
+                    <a:gs pos="1250">
+                      <a:schemeClr val="tx1"/>
+                    </a:gs>
+                    <a:gs pos="100000">
+                      <a:schemeClr val="tx1"/>
+                    </a:gs>
+                  </a:gsLst>
+                  <a:lin ang="5400000" scaled="0"/>
+                </a:gradFill>
+                <a:latin typeface="Segoe UI Light" pitchFamily="34" charset="0"/>
+                <a:ea typeface="+mn-ea"/>
+                <a:cs typeface="+mn-cs"/>
+              </a:rPr>
+              <a:t>business</a:t>
+            </a:r>
+            <a:r>
+              <a:rPr lang="en-US" sz="900" b="0" kern="1200" dirty="0">
+                <a:gradFill>
+                  <a:gsLst>
+                    <a:gs pos="1250">
+                      <a:schemeClr val="tx1"/>
+                    </a:gs>
+                    <a:gs pos="100000">
+                      <a:schemeClr val="tx1"/>
+                    </a:gs>
+                  </a:gsLst>
+                  <a:lin ang="5400000" scaled="0"/>
+                </a:gradFill>
+                <a:latin typeface="Segoe UI Light" pitchFamily="34" charset="0"/>
+                <a:ea typeface="+mn-ea"/>
+                <a:cs typeface="+mn-cs"/>
+              </a:rPr>
+              <a:t> requirements.</a:t>
+            </a:r>
+          </a:p>
+          <a:p>
+            <a:pPr marL="466371" lvl="1" indent="0">
+              <a:lnSpc>
+                <a:spcPct val="90000"/>
+              </a:lnSpc>
+              <a:spcBef>
+                <a:spcPct val="20000"/>
+              </a:spcBef>
+              <a:buSzPct val="90000"/>
+              <a:buFont typeface="Arial" pitchFamily="34" charset="0"/>
+              <a:buNone/>
+            </a:pPr>
+            <a:endParaRPr lang="en-US" sz="900" b="0" kern="1200" dirty="0">
+              <a:gradFill>
+                <a:gsLst>
+                  <a:gs pos="1250">
+                    <a:schemeClr val="tx1"/>
+                  </a:gs>
+                  <a:gs pos="100000">
+                    <a:schemeClr val="tx1"/>
+                  </a:gs>
+                </a:gsLst>
+                <a:lin ang="5400000" scaled="0"/>
+              </a:gradFill>
+              <a:latin typeface="Segoe UI Light" pitchFamily="34" charset="0"/>
+              <a:ea typeface="+mn-ea"/>
+              <a:cs typeface="+mn-cs"/>
+            </a:endParaRPr>
           </a:p>
         </p:txBody>
       </p:sp>
@@ -3404,7 +3471,7 @@
           <a:p>
             <a:fld id="{D18B56EA-E28F-4F92-9F16-7A6F2501B303}" type="datetime8">
               <a:rPr lang="en-US" smtClean="0"/>
-              <a:t>2/27/20 1:53 PM</a:t>
+              <a:t>8/23/2020 9:06 AM</a:t>
             </a:fld>
             <a:endParaRPr lang="en-US" dirty="0"/>
           </a:p>
@@ -3501,8 +3568,14 @@
           </a:p>
           <a:p>
             <a:r>
-              <a:rPr lang="en-US" dirty="0"/>
-              <a:t>The default mode is reactive. In this mode, as you change the value of the property pane control, those changes are immediately applied live to the corresponding properties that they're attached to. </a:t>
+              <a:rPr lang="en-US" b="0" dirty="0">
+                <a:solidFill>
+                  <a:srgbClr val="000000"/>
+                </a:solidFill>
+                <a:effectLst/>
+                <a:latin typeface="Consolas" panose="020B0609020204030204" pitchFamily="49" charset="0"/>
+              </a:rPr>
+              <a:t>The default mode is reactive. In this mode, changes the value of the property pane controls are immediately applied to the associated properties of the web part.</a:t>
             </a:r>
           </a:p>
           <a:p>
@@ -3625,7 +3698,7 @@
           <a:p>
             <a:fld id="{D18B56EA-E28F-4F92-9F16-7A6F2501B303}" type="datetime8">
               <a:rPr lang="en-US" smtClean="0"/>
-              <a:t>2/27/20 1:59 PM</a:t>
+              <a:t>8/23/2020 9:06 AM</a:t>
             </a:fld>
             <a:endParaRPr lang="en-US" dirty="0"/>
           </a:p>
@@ -3824,7 +3897,7 @@
           <a:p>
             <a:fld id="{D18B56EA-E28F-4F92-9F16-7A6F2501B303}" type="datetime8">
               <a:rPr lang="en-US" smtClean="0"/>
-              <a:t>2/27/20 2:02 PM</a:t>
+              <a:t>8/23/2020 9:06 AM</a:t>
             </a:fld>
             <a:endParaRPr lang="en-US" dirty="0"/>
           </a:p>
@@ -4045,7 +4118,7 @@
           <a:p>
             <a:fld id="{D18B56EA-E28F-4F92-9F16-7A6F2501B303}" type="datetime8">
               <a:rPr lang="en-US" smtClean="0"/>
-              <a:t>2/27/20 2:14 PM</a:t>
+              <a:t>8/23/2020 9:06 AM</a:t>
             </a:fld>
             <a:endParaRPr lang="en-US" dirty="0"/>
           </a:p>
@@ -4241,7 +4314,7 @@
           <a:p>
             <a:fld id="{D18B56EA-E28F-4F92-9F16-7A6F2501B303}" type="datetime8">
               <a:rPr lang="en-US" smtClean="0"/>
-              <a:t>2/27/20 2:14 PM</a:t>
+              <a:t>8/23/2020 9:06 AM</a:t>
             </a:fld>
             <a:endParaRPr lang="en-US" dirty="0"/>
           </a:p>

--- a/01 intro.pptx
+++ b/01 intro.pptx
@@ -272,7 +272,7 @@
               <a:rPr lang="en-US" smtClean="0">
                 <a:latin typeface="Segoe UI" pitchFamily="34" charset="0"/>
               </a:rPr>
-              <a:t>8/23/2020 9:06 AM</a:t>
+              <a:t>3/2/2021 6:35 AM</a:t>
             </a:fld>
             <a:endParaRPr lang="en-US" dirty="0">
               <a:latin typeface="Segoe UI" pitchFamily="34" charset="0"/>
@@ -569,7 +569,7 @@
           <a:p>
             <a:fld id="{D18B56EA-E28F-4F92-9F16-7A6F2501B303}" type="datetime8">
               <a:rPr lang="en-US" smtClean="0"/>
-              <a:t>8/23/2020 9:06 AM</a:t>
+              <a:t>3/2/2021 6:35 AM</a:t>
             </a:fld>
             <a:endParaRPr lang="en-US" dirty="0"/>
           </a:p>
@@ -955,7 +955,7 @@
           <a:p>
             <a:fld id="{D18B56EA-E28F-4F92-9F16-7A6F2501B303}" type="datetime8">
               <a:rPr lang="en-US" smtClean="0"/>
-              <a:t>8/23/2020 9:06 AM</a:t>
+              <a:t>3/2/2021 6:35 AM</a:t>
             </a:fld>
             <a:endParaRPr lang="en-US" dirty="0"/>
           </a:p>
@@ -1170,7 +1170,7 @@
           <a:p>
             <a:fld id="{D18B56EA-E28F-4F92-9F16-7A6F2501B303}" type="datetime8">
               <a:rPr lang="en-US" smtClean="0"/>
-              <a:t>8/23/2020 9:06 AM</a:t>
+              <a:t>3/2/2021 6:35 AM</a:t>
             </a:fld>
             <a:endParaRPr lang="en-US" dirty="0"/>
           </a:p>
@@ -1351,7 +1351,7 @@
           <a:p>
             <a:fld id="{D18B56EA-E28F-4F92-9F16-7A6F2501B303}" type="datetime8">
               <a:rPr lang="en-US" smtClean="0"/>
-              <a:t>8/23/2020 9:06 AM</a:t>
+              <a:t>3/2/2021 6:35 AM</a:t>
             </a:fld>
             <a:endParaRPr lang="en-US" dirty="0"/>
           </a:p>
@@ -1532,7 +1532,7 @@
           <a:p>
             <a:fld id="{D18B56EA-E28F-4F92-9F16-7A6F2501B303}" type="datetime8">
               <a:rPr lang="en-US" smtClean="0"/>
-              <a:t>8/23/2020 9:06 AM</a:t>
+              <a:t>3/2/2021 6:35 AM</a:t>
             </a:fld>
             <a:endParaRPr lang="en-US" dirty="0"/>
           </a:p>
@@ -1713,7 +1713,7 @@
           <a:p>
             <a:fld id="{D18B56EA-E28F-4F92-9F16-7A6F2501B303}" type="datetime8">
               <a:rPr lang="en-US" smtClean="0"/>
-              <a:t>8/23/2020 9:06 AM</a:t>
+              <a:t>3/2/2021 6:35 AM</a:t>
             </a:fld>
             <a:endParaRPr lang="en-US" dirty="0"/>
           </a:p>
@@ -1894,7 +1894,7 @@
           <a:p>
             <a:fld id="{D18B56EA-E28F-4F92-9F16-7A6F2501B303}" type="datetime8">
               <a:rPr lang="en-US" smtClean="0"/>
-              <a:t>8/23/2020 9:06 AM</a:t>
+              <a:t>3/2/2021 6:35 AM</a:t>
             </a:fld>
             <a:endParaRPr lang="en-US" dirty="0"/>
           </a:p>
@@ -2078,7 +2078,7 @@
           <a:p>
             <a:fld id="{D18B56EA-E28F-4F92-9F16-7A6F2501B303}" type="datetime8">
               <a:rPr lang="en-US" smtClean="0"/>
-              <a:t>8/23/2020 9:06 AM</a:t>
+              <a:t>3/2/2021 6:35 AM</a:t>
             </a:fld>
             <a:endParaRPr lang="en-US" dirty="0"/>
           </a:p>
@@ -3331,23 +3331,7 @@
           <a:p>
             <a:r>
               <a:rPr lang="en-US" dirty="0"/>
-              <a:t>Next, you need to import the field control objects into your web part's class. These controls are located in the **@</a:t>
-            </a:r>
-            <a:r>
-              <a:rPr lang="en-US" dirty="0" err="1"/>
-              <a:t>microsoft</a:t>
-            </a:r>
-            <a:r>
-              <a:rPr lang="en-US" dirty="0"/>
-              <a:t>/</a:t>
-            </a:r>
-            <a:r>
-              <a:rPr lang="en-US" dirty="0" err="1"/>
-              <a:t>sp</a:t>
-            </a:r>
-            <a:r>
-              <a:rPr lang="en-US" dirty="0"/>
-              <a:t>-webpart-base** package.</a:t>
+              <a:t>Next, you need to import the field control objects into your web part's class. These controls are located in the **@microsoft/sp-property-pane** package.</a:t>
             </a:r>
           </a:p>
           <a:p>
@@ -3471,7 +3455,7 @@
           <a:p>
             <a:fld id="{D18B56EA-E28F-4F92-9F16-7A6F2501B303}" type="datetime8">
               <a:rPr lang="en-US" smtClean="0"/>
-              <a:t>8/23/2020 9:06 AM</a:t>
+              <a:t>3/2/2021 6:35 AM</a:t>
             </a:fld>
             <a:endParaRPr lang="en-US" dirty="0"/>
           </a:p>
@@ -3698,7 +3682,7 @@
           <a:p>
             <a:fld id="{D18B56EA-E28F-4F92-9F16-7A6F2501B303}" type="datetime8">
               <a:rPr lang="en-US" smtClean="0"/>
-              <a:t>8/23/2020 9:06 AM</a:t>
+              <a:t>3/2/2021 6:35 AM</a:t>
             </a:fld>
             <a:endParaRPr lang="en-US" dirty="0"/>
           </a:p>
@@ -3897,7 +3881,7 @@
           <a:p>
             <a:fld id="{D18B56EA-E28F-4F92-9F16-7A6F2501B303}" type="datetime8">
               <a:rPr lang="en-US" smtClean="0"/>
-              <a:t>8/23/2020 9:06 AM</a:t>
+              <a:t>3/2/2021 6:35 AM</a:t>
             </a:fld>
             <a:endParaRPr lang="en-US" dirty="0"/>
           </a:p>
@@ -4118,7 +4102,7 @@
           <a:p>
             <a:fld id="{D18B56EA-E28F-4F92-9F16-7A6F2501B303}" type="datetime8">
               <a:rPr lang="en-US" smtClean="0"/>
-              <a:t>8/23/2020 9:06 AM</a:t>
+              <a:t>3/2/2021 6:35 AM</a:t>
             </a:fld>
             <a:endParaRPr lang="en-US" dirty="0"/>
           </a:p>
@@ -4314,7 +4298,7 @@
           <a:p>
             <a:fld id="{D18B56EA-E28F-4F92-9F16-7A6F2501B303}" type="datetime8">
               <a:rPr lang="en-US" smtClean="0"/>
-              <a:t>8/23/2020 9:06 AM</a:t>
+              <a:t>3/2/2021 6:35 AM</a:t>
             </a:fld>
             <a:endParaRPr lang="en-US" dirty="0"/>
           </a:p>
@@ -19258,7 +19242,7 @@
         <p:spPr>
           <a:xfrm>
             <a:off x="464400" y="1212850"/>
-            <a:ext cx="11574000" cy="4292072"/>
+            <a:ext cx="11574000" cy="4292137"/>
           </a:xfrm>
         </p:spPr>
         <p:txBody>
@@ -19306,49 +19290,7 @@
                 <a:latin typeface="Courier New" panose="02070309020205020404" pitchFamily="49" charset="0"/>
                 <a:cs typeface="Courier New" panose="02070309020205020404" pitchFamily="49" charset="0"/>
               </a:rPr>
-              <a:t>@</a:t>
-            </a:r>
-            <a:r>
-              <a:rPr lang="en-US" dirty="0" err="1">
-                <a:latin typeface="Courier New" panose="02070309020205020404" pitchFamily="49" charset="0"/>
-                <a:cs typeface="Courier New" panose="02070309020205020404" pitchFamily="49" charset="0"/>
-              </a:rPr>
-              <a:t>microsoft</a:t>
-            </a:r>
-            <a:r>
-              <a:rPr lang="en-US" dirty="0">
-                <a:latin typeface="Courier New" panose="02070309020205020404" pitchFamily="49" charset="0"/>
-                <a:cs typeface="Courier New" panose="02070309020205020404" pitchFamily="49" charset="0"/>
-              </a:rPr>
-              <a:t>/</a:t>
-            </a:r>
-            <a:r>
-              <a:rPr lang="en-US" dirty="0" err="1">
-                <a:latin typeface="Courier New" panose="02070309020205020404" pitchFamily="49" charset="0"/>
-                <a:cs typeface="Courier New" panose="02070309020205020404" pitchFamily="49" charset="0"/>
-              </a:rPr>
-              <a:t>sp</a:t>
-            </a:r>
-            <a:r>
-              <a:rPr lang="en-US" dirty="0">
-                <a:latin typeface="Courier New" panose="02070309020205020404" pitchFamily="49" charset="0"/>
-                <a:cs typeface="Courier New" panose="02070309020205020404" pitchFamily="49" charset="0"/>
-              </a:rPr>
-              <a:t>-</a:t>
-            </a:r>
-            <a:r>
-              <a:rPr lang="en-US" dirty="0" err="1">
-                <a:latin typeface="Courier New" panose="02070309020205020404" pitchFamily="49" charset="0"/>
-                <a:cs typeface="Courier New" panose="02070309020205020404" pitchFamily="49" charset="0"/>
-              </a:rPr>
-              <a:t>webpart</a:t>
-            </a:r>
-            <a:r>
-              <a:rPr lang="en-US" dirty="0">
-                <a:latin typeface="Courier New" panose="02070309020205020404" pitchFamily="49" charset="0"/>
-                <a:cs typeface="Courier New" panose="02070309020205020404" pitchFamily="49" charset="0"/>
-              </a:rPr>
-              <a:t>-base</a:t>
+              <a:t>@microsoft/sp-property-pane</a:t>
             </a:r>
             <a:r>
               <a:rPr lang="en-US" dirty="0"/>

--- a/01 intro.pptx
+++ b/01 intro.pptx
@@ -272,7 +272,7 @@
               <a:rPr lang="en-US" smtClean="0">
                 <a:latin typeface="Segoe UI" pitchFamily="34" charset="0"/>
               </a:rPr>
-              <a:t>3/2/2021 6:35 AM</a:t>
+              <a:t>11/9/2022 1:04 PM</a:t>
             </a:fld>
             <a:endParaRPr lang="en-US" dirty="0">
               <a:latin typeface="Segoe UI" pitchFamily="34" charset="0"/>
@@ -569,7 +569,7 @@
           <a:p>
             <a:fld id="{D18B56EA-E28F-4F92-9F16-7A6F2501B303}" type="datetime8">
               <a:rPr lang="en-US" smtClean="0"/>
-              <a:t>3/2/2021 6:35 AM</a:t>
+              <a:t>11/9/2022 1:04 PM</a:t>
             </a:fld>
             <a:endParaRPr lang="en-US" dirty="0"/>
           </a:p>
@@ -955,7 +955,7 @@
           <a:p>
             <a:fld id="{D18B56EA-E28F-4F92-9F16-7A6F2501B303}" type="datetime8">
               <a:rPr lang="en-US" smtClean="0"/>
-              <a:t>3/2/2021 6:35 AM</a:t>
+              <a:t>11/9/2022 1:04 PM</a:t>
             </a:fld>
             <a:endParaRPr lang="en-US" dirty="0"/>
           </a:p>
@@ -1170,7 +1170,7 @@
           <a:p>
             <a:fld id="{D18B56EA-E28F-4F92-9F16-7A6F2501B303}" type="datetime8">
               <a:rPr lang="en-US" smtClean="0"/>
-              <a:t>3/2/2021 6:35 AM</a:t>
+              <a:t>11/9/2022 1:04 PM</a:t>
             </a:fld>
             <a:endParaRPr lang="en-US" dirty="0"/>
           </a:p>
@@ -1351,7 +1351,7 @@
           <a:p>
             <a:fld id="{D18B56EA-E28F-4F92-9F16-7A6F2501B303}" type="datetime8">
               <a:rPr lang="en-US" smtClean="0"/>
-              <a:t>3/2/2021 6:35 AM</a:t>
+              <a:t>11/9/2022 1:04 PM</a:t>
             </a:fld>
             <a:endParaRPr lang="en-US" dirty="0"/>
           </a:p>
@@ -1532,7 +1532,7 @@
           <a:p>
             <a:fld id="{D18B56EA-E28F-4F92-9F16-7A6F2501B303}" type="datetime8">
               <a:rPr lang="en-US" smtClean="0"/>
-              <a:t>3/2/2021 6:35 AM</a:t>
+              <a:t>11/9/2022 1:04 PM</a:t>
             </a:fld>
             <a:endParaRPr lang="en-US" dirty="0"/>
           </a:p>
@@ -1713,7 +1713,7 @@
           <a:p>
             <a:fld id="{D18B56EA-E28F-4F92-9F16-7A6F2501B303}" type="datetime8">
               <a:rPr lang="en-US" smtClean="0"/>
-              <a:t>3/2/2021 6:35 AM</a:t>
+              <a:t>11/9/2022 1:04 PM</a:t>
             </a:fld>
             <a:endParaRPr lang="en-US" dirty="0"/>
           </a:p>
@@ -1894,7 +1894,7 @@
           <a:p>
             <a:fld id="{D18B56EA-E28F-4F92-9F16-7A6F2501B303}" type="datetime8">
               <a:rPr lang="en-US" smtClean="0"/>
-              <a:t>3/2/2021 6:35 AM</a:t>
+              <a:t>11/9/2022 1:04 PM</a:t>
             </a:fld>
             <a:endParaRPr lang="en-US" dirty="0"/>
           </a:p>
@@ -2078,7 +2078,7 @@
           <a:p>
             <a:fld id="{D18B56EA-E28F-4F92-9F16-7A6F2501B303}" type="datetime8">
               <a:rPr lang="en-US" smtClean="0"/>
-              <a:t>3/2/2021 6:35 AM</a:t>
+              <a:t>11/9/2022 1:04 PM</a:t>
             </a:fld>
             <a:endParaRPr lang="en-US" dirty="0"/>
           </a:p>
@@ -3455,7 +3455,7 @@
           <a:p>
             <a:fld id="{D18B56EA-E28F-4F92-9F16-7A6F2501B303}" type="datetime8">
               <a:rPr lang="en-US" smtClean="0"/>
-              <a:t>3/2/2021 6:35 AM</a:t>
+              <a:t>11/9/2022 1:04 PM</a:t>
             </a:fld>
             <a:endParaRPr lang="en-US" dirty="0"/>
           </a:p>
@@ -3682,7 +3682,7 @@
           <a:p>
             <a:fld id="{D18B56EA-E28F-4F92-9F16-7A6F2501B303}" type="datetime8">
               <a:rPr lang="en-US" smtClean="0"/>
-              <a:t>3/2/2021 6:35 AM</a:t>
+              <a:t>11/9/2022 1:04 PM</a:t>
             </a:fld>
             <a:endParaRPr lang="en-US" dirty="0"/>
           </a:p>
@@ -3881,7 +3881,7 @@
           <a:p>
             <a:fld id="{D18B56EA-E28F-4F92-9F16-7A6F2501B303}" type="datetime8">
               <a:rPr lang="en-US" smtClean="0"/>
-              <a:t>3/2/2021 6:35 AM</a:t>
+              <a:t>11/9/2022 1:04 PM</a:t>
             </a:fld>
             <a:endParaRPr lang="en-US" dirty="0"/>
           </a:p>
@@ -4102,7 +4102,7 @@
           <a:p>
             <a:fld id="{D18B56EA-E28F-4F92-9F16-7A6F2501B303}" type="datetime8">
               <a:rPr lang="en-US" smtClean="0"/>
-              <a:t>3/2/2021 6:35 AM</a:t>
+              <a:t>11/9/2022 1:04 PM</a:t>
             </a:fld>
             <a:endParaRPr lang="en-US" dirty="0"/>
           </a:p>
@@ -4298,7 +4298,7 @@
           <a:p>
             <a:fld id="{D18B56EA-E28F-4F92-9F16-7A6F2501B303}" type="datetime8">
               <a:rPr lang="en-US" smtClean="0"/>
-              <a:t>3/2/2021 6:35 AM</a:t>
+              <a:t>11/9/2022 1:04 PM</a:t>
             </a:fld>
             <a:endParaRPr lang="en-US" dirty="0"/>
           </a:p>
@@ -17962,7 +17962,7 @@
                 <a:latin typeface="+mj-lt"/>
                 <a:hlinkClick r:id="rId3"/>
               </a:rPr>
-              <a:t>https://docs.microsoft.com/sharepoint/dev/spfx/sharepoint-framework-overview</a:t>
+              <a:t>https://learn.microsoft.com/sharepoint/dev/spfx/sharepoint-framework-overview</a:t>
             </a:r>
             <a:endParaRPr lang="en-US" sz="1800" dirty="0">
               <a:latin typeface="+mj-lt"/>
@@ -18024,7 +18024,7 @@
                 <a:latin typeface="+mj-lt"/>
                 <a:hlinkClick r:id="rId4"/>
               </a:rPr>
-              <a:t>https://docs.microsoft.com/sharepoint/dev/spfx/web-parts/basics/integrate-with-property-pane</a:t>
+              <a:t>https://learn.microsoft.com/sharepoint/dev/spfx/web-parts/basics/integrate-with-property-pane</a:t>
             </a:r>
             <a:r>
               <a:rPr lang="en-US" sz="1800" dirty="0">
@@ -18082,7 +18082,7 @@
                 <a:latin typeface="+mj-lt"/>
                 <a:hlinkClick r:id="rId5"/>
               </a:rPr>
-              <a:t>https://docs.microsoft.com/sharepoint/dev/spfx/web-parts/guidance/validate-web-part-property-values</a:t>
+              <a:t>https://learn.microsoft.com/sharepoint/dev/spfx/web-parts/guidance/validate-web-part-property-values</a:t>
             </a:r>
             <a:r>
               <a:rPr lang="en-US" sz="1800" dirty="0">
